--- a/Paper/graficos/Figura 1.pptx
+++ b/Paper/graficos/Figura 1.pptx
@@ -5,10 +5,15 @@
     <p:sldMasterId id="2147483662" r:id="rId1"/>
   </p:sldMasterIdLst>
   <p:notesMasterIdLst>
-    <p:notesMasterId r:id="rId3"/>
+    <p:notesMasterId r:id="rId8"/>
   </p:notesMasterIdLst>
   <p:sldIdLst>
-    <p:sldId id="256" r:id="rId2"/>
+    <p:sldId id="261" r:id="rId2"/>
+    <p:sldId id="259" r:id="rId3"/>
+    <p:sldId id="260" r:id="rId4"/>
+    <p:sldId id="262" r:id="rId5"/>
+    <p:sldId id="263" r:id="rId6"/>
+    <p:sldId id="264" r:id="rId7"/>
   </p:sldIdLst>
   <p:sldSz cx="7199313" cy="5400675"/>
   <p:notesSz cx="6858000" cy="9144000"/>
@@ -129,13 +134,1090 @@
 <file path=ppt/revisionInfo.xml><?xml version="1.0" encoding="utf-8"?>
 <p1510:revInfo xmlns:a="http://schemas.openxmlformats.org/drawingml/2006/main" xmlns:r="http://schemas.openxmlformats.org/officeDocument/2006/relationships" xmlns:p1510="http://schemas.microsoft.com/office/powerpoint/2015/10/main">
   <p1510:revLst>
-    <p1510:client id="{4B7EC3D8-2982-495B-8349-621434CDB295}" v="24" dt="2024-03-03T16:21:40.456"/>
+    <p1510:client id="{83BF9F6A-0012-4AB0-A1D1-38D280A9819B}" v="14" dt="2024-04-19T18:08:23.504"/>
   </p1510:revLst>
 </p1510:revInfo>
 </file>
 
 <file path=ppt/changesInfos/changesInfo1.xml><?xml version="1.0" encoding="utf-8"?>
 <pc:chgInfo xmlns:a="http://schemas.openxmlformats.org/drawingml/2006/main" xmlns:r="http://schemas.openxmlformats.org/officeDocument/2006/relationships" xmlns:ac="http://schemas.microsoft.com/office/drawing/2013/main/command" xmlns:pc="http://schemas.microsoft.com/office/powerpoint/2013/main/command">
+  <pc:docChgLst>
+    <pc:chgData name="Pablo Ignacio Reyes Polanco" userId="1bd29249-bfd7-42f0-9d77-7f34e46a1cb7" providerId="ADAL" clId="{83BF9F6A-0012-4AB0-A1D1-38D280A9819B}"/>
+    <pc:docChg chg="undo redo custSel addSld delSld modSld sldOrd">
+      <pc:chgData name="Pablo Ignacio Reyes Polanco" userId="1bd29249-bfd7-42f0-9d77-7f34e46a1cb7" providerId="ADAL" clId="{83BF9F6A-0012-4AB0-A1D1-38D280A9819B}" dt="2024-04-19T18:09:35.569" v="293" actId="478"/>
+      <pc:docMkLst>
+        <pc:docMk/>
+      </pc:docMkLst>
+      <pc:sldChg chg="del">
+        <pc:chgData name="Pablo Ignacio Reyes Polanco" userId="1bd29249-bfd7-42f0-9d77-7f34e46a1cb7" providerId="ADAL" clId="{83BF9F6A-0012-4AB0-A1D1-38D280A9819B}" dt="2024-04-18T16:33:53.614" v="23" actId="47"/>
+        <pc:sldMkLst>
+          <pc:docMk/>
+          <pc:sldMk cId="1412266638" sldId="256"/>
+        </pc:sldMkLst>
+      </pc:sldChg>
+      <pc:sldChg chg="addSp delSp modSp add del mod">
+        <pc:chgData name="Pablo Ignacio Reyes Polanco" userId="1bd29249-bfd7-42f0-9d77-7f34e46a1cb7" providerId="ADAL" clId="{83BF9F6A-0012-4AB0-A1D1-38D280A9819B}" dt="2024-04-18T16:33:53.058" v="22" actId="47"/>
+        <pc:sldMkLst>
+          <pc:docMk/>
+          <pc:sldMk cId="3721085435" sldId="257"/>
+        </pc:sldMkLst>
+        <pc:spChg chg="add del">
+          <ac:chgData name="Pablo Ignacio Reyes Polanco" userId="1bd29249-bfd7-42f0-9d77-7f34e46a1cb7" providerId="ADAL" clId="{83BF9F6A-0012-4AB0-A1D1-38D280A9819B}" dt="2024-04-18T16:29:28.609" v="13" actId="478"/>
+          <ac:spMkLst>
+            <pc:docMk/>
+            <pc:sldMk cId="3721085435" sldId="257"/>
+            <ac:spMk id="35" creationId="{2E6F0325-5FD8-6D8F-73F5-1D5AB8D5C32C}"/>
+          </ac:spMkLst>
+        </pc:spChg>
+        <pc:spChg chg="add del">
+          <ac:chgData name="Pablo Ignacio Reyes Polanco" userId="1bd29249-bfd7-42f0-9d77-7f34e46a1cb7" providerId="ADAL" clId="{83BF9F6A-0012-4AB0-A1D1-38D280A9819B}" dt="2024-04-18T16:29:32.413" v="19" actId="478"/>
+          <ac:spMkLst>
+            <pc:docMk/>
+            <pc:sldMk cId="3721085435" sldId="257"/>
+            <ac:spMk id="37" creationId="{8CF22988-AA90-3A9F-14CF-262DC7A8B3DE}"/>
+          </ac:spMkLst>
+        </pc:spChg>
+        <pc:spChg chg="add del">
+          <ac:chgData name="Pablo Ignacio Reyes Polanco" userId="1bd29249-bfd7-42f0-9d77-7f34e46a1cb7" providerId="ADAL" clId="{83BF9F6A-0012-4AB0-A1D1-38D280A9819B}" dt="2024-04-18T16:29:29.349" v="16" actId="478"/>
+          <ac:spMkLst>
+            <pc:docMk/>
+            <pc:sldMk cId="3721085435" sldId="257"/>
+            <ac:spMk id="38" creationId="{1B959DBA-2B7E-2AC6-7C45-533E83F3FED8}"/>
+          </ac:spMkLst>
+        </pc:spChg>
+        <pc:spChg chg="add del">
+          <ac:chgData name="Pablo Ignacio Reyes Polanco" userId="1bd29249-bfd7-42f0-9d77-7f34e46a1cb7" providerId="ADAL" clId="{83BF9F6A-0012-4AB0-A1D1-38D280A9819B}" dt="2024-04-18T16:29:29.057" v="15" actId="478"/>
+          <ac:spMkLst>
+            <pc:docMk/>
+            <pc:sldMk cId="3721085435" sldId="257"/>
+            <ac:spMk id="39" creationId="{2B984588-5AB2-B44A-4AF6-51D79F3E56CF}"/>
+          </ac:spMkLst>
+        </pc:spChg>
+        <pc:spChg chg="add del">
+          <ac:chgData name="Pablo Ignacio Reyes Polanco" userId="1bd29249-bfd7-42f0-9d77-7f34e46a1cb7" providerId="ADAL" clId="{83BF9F6A-0012-4AB0-A1D1-38D280A9819B}" dt="2024-04-18T16:29:30.704" v="18" actId="478"/>
+          <ac:spMkLst>
+            <pc:docMk/>
+            <pc:sldMk cId="3721085435" sldId="257"/>
+            <ac:spMk id="40" creationId="{CEB84576-299E-5E49-9163-A064A348A583}"/>
+          </ac:spMkLst>
+        </pc:spChg>
+        <pc:spChg chg="add del">
+          <ac:chgData name="Pablo Ignacio Reyes Polanco" userId="1bd29249-bfd7-42f0-9d77-7f34e46a1cb7" providerId="ADAL" clId="{83BF9F6A-0012-4AB0-A1D1-38D280A9819B}" dt="2024-04-18T16:29:33.876" v="20" actId="478"/>
+          <ac:spMkLst>
+            <pc:docMk/>
+            <pc:sldMk cId="3721085435" sldId="257"/>
+            <ac:spMk id="41" creationId="{E507BB28-BBEF-8826-1F29-3BA01FF55751}"/>
+          </ac:spMkLst>
+        </pc:spChg>
+        <pc:spChg chg="add del">
+          <ac:chgData name="Pablo Ignacio Reyes Polanco" userId="1bd29249-bfd7-42f0-9d77-7f34e46a1cb7" providerId="ADAL" clId="{83BF9F6A-0012-4AB0-A1D1-38D280A9819B}" dt="2024-04-18T16:29:28.829" v="14" actId="478"/>
+          <ac:spMkLst>
+            <pc:docMk/>
+            <pc:sldMk cId="3721085435" sldId="257"/>
+            <ac:spMk id="42" creationId="{39B92C96-55CB-10EE-423A-209C91C6A6E3}"/>
+          </ac:spMkLst>
+        </pc:spChg>
+        <pc:spChg chg="add del">
+          <ac:chgData name="Pablo Ignacio Reyes Polanco" userId="1bd29249-bfd7-42f0-9d77-7f34e46a1cb7" providerId="ADAL" clId="{83BF9F6A-0012-4AB0-A1D1-38D280A9819B}" dt="2024-04-18T16:30:43.955" v="21" actId="478"/>
+          <ac:spMkLst>
+            <pc:docMk/>
+            <pc:sldMk cId="3721085435" sldId="257"/>
+            <ac:spMk id="43" creationId="{49D4B221-44AE-C2B5-1896-6F24DE00E61B}"/>
+          </ac:spMkLst>
+        </pc:spChg>
+        <pc:grpChg chg="add del mod">
+          <ac:chgData name="Pablo Ignacio Reyes Polanco" userId="1bd29249-bfd7-42f0-9d77-7f34e46a1cb7" providerId="ADAL" clId="{83BF9F6A-0012-4AB0-A1D1-38D280A9819B}" dt="2024-04-18T16:29:29.681" v="17" actId="1076"/>
+          <ac:grpSpMkLst>
+            <pc:docMk/>
+            <pc:sldMk cId="3721085435" sldId="257"/>
+            <ac:grpSpMk id="4" creationId="{BFCB1528-D931-C555-EF26-B8140B34043C}"/>
+          </ac:grpSpMkLst>
+        </pc:grpChg>
+        <pc:cxnChg chg="mod">
+          <ac:chgData name="Pablo Ignacio Reyes Polanco" userId="1bd29249-bfd7-42f0-9d77-7f34e46a1cb7" providerId="ADAL" clId="{83BF9F6A-0012-4AB0-A1D1-38D280A9819B}" dt="2024-04-18T16:29:17.290" v="8" actId="478"/>
+          <ac:cxnSpMkLst>
+            <pc:docMk/>
+            <pc:sldMk cId="3721085435" sldId="257"/>
+            <ac:cxnSpMk id="16" creationId="{89A53785-2704-4DD8-7FCD-9937F1F56DCC}"/>
+          </ac:cxnSpMkLst>
+        </pc:cxnChg>
+        <pc:cxnChg chg="mod">
+          <ac:chgData name="Pablo Ignacio Reyes Polanco" userId="1bd29249-bfd7-42f0-9d77-7f34e46a1cb7" providerId="ADAL" clId="{83BF9F6A-0012-4AB0-A1D1-38D280A9819B}" dt="2024-04-18T16:29:17.290" v="8" actId="478"/>
+          <ac:cxnSpMkLst>
+            <pc:docMk/>
+            <pc:sldMk cId="3721085435" sldId="257"/>
+            <ac:cxnSpMk id="17" creationId="{C95CA2FD-AA35-358C-D758-ADF719819B95}"/>
+          </ac:cxnSpMkLst>
+        </pc:cxnChg>
+        <pc:cxnChg chg="mod">
+          <ac:chgData name="Pablo Ignacio Reyes Polanco" userId="1bd29249-bfd7-42f0-9d77-7f34e46a1cb7" providerId="ADAL" clId="{83BF9F6A-0012-4AB0-A1D1-38D280A9819B}" dt="2024-04-18T16:29:17.290" v="8" actId="478"/>
+          <ac:cxnSpMkLst>
+            <pc:docMk/>
+            <pc:sldMk cId="3721085435" sldId="257"/>
+            <ac:cxnSpMk id="18" creationId="{19B844CF-2F67-B0E2-90D9-495A25EE574B}"/>
+          </ac:cxnSpMkLst>
+        </pc:cxnChg>
+        <pc:cxnChg chg="mod">
+          <ac:chgData name="Pablo Ignacio Reyes Polanco" userId="1bd29249-bfd7-42f0-9d77-7f34e46a1cb7" providerId="ADAL" clId="{83BF9F6A-0012-4AB0-A1D1-38D280A9819B}" dt="2024-04-18T16:29:17.290" v="8" actId="478"/>
+          <ac:cxnSpMkLst>
+            <pc:docMk/>
+            <pc:sldMk cId="3721085435" sldId="257"/>
+            <ac:cxnSpMk id="19" creationId="{61709A5C-359D-E0A1-8544-C1E900956057}"/>
+          </ac:cxnSpMkLst>
+        </pc:cxnChg>
+        <pc:cxnChg chg="mod">
+          <ac:chgData name="Pablo Ignacio Reyes Polanco" userId="1bd29249-bfd7-42f0-9d77-7f34e46a1cb7" providerId="ADAL" clId="{83BF9F6A-0012-4AB0-A1D1-38D280A9819B}" dt="2024-04-18T16:29:17.290" v="8" actId="478"/>
+          <ac:cxnSpMkLst>
+            <pc:docMk/>
+            <pc:sldMk cId="3721085435" sldId="257"/>
+            <ac:cxnSpMk id="20" creationId="{2FF1A697-11C1-3B80-CAC9-EAF00BA54A20}"/>
+          </ac:cxnSpMkLst>
+        </pc:cxnChg>
+        <pc:cxnChg chg="mod">
+          <ac:chgData name="Pablo Ignacio Reyes Polanco" userId="1bd29249-bfd7-42f0-9d77-7f34e46a1cb7" providerId="ADAL" clId="{83BF9F6A-0012-4AB0-A1D1-38D280A9819B}" dt="2024-04-18T16:29:17.290" v="8" actId="478"/>
+          <ac:cxnSpMkLst>
+            <pc:docMk/>
+            <pc:sldMk cId="3721085435" sldId="257"/>
+            <ac:cxnSpMk id="21" creationId="{F44D8C10-13F8-E4CE-8CFF-8940E8000894}"/>
+          </ac:cxnSpMkLst>
+        </pc:cxnChg>
+        <pc:cxnChg chg="mod">
+          <ac:chgData name="Pablo Ignacio Reyes Polanco" userId="1bd29249-bfd7-42f0-9d77-7f34e46a1cb7" providerId="ADAL" clId="{83BF9F6A-0012-4AB0-A1D1-38D280A9819B}" dt="2024-04-18T16:29:17.290" v="8" actId="478"/>
+          <ac:cxnSpMkLst>
+            <pc:docMk/>
+            <pc:sldMk cId="3721085435" sldId="257"/>
+            <ac:cxnSpMk id="22" creationId="{4AEABD32-DB08-1546-E64E-2F4138AEF88E}"/>
+          </ac:cxnSpMkLst>
+        </pc:cxnChg>
+        <pc:cxnChg chg="mod">
+          <ac:chgData name="Pablo Ignacio Reyes Polanco" userId="1bd29249-bfd7-42f0-9d77-7f34e46a1cb7" providerId="ADAL" clId="{83BF9F6A-0012-4AB0-A1D1-38D280A9819B}" dt="2024-04-18T16:29:17.290" v="8" actId="478"/>
+          <ac:cxnSpMkLst>
+            <pc:docMk/>
+            <pc:sldMk cId="3721085435" sldId="257"/>
+            <ac:cxnSpMk id="23" creationId="{83817215-09AD-0B4B-AC5D-322244C8DCE5}"/>
+          </ac:cxnSpMkLst>
+        </pc:cxnChg>
+        <pc:cxnChg chg="mod">
+          <ac:chgData name="Pablo Ignacio Reyes Polanco" userId="1bd29249-bfd7-42f0-9d77-7f34e46a1cb7" providerId="ADAL" clId="{83BF9F6A-0012-4AB0-A1D1-38D280A9819B}" dt="2024-04-18T16:29:17.290" v="8" actId="478"/>
+          <ac:cxnSpMkLst>
+            <pc:docMk/>
+            <pc:sldMk cId="3721085435" sldId="257"/>
+            <ac:cxnSpMk id="24" creationId="{5CB5DF89-8E22-6039-8A00-AF31557B6567}"/>
+          </ac:cxnSpMkLst>
+        </pc:cxnChg>
+      </pc:sldChg>
+      <pc:sldChg chg="delSp modSp add del mod">
+        <pc:chgData name="Pablo Ignacio Reyes Polanco" userId="1bd29249-bfd7-42f0-9d77-7f34e46a1cb7" providerId="ADAL" clId="{83BF9F6A-0012-4AB0-A1D1-38D280A9819B}" dt="2024-04-18T16:38:14.381" v="96" actId="47"/>
+        <pc:sldMkLst>
+          <pc:docMk/>
+          <pc:sldMk cId="1292615716" sldId="258"/>
+        </pc:sldMkLst>
+        <pc:spChg chg="mod">
+          <ac:chgData name="Pablo Ignacio Reyes Polanco" userId="1bd29249-bfd7-42f0-9d77-7f34e46a1cb7" providerId="ADAL" clId="{83BF9F6A-0012-4AB0-A1D1-38D280A9819B}" dt="2024-04-18T16:36:19.558" v="61" actId="1076"/>
+          <ac:spMkLst>
+            <pc:docMk/>
+            <pc:sldMk cId="1292615716" sldId="258"/>
+            <ac:spMk id="5" creationId="{5BCCE7B2-7EA1-DA30-CAA3-912EBC78DEA7}"/>
+          </ac:spMkLst>
+        </pc:spChg>
+        <pc:spChg chg="mod">
+          <ac:chgData name="Pablo Ignacio Reyes Polanco" userId="1bd29249-bfd7-42f0-9d77-7f34e46a1cb7" providerId="ADAL" clId="{83BF9F6A-0012-4AB0-A1D1-38D280A9819B}" dt="2024-04-18T16:36:34.800" v="66" actId="1076"/>
+          <ac:spMkLst>
+            <pc:docMk/>
+            <pc:sldMk cId="1292615716" sldId="258"/>
+            <ac:spMk id="10" creationId="{7FC5DFA4-3752-EEF3-D972-36D7FD02EDE8}"/>
+          </ac:spMkLst>
+        </pc:spChg>
+        <pc:spChg chg="mod">
+          <ac:chgData name="Pablo Ignacio Reyes Polanco" userId="1bd29249-bfd7-42f0-9d77-7f34e46a1cb7" providerId="ADAL" clId="{83BF9F6A-0012-4AB0-A1D1-38D280A9819B}" dt="2024-04-18T16:36:18.798" v="60" actId="1076"/>
+          <ac:spMkLst>
+            <pc:docMk/>
+            <pc:sldMk cId="1292615716" sldId="258"/>
+            <ac:spMk id="14" creationId="{EFF11025-28CA-9579-16F6-D31A130C1295}"/>
+          </ac:spMkLst>
+        </pc:spChg>
+        <pc:spChg chg="mod">
+          <ac:chgData name="Pablo Ignacio Reyes Polanco" userId="1bd29249-bfd7-42f0-9d77-7f34e46a1cb7" providerId="ADAL" clId="{83BF9F6A-0012-4AB0-A1D1-38D280A9819B}" dt="2024-04-18T16:36:22.116" v="62" actId="1076"/>
+          <ac:spMkLst>
+            <pc:docMk/>
+            <pc:sldMk cId="1292615716" sldId="258"/>
+            <ac:spMk id="30" creationId="{C2C89089-47FA-B298-8EBD-958DA7F3022E}"/>
+          </ac:spMkLst>
+        </pc:spChg>
+        <pc:spChg chg="mod">
+          <ac:chgData name="Pablo Ignacio Reyes Polanco" userId="1bd29249-bfd7-42f0-9d77-7f34e46a1cb7" providerId="ADAL" clId="{83BF9F6A-0012-4AB0-A1D1-38D280A9819B}" dt="2024-04-18T16:37:00.445" v="75" actId="1076"/>
+          <ac:spMkLst>
+            <pc:docMk/>
+            <pc:sldMk cId="1292615716" sldId="258"/>
+            <ac:spMk id="31" creationId="{DB8F6B40-FF9B-9820-E05A-4ADFDB1C71EE}"/>
+          </ac:spMkLst>
+        </pc:spChg>
+        <pc:spChg chg="mod">
+          <ac:chgData name="Pablo Ignacio Reyes Polanco" userId="1bd29249-bfd7-42f0-9d77-7f34e46a1cb7" providerId="ADAL" clId="{83BF9F6A-0012-4AB0-A1D1-38D280A9819B}" dt="2024-04-18T16:37:34.170" v="91" actId="20577"/>
+          <ac:spMkLst>
+            <pc:docMk/>
+            <pc:sldMk cId="1292615716" sldId="258"/>
+            <ac:spMk id="33" creationId="{4595F294-0D35-5474-890E-C55CD8CA73F4}"/>
+          </ac:spMkLst>
+        </pc:spChg>
+        <pc:spChg chg="del">
+          <ac:chgData name="Pablo Ignacio Reyes Polanco" userId="1bd29249-bfd7-42f0-9d77-7f34e46a1cb7" providerId="ADAL" clId="{83BF9F6A-0012-4AB0-A1D1-38D280A9819B}" dt="2024-04-18T16:37:53.218" v="93" actId="478"/>
+          <ac:spMkLst>
+            <pc:docMk/>
+            <pc:sldMk cId="1292615716" sldId="258"/>
+            <ac:spMk id="35" creationId="{2E6F0325-5FD8-6D8F-73F5-1D5AB8D5C32C}"/>
+          </ac:spMkLst>
+        </pc:spChg>
+        <pc:spChg chg="del">
+          <ac:chgData name="Pablo Ignacio Reyes Polanco" userId="1bd29249-bfd7-42f0-9d77-7f34e46a1cb7" providerId="ADAL" clId="{83BF9F6A-0012-4AB0-A1D1-38D280A9819B}" dt="2024-04-18T16:37:51.104" v="92" actId="478"/>
+          <ac:spMkLst>
+            <pc:docMk/>
+            <pc:sldMk cId="1292615716" sldId="258"/>
+            <ac:spMk id="36" creationId="{CA53A6CD-36FC-666A-8397-0F6647EC84F6}"/>
+          </ac:spMkLst>
+        </pc:spChg>
+        <pc:spChg chg="del mod">
+          <ac:chgData name="Pablo Ignacio Reyes Polanco" userId="1bd29249-bfd7-42f0-9d77-7f34e46a1cb7" providerId="ADAL" clId="{83BF9F6A-0012-4AB0-A1D1-38D280A9819B}" dt="2024-04-18T16:37:11.066" v="78" actId="478"/>
+          <ac:spMkLst>
+            <pc:docMk/>
+            <pc:sldMk cId="1292615716" sldId="258"/>
+            <ac:spMk id="37" creationId="{8CF22988-AA90-3A9F-14CF-262DC7A8B3DE}"/>
+          </ac:spMkLst>
+        </pc:spChg>
+        <pc:spChg chg="del mod">
+          <ac:chgData name="Pablo Ignacio Reyes Polanco" userId="1bd29249-bfd7-42f0-9d77-7f34e46a1cb7" providerId="ADAL" clId="{83BF9F6A-0012-4AB0-A1D1-38D280A9819B}" dt="2024-04-18T16:37:09.447" v="77" actId="478"/>
+          <ac:spMkLst>
+            <pc:docMk/>
+            <pc:sldMk cId="1292615716" sldId="258"/>
+            <ac:spMk id="38" creationId="{1B959DBA-2B7E-2AC6-7C45-533E83F3FED8}"/>
+          </ac:spMkLst>
+        </pc:spChg>
+        <pc:spChg chg="del mod">
+          <ac:chgData name="Pablo Ignacio Reyes Polanco" userId="1bd29249-bfd7-42f0-9d77-7f34e46a1cb7" providerId="ADAL" clId="{83BF9F6A-0012-4AB0-A1D1-38D280A9819B}" dt="2024-04-18T16:37:28.021" v="86" actId="478"/>
+          <ac:spMkLst>
+            <pc:docMk/>
+            <pc:sldMk cId="1292615716" sldId="258"/>
+            <ac:spMk id="39" creationId="{2B984588-5AB2-B44A-4AF6-51D79F3E56CF}"/>
+          </ac:spMkLst>
+        </pc:spChg>
+        <pc:spChg chg="del mod">
+          <ac:chgData name="Pablo Ignacio Reyes Polanco" userId="1bd29249-bfd7-42f0-9d77-7f34e46a1cb7" providerId="ADAL" clId="{83BF9F6A-0012-4AB0-A1D1-38D280A9819B}" dt="2024-04-18T16:37:26.637" v="85" actId="478"/>
+          <ac:spMkLst>
+            <pc:docMk/>
+            <pc:sldMk cId="1292615716" sldId="258"/>
+            <ac:spMk id="40" creationId="{CEB84576-299E-5E49-9163-A064A348A583}"/>
+          </ac:spMkLst>
+        </pc:spChg>
+        <pc:spChg chg="del">
+          <ac:chgData name="Pablo Ignacio Reyes Polanco" userId="1bd29249-bfd7-42f0-9d77-7f34e46a1cb7" providerId="ADAL" clId="{83BF9F6A-0012-4AB0-A1D1-38D280A9819B}" dt="2024-04-18T16:37:13.403" v="79" actId="478"/>
+          <ac:spMkLst>
+            <pc:docMk/>
+            <pc:sldMk cId="1292615716" sldId="258"/>
+            <ac:spMk id="41" creationId="{E507BB28-BBEF-8826-1F29-3BA01FF55751}"/>
+          </ac:spMkLst>
+        </pc:spChg>
+        <pc:spChg chg="del mod">
+          <ac:chgData name="Pablo Ignacio Reyes Polanco" userId="1bd29249-bfd7-42f0-9d77-7f34e46a1cb7" providerId="ADAL" clId="{83BF9F6A-0012-4AB0-A1D1-38D280A9819B}" dt="2024-04-18T16:37:30.331" v="87" actId="478"/>
+          <ac:spMkLst>
+            <pc:docMk/>
+            <pc:sldMk cId="1292615716" sldId="258"/>
+            <ac:spMk id="42" creationId="{39B92C96-55CB-10EE-423A-209C91C6A6E3}"/>
+          </ac:spMkLst>
+        </pc:spChg>
+        <pc:spChg chg="del">
+          <ac:chgData name="Pablo Ignacio Reyes Polanco" userId="1bd29249-bfd7-42f0-9d77-7f34e46a1cb7" providerId="ADAL" clId="{83BF9F6A-0012-4AB0-A1D1-38D280A9819B}" dt="2024-04-18T16:37:14.869" v="80" actId="478"/>
+          <ac:spMkLst>
+            <pc:docMk/>
+            <pc:sldMk cId="1292615716" sldId="258"/>
+            <ac:spMk id="43" creationId="{49D4B221-44AE-C2B5-1896-6F24DE00E61B}"/>
+          </ac:spMkLst>
+        </pc:spChg>
+        <pc:grpChg chg="mod">
+          <ac:chgData name="Pablo Ignacio Reyes Polanco" userId="1bd29249-bfd7-42f0-9d77-7f34e46a1cb7" providerId="ADAL" clId="{83BF9F6A-0012-4AB0-A1D1-38D280A9819B}" dt="2024-04-18T16:36:52.839" v="73" actId="1076"/>
+          <ac:grpSpMkLst>
+            <pc:docMk/>
+            <pc:sldMk cId="1292615716" sldId="258"/>
+            <ac:grpSpMk id="4" creationId="{BFCB1528-D931-C555-EF26-B8140B34043C}"/>
+          </ac:grpSpMkLst>
+        </pc:grpChg>
+        <pc:cxnChg chg="mod">
+          <ac:chgData name="Pablo Ignacio Reyes Polanco" userId="1bd29249-bfd7-42f0-9d77-7f34e46a1cb7" providerId="ADAL" clId="{83BF9F6A-0012-4AB0-A1D1-38D280A9819B}" dt="2024-04-18T16:36:40.748" v="68" actId="14100"/>
+          <ac:cxnSpMkLst>
+            <pc:docMk/>
+            <pc:sldMk cId="1292615716" sldId="258"/>
+            <ac:cxnSpMk id="18" creationId="{19B844CF-2F67-B0E2-90D9-495A25EE574B}"/>
+          </ac:cxnSpMkLst>
+        </pc:cxnChg>
+        <pc:cxnChg chg="mod">
+          <ac:chgData name="Pablo Ignacio Reyes Polanco" userId="1bd29249-bfd7-42f0-9d77-7f34e46a1cb7" providerId="ADAL" clId="{83BF9F6A-0012-4AB0-A1D1-38D280A9819B}" dt="2024-04-18T16:37:23.943" v="84" actId="14100"/>
+          <ac:cxnSpMkLst>
+            <pc:docMk/>
+            <pc:sldMk cId="1292615716" sldId="258"/>
+            <ac:cxnSpMk id="19" creationId="{61709A5C-359D-E0A1-8544-C1E900956057}"/>
+          </ac:cxnSpMkLst>
+        </pc:cxnChg>
+        <pc:cxnChg chg="mod">
+          <ac:chgData name="Pablo Ignacio Reyes Polanco" userId="1bd29249-bfd7-42f0-9d77-7f34e46a1cb7" providerId="ADAL" clId="{83BF9F6A-0012-4AB0-A1D1-38D280A9819B}" dt="2024-04-18T16:36:56.608" v="74" actId="14100"/>
+          <ac:cxnSpMkLst>
+            <pc:docMk/>
+            <pc:sldMk cId="1292615716" sldId="258"/>
+            <ac:cxnSpMk id="23" creationId="{83817215-09AD-0B4B-AC5D-322244C8DCE5}"/>
+          </ac:cxnSpMkLst>
+        </pc:cxnChg>
+        <pc:cxnChg chg="mod">
+          <ac:chgData name="Pablo Ignacio Reyes Polanco" userId="1bd29249-bfd7-42f0-9d77-7f34e46a1cb7" providerId="ADAL" clId="{83BF9F6A-0012-4AB0-A1D1-38D280A9819B}" dt="2024-04-18T16:36:34.800" v="66" actId="1076"/>
+          <ac:cxnSpMkLst>
+            <pc:docMk/>
+            <pc:sldMk cId="1292615716" sldId="258"/>
+            <ac:cxnSpMk id="24" creationId="{5CB5DF89-8E22-6039-8A00-AF31557B6567}"/>
+          </ac:cxnSpMkLst>
+        </pc:cxnChg>
+      </pc:sldChg>
+      <pc:sldChg chg="delSp modSp add del mod ord">
+        <pc:chgData name="Pablo Ignacio Reyes Polanco" userId="1bd29249-bfd7-42f0-9d77-7f34e46a1cb7" providerId="ADAL" clId="{83BF9F6A-0012-4AB0-A1D1-38D280A9819B}" dt="2024-04-18T16:36:08.536" v="58" actId="47"/>
+        <pc:sldMkLst>
+          <pc:docMk/>
+          <pc:sldMk cId="112465428" sldId="259"/>
+        </pc:sldMkLst>
+        <pc:spChg chg="del">
+          <ac:chgData name="Pablo Ignacio Reyes Polanco" userId="1bd29249-bfd7-42f0-9d77-7f34e46a1cb7" providerId="ADAL" clId="{83BF9F6A-0012-4AB0-A1D1-38D280A9819B}" dt="2024-04-18T16:35:36.629" v="54" actId="478"/>
+          <ac:spMkLst>
+            <pc:docMk/>
+            <pc:sldMk cId="112465428" sldId="259"/>
+            <ac:spMk id="38" creationId="{1B959DBA-2B7E-2AC6-7C45-533E83F3FED8}"/>
+          </ac:spMkLst>
+        </pc:spChg>
+        <pc:cxnChg chg="mod">
+          <ac:chgData name="Pablo Ignacio Reyes Polanco" userId="1bd29249-bfd7-42f0-9d77-7f34e46a1cb7" providerId="ADAL" clId="{83BF9F6A-0012-4AB0-A1D1-38D280A9819B}" dt="2024-04-18T16:35:57.371" v="57" actId="14100"/>
+          <ac:cxnSpMkLst>
+            <pc:docMk/>
+            <pc:sldMk cId="112465428" sldId="259"/>
+            <ac:cxnSpMk id="19" creationId="{61709A5C-359D-E0A1-8544-C1E900956057}"/>
+          </ac:cxnSpMkLst>
+        </pc:cxnChg>
+      </pc:sldChg>
+      <pc:sldChg chg="delSp modSp add mod">
+        <pc:chgData name="Pablo Ignacio Reyes Polanco" userId="1bd29249-bfd7-42f0-9d77-7f34e46a1cb7" providerId="ADAL" clId="{83BF9F6A-0012-4AB0-A1D1-38D280A9819B}" dt="2024-04-18T16:42:25.233" v="177" actId="14100"/>
+        <pc:sldMkLst>
+          <pc:docMk/>
+          <pc:sldMk cId="985497461" sldId="259"/>
+        </pc:sldMkLst>
+        <pc:spChg chg="mod">
+          <ac:chgData name="Pablo Ignacio Reyes Polanco" userId="1bd29249-bfd7-42f0-9d77-7f34e46a1cb7" providerId="ADAL" clId="{83BF9F6A-0012-4AB0-A1D1-38D280A9819B}" dt="2024-04-18T16:42:23.269" v="176" actId="1076"/>
+          <ac:spMkLst>
+            <pc:docMk/>
+            <pc:sldMk cId="985497461" sldId="259"/>
+            <ac:spMk id="5" creationId="{5BCCE7B2-7EA1-DA30-CAA3-912EBC78DEA7}"/>
+          </ac:spMkLst>
+        </pc:spChg>
+        <pc:spChg chg="mod">
+          <ac:chgData name="Pablo Ignacio Reyes Polanco" userId="1bd29249-bfd7-42f0-9d77-7f34e46a1cb7" providerId="ADAL" clId="{83BF9F6A-0012-4AB0-A1D1-38D280A9819B}" dt="2024-04-18T16:38:27.266" v="98" actId="1076"/>
+          <ac:spMkLst>
+            <pc:docMk/>
+            <pc:sldMk cId="985497461" sldId="259"/>
+            <ac:spMk id="12" creationId="{EDF392AC-9DB4-FEAD-8375-F2434F538CB7}"/>
+          </ac:spMkLst>
+        </pc:spChg>
+        <pc:spChg chg="mod">
+          <ac:chgData name="Pablo Ignacio Reyes Polanco" userId="1bd29249-bfd7-42f0-9d77-7f34e46a1cb7" providerId="ADAL" clId="{83BF9F6A-0012-4AB0-A1D1-38D280A9819B}" dt="2024-04-18T16:38:36.238" v="100" actId="1076"/>
+          <ac:spMkLst>
+            <pc:docMk/>
+            <pc:sldMk cId="985497461" sldId="259"/>
+            <ac:spMk id="32" creationId="{9242A388-6398-0753-D3F4-F60B41C8A20D}"/>
+          </ac:spMkLst>
+        </pc:spChg>
+        <pc:spChg chg="mod">
+          <ac:chgData name="Pablo Ignacio Reyes Polanco" userId="1bd29249-bfd7-42f0-9d77-7f34e46a1cb7" providerId="ADAL" clId="{83BF9F6A-0012-4AB0-A1D1-38D280A9819B}" dt="2024-04-18T16:41:50.939" v="165" actId="20577"/>
+          <ac:spMkLst>
+            <pc:docMk/>
+            <pc:sldMk cId="985497461" sldId="259"/>
+            <ac:spMk id="33" creationId="{4595F294-0D35-5474-890E-C55CD8CA73F4}"/>
+          </ac:spMkLst>
+        </pc:spChg>
+        <pc:spChg chg="del">
+          <ac:chgData name="Pablo Ignacio Reyes Polanco" userId="1bd29249-bfd7-42f0-9d77-7f34e46a1cb7" providerId="ADAL" clId="{83BF9F6A-0012-4AB0-A1D1-38D280A9819B}" dt="2024-04-18T16:42:07.208" v="172" actId="478"/>
+          <ac:spMkLst>
+            <pc:docMk/>
+            <pc:sldMk cId="985497461" sldId="259"/>
+            <ac:spMk id="35" creationId="{2E6F0325-5FD8-6D8F-73F5-1D5AB8D5C32C}"/>
+          </ac:spMkLst>
+        </pc:spChg>
+        <pc:spChg chg="del">
+          <ac:chgData name="Pablo Ignacio Reyes Polanco" userId="1bd29249-bfd7-42f0-9d77-7f34e46a1cb7" providerId="ADAL" clId="{83BF9F6A-0012-4AB0-A1D1-38D280A9819B}" dt="2024-04-18T16:42:05.949" v="171" actId="478"/>
+          <ac:spMkLst>
+            <pc:docMk/>
+            <pc:sldMk cId="985497461" sldId="259"/>
+            <ac:spMk id="36" creationId="{CA53A6CD-36FC-666A-8397-0F6647EC84F6}"/>
+          </ac:spMkLst>
+        </pc:spChg>
+        <pc:spChg chg="del">
+          <ac:chgData name="Pablo Ignacio Reyes Polanco" userId="1bd29249-bfd7-42f0-9d77-7f34e46a1cb7" providerId="ADAL" clId="{83BF9F6A-0012-4AB0-A1D1-38D280A9819B}" dt="2024-04-18T16:42:01.152" v="168" actId="478"/>
+          <ac:spMkLst>
+            <pc:docMk/>
+            <pc:sldMk cId="985497461" sldId="259"/>
+            <ac:spMk id="37" creationId="{8CF22988-AA90-3A9F-14CF-262DC7A8B3DE}"/>
+          </ac:spMkLst>
+        </pc:spChg>
+        <pc:spChg chg="del">
+          <ac:chgData name="Pablo Ignacio Reyes Polanco" userId="1bd29249-bfd7-42f0-9d77-7f34e46a1cb7" providerId="ADAL" clId="{83BF9F6A-0012-4AB0-A1D1-38D280A9819B}" dt="2024-04-18T16:41:46.676" v="161" actId="478"/>
+          <ac:spMkLst>
+            <pc:docMk/>
+            <pc:sldMk cId="985497461" sldId="259"/>
+            <ac:spMk id="38" creationId="{1B959DBA-2B7E-2AC6-7C45-533E83F3FED8}"/>
+          </ac:spMkLst>
+        </pc:spChg>
+        <pc:spChg chg="del">
+          <ac:chgData name="Pablo Ignacio Reyes Polanco" userId="1bd29249-bfd7-42f0-9d77-7f34e46a1cb7" providerId="ADAL" clId="{83BF9F6A-0012-4AB0-A1D1-38D280A9819B}" dt="2024-04-18T16:42:09.540" v="174" actId="478"/>
+          <ac:spMkLst>
+            <pc:docMk/>
+            <pc:sldMk cId="985497461" sldId="259"/>
+            <ac:spMk id="39" creationId="{2B984588-5AB2-B44A-4AF6-51D79F3E56CF}"/>
+          </ac:spMkLst>
+        </pc:spChg>
+        <pc:spChg chg="del mod">
+          <ac:chgData name="Pablo Ignacio Reyes Polanco" userId="1bd29249-bfd7-42f0-9d77-7f34e46a1cb7" providerId="ADAL" clId="{83BF9F6A-0012-4AB0-A1D1-38D280A9819B}" dt="2024-04-18T16:42:12.215" v="175" actId="478"/>
+          <ac:spMkLst>
+            <pc:docMk/>
+            <pc:sldMk cId="985497461" sldId="259"/>
+            <ac:spMk id="40" creationId="{CEB84576-299E-5E49-9163-A064A348A583}"/>
+          </ac:spMkLst>
+        </pc:spChg>
+        <pc:spChg chg="del">
+          <ac:chgData name="Pablo Ignacio Reyes Polanco" userId="1bd29249-bfd7-42f0-9d77-7f34e46a1cb7" providerId="ADAL" clId="{83BF9F6A-0012-4AB0-A1D1-38D280A9819B}" dt="2024-04-18T16:42:02.786" v="169" actId="478"/>
+          <ac:spMkLst>
+            <pc:docMk/>
+            <pc:sldMk cId="985497461" sldId="259"/>
+            <ac:spMk id="41" creationId="{E507BB28-BBEF-8826-1F29-3BA01FF55751}"/>
+          </ac:spMkLst>
+        </pc:spChg>
+        <pc:spChg chg="del">
+          <ac:chgData name="Pablo Ignacio Reyes Polanco" userId="1bd29249-bfd7-42f0-9d77-7f34e46a1cb7" providerId="ADAL" clId="{83BF9F6A-0012-4AB0-A1D1-38D280A9819B}" dt="2024-04-18T16:42:08.422" v="173" actId="478"/>
+          <ac:spMkLst>
+            <pc:docMk/>
+            <pc:sldMk cId="985497461" sldId="259"/>
+            <ac:spMk id="42" creationId="{39B92C96-55CB-10EE-423A-209C91C6A6E3}"/>
+          </ac:spMkLst>
+        </pc:spChg>
+        <pc:spChg chg="del">
+          <ac:chgData name="Pablo Ignacio Reyes Polanco" userId="1bd29249-bfd7-42f0-9d77-7f34e46a1cb7" providerId="ADAL" clId="{83BF9F6A-0012-4AB0-A1D1-38D280A9819B}" dt="2024-04-18T16:42:04.826" v="170" actId="478"/>
+          <ac:spMkLst>
+            <pc:docMk/>
+            <pc:sldMk cId="985497461" sldId="259"/>
+            <ac:spMk id="43" creationId="{49D4B221-44AE-C2B5-1896-6F24DE00E61B}"/>
+          </ac:spMkLst>
+        </pc:spChg>
+        <pc:cxnChg chg="mod">
+          <ac:chgData name="Pablo Ignacio Reyes Polanco" userId="1bd29249-bfd7-42f0-9d77-7f34e46a1cb7" providerId="ADAL" clId="{83BF9F6A-0012-4AB0-A1D1-38D280A9819B}" dt="2024-04-18T16:41:56.812" v="167" actId="14100"/>
+          <ac:cxnSpMkLst>
+            <pc:docMk/>
+            <pc:sldMk cId="985497461" sldId="259"/>
+            <ac:cxnSpMk id="19" creationId="{61709A5C-359D-E0A1-8544-C1E900956057}"/>
+          </ac:cxnSpMkLst>
+        </pc:cxnChg>
+        <pc:cxnChg chg="mod">
+          <ac:chgData name="Pablo Ignacio Reyes Polanco" userId="1bd29249-bfd7-42f0-9d77-7f34e46a1cb7" providerId="ADAL" clId="{83BF9F6A-0012-4AB0-A1D1-38D280A9819B}" dt="2024-04-18T16:42:25.233" v="177" actId="14100"/>
+          <ac:cxnSpMkLst>
+            <pc:docMk/>
+            <pc:sldMk cId="985497461" sldId="259"/>
+            <ac:cxnSpMk id="23" creationId="{83817215-09AD-0B4B-AC5D-322244C8DCE5}"/>
+          </ac:cxnSpMkLst>
+        </pc:cxnChg>
+        <pc:cxnChg chg="mod">
+          <ac:chgData name="Pablo Ignacio Reyes Polanco" userId="1bd29249-bfd7-42f0-9d77-7f34e46a1cb7" providerId="ADAL" clId="{83BF9F6A-0012-4AB0-A1D1-38D280A9819B}" dt="2024-04-18T16:38:31.165" v="99" actId="14100"/>
+          <ac:cxnSpMkLst>
+            <pc:docMk/>
+            <pc:sldMk cId="985497461" sldId="259"/>
+            <ac:cxnSpMk id="24" creationId="{5CB5DF89-8E22-6039-8A00-AF31557B6567}"/>
+          </ac:cxnSpMkLst>
+        </pc:cxnChg>
+      </pc:sldChg>
+      <pc:sldChg chg="addSp modSp add del mod">
+        <pc:chgData name="Pablo Ignacio Reyes Polanco" userId="1bd29249-bfd7-42f0-9d77-7f34e46a1cb7" providerId="ADAL" clId="{83BF9F6A-0012-4AB0-A1D1-38D280A9819B}" dt="2024-04-18T16:41:37.676" v="159" actId="47"/>
+        <pc:sldMkLst>
+          <pc:docMk/>
+          <pc:sldMk cId="232928558" sldId="260"/>
+        </pc:sldMkLst>
+        <pc:spChg chg="add mod">
+          <ac:chgData name="Pablo Ignacio Reyes Polanco" userId="1bd29249-bfd7-42f0-9d77-7f34e46a1cb7" providerId="ADAL" clId="{83BF9F6A-0012-4AB0-A1D1-38D280A9819B}" dt="2024-04-18T16:40:06.149" v="146" actId="14100"/>
+          <ac:spMkLst>
+            <pc:docMk/>
+            <pc:sldMk cId="232928558" sldId="260"/>
+            <ac:spMk id="2" creationId="{29F48F8A-F77B-9A63-8040-E62AC84E273F}"/>
+          </ac:spMkLst>
+        </pc:spChg>
+        <pc:spChg chg="add mod">
+          <ac:chgData name="Pablo Ignacio Reyes Polanco" userId="1bd29249-bfd7-42f0-9d77-7f34e46a1cb7" providerId="ADAL" clId="{83BF9F6A-0012-4AB0-A1D1-38D280A9819B}" dt="2024-04-18T16:39:56.751" v="143" actId="14100"/>
+          <ac:spMkLst>
+            <pc:docMk/>
+            <pc:sldMk cId="232928558" sldId="260"/>
+            <ac:spMk id="3" creationId="{8763356B-85E5-FEA5-A753-407A8BC4D87C}"/>
+          </ac:spMkLst>
+        </pc:spChg>
+        <pc:cxnChg chg="mod">
+          <ac:chgData name="Pablo Ignacio Reyes Polanco" userId="1bd29249-bfd7-42f0-9d77-7f34e46a1cb7" providerId="ADAL" clId="{83BF9F6A-0012-4AB0-A1D1-38D280A9819B}" dt="2024-04-18T16:40:48.751" v="154" actId="14100"/>
+          <ac:cxnSpMkLst>
+            <pc:docMk/>
+            <pc:sldMk cId="232928558" sldId="260"/>
+            <ac:cxnSpMk id="19" creationId="{61709A5C-359D-E0A1-8544-C1E900956057}"/>
+          </ac:cxnSpMkLst>
+        </pc:cxnChg>
+        <pc:cxnChg chg="add mod">
+          <ac:chgData name="Pablo Ignacio Reyes Polanco" userId="1bd29249-bfd7-42f0-9d77-7f34e46a1cb7" providerId="ADAL" clId="{83BF9F6A-0012-4AB0-A1D1-38D280A9819B}" dt="2024-04-18T16:40:52.201" v="155" actId="14100"/>
+          <ac:cxnSpMkLst>
+            <pc:docMk/>
+            <pc:sldMk cId="232928558" sldId="260"/>
+            <ac:cxnSpMk id="46" creationId="{1AD32EF3-4D30-9AD6-C178-AAF33C34C59D}"/>
+          </ac:cxnSpMkLst>
+        </pc:cxnChg>
+        <pc:cxnChg chg="add mod">
+          <ac:chgData name="Pablo Ignacio Reyes Polanco" userId="1bd29249-bfd7-42f0-9d77-7f34e46a1cb7" providerId="ADAL" clId="{83BF9F6A-0012-4AB0-A1D1-38D280A9819B}" dt="2024-04-18T16:41:03.180" v="158" actId="14100"/>
+          <ac:cxnSpMkLst>
+            <pc:docMk/>
+            <pc:sldMk cId="232928558" sldId="260"/>
+            <ac:cxnSpMk id="52" creationId="{4B1EEC07-92AB-85D9-8115-663C28424B9E}"/>
+          </ac:cxnSpMkLst>
+        </pc:cxnChg>
+      </pc:sldChg>
+      <pc:sldChg chg="modSp add mod">
+        <pc:chgData name="Pablo Ignacio Reyes Polanco" userId="1bd29249-bfd7-42f0-9d77-7f34e46a1cb7" providerId="ADAL" clId="{83BF9F6A-0012-4AB0-A1D1-38D280A9819B}" dt="2024-04-19T17:53:18.643" v="256" actId="20577"/>
+        <pc:sldMkLst>
+          <pc:docMk/>
+          <pc:sldMk cId="3067415087" sldId="260"/>
+        </pc:sldMkLst>
+        <pc:spChg chg="mod">
+          <ac:chgData name="Pablo Ignacio Reyes Polanco" userId="1bd29249-bfd7-42f0-9d77-7f34e46a1cb7" providerId="ADAL" clId="{83BF9F6A-0012-4AB0-A1D1-38D280A9819B}" dt="2024-04-18T16:52:18.285" v="227" actId="1076"/>
+          <ac:spMkLst>
+            <pc:docMk/>
+            <pc:sldMk cId="3067415087" sldId="260"/>
+            <ac:spMk id="9" creationId="{9EB369C9-D60F-A1D4-633C-0E44BE48E90B}"/>
+          </ac:spMkLst>
+        </pc:spChg>
+        <pc:spChg chg="mod">
+          <ac:chgData name="Pablo Ignacio Reyes Polanco" userId="1bd29249-bfd7-42f0-9d77-7f34e46a1cb7" providerId="ADAL" clId="{83BF9F6A-0012-4AB0-A1D1-38D280A9819B}" dt="2024-04-18T16:50:08.230" v="210" actId="207"/>
+          <ac:spMkLst>
+            <pc:docMk/>
+            <pc:sldMk cId="3067415087" sldId="260"/>
+            <ac:spMk id="10" creationId="{7FC5DFA4-3752-EEF3-D972-36D7FD02EDE8}"/>
+          </ac:spMkLst>
+        </pc:spChg>
+        <pc:spChg chg="mod">
+          <ac:chgData name="Pablo Ignacio Reyes Polanco" userId="1bd29249-bfd7-42f0-9d77-7f34e46a1cb7" providerId="ADAL" clId="{83BF9F6A-0012-4AB0-A1D1-38D280A9819B}" dt="2024-04-18T16:42:39.953" v="182" actId="1076"/>
+          <ac:spMkLst>
+            <pc:docMk/>
+            <pc:sldMk cId="3067415087" sldId="260"/>
+            <ac:spMk id="12" creationId="{EDF392AC-9DB4-FEAD-8375-F2434F538CB7}"/>
+          </ac:spMkLst>
+        </pc:spChg>
+        <pc:spChg chg="mod">
+          <ac:chgData name="Pablo Ignacio Reyes Polanco" userId="1bd29249-bfd7-42f0-9d77-7f34e46a1cb7" providerId="ADAL" clId="{83BF9F6A-0012-4AB0-A1D1-38D280A9819B}" dt="2024-04-18T16:55:31.485" v="231" actId="1076"/>
+          <ac:spMkLst>
+            <pc:docMk/>
+            <pc:sldMk cId="3067415087" sldId="260"/>
+            <ac:spMk id="14" creationId="{EFF11025-28CA-9579-16F6-D31A130C1295}"/>
+          </ac:spMkLst>
+        </pc:spChg>
+        <pc:spChg chg="mod">
+          <ac:chgData name="Pablo Ignacio Reyes Polanco" userId="1bd29249-bfd7-42f0-9d77-7f34e46a1cb7" providerId="ADAL" clId="{83BF9F6A-0012-4AB0-A1D1-38D280A9819B}" dt="2024-04-18T17:04:08.421" v="235" actId="20577"/>
+          <ac:spMkLst>
+            <pc:docMk/>
+            <pc:sldMk cId="3067415087" sldId="260"/>
+            <ac:spMk id="36" creationId="{CA53A6CD-36FC-666A-8397-0F6647EC84F6}"/>
+          </ac:spMkLst>
+        </pc:spChg>
+        <pc:spChg chg="mod">
+          <ac:chgData name="Pablo Ignacio Reyes Polanco" userId="1bd29249-bfd7-42f0-9d77-7f34e46a1cb7" providerId="ADAL" clId="{83BF9F6A-0012-4AB0-A1D1-38D280A9819B}" dt="2024-04-19T17:51:49.270" v="254" actId="20577"/>
+          <ac:spMkLst>
+            <pc:docMk/>
+            <pc:sldMk cId="3067415087" sldId="260"/>
+            <ac:spMk id="37" creationId="{8CF22988-AA90-3A9F-14CF-262DC7A8B3DE}"/>
+          </ac:spMkLst>
+        </pc:spChg>
+        <pc:spChg chg="mod">
+          <ac:chgData name="Pablo Ignacio Reyes Polanco" userId="1bd29249-bfd7-42f0-9d77-7f34e46a1cb7" providerId="ADAL" clId="{83BF9F6A-0012-4AB0-A1D1-38D280A9819B}" dt="2024-04-19T17:53:18.643" v="256" actId="20577"/>
+          <ac:spMkLst>
+            <pc:docMk/>
+            <pc:sldMk cId="3067415087" sldId="260"/>
+            <ac:spMk id="38" creationId="{1B959DBA-2B7E-2AC6-7C45-533E83F3FED8}"/>
+          </ac:spMkLst>
+        </pc:spChg>
+        <pc:spChg chg="mod">
+          <ac:chgData name="Pablo Ignacio Reyes Polanco" userId="1bd29249-bfd7-42f0-9d77-7f34e46a1cb7" providerId="ADAL" clId="{83BF9F6A-0012-4AB0-A1D1-38D280A9819B}" dt="2024-04-18T17:05:22.088" v="245" actId="20577"/>
+          <ac:spMkLst>
+            <pc:docMk/>
+            <pc:sldMk cId="3067415087" sldId="260"/>
+            <ac:spMk id="39" creationId="{2B984588-5AB2-B44A-4AF6-51D79F3E56CF}"/>
+          </ac:spMkLst>
+        </pc:spChg>
+        <pc:spChg chg="mod">
+          <ac:chgData name="Pablo Ignacio Reyes Polanco" userId="1bd29249-bfd7-42f0-9d77-7f34e46a1cb7" providerId="ADAL" clId="{83BF9F6A-0012-4AB0-A1D1-38D280A9819B}" dt="2024-04-18T17:05:31.410" v="247" actId="20577"/>
+          <ac:spMkLst>
+            <pc:docMk/>
+            <pc:sldMk cId="3067415087" sldId="260"/>
+            <ac:spMk id="40" creationId="{CEB84576-299E-5E49-9163-A064A348A583}"/>
+          </ac:spMkLst>
+        </pc:spChg>
+        <pc:spChg chg="mod">
+          <ac:chgData name="Pablo Ignacio Reyes Polanco" userId="1bd29249-bfd7-42f0-9d77-7f34e46a1cb7" providerId="ADAL" clId="{83BF9F6A-0012-4AB0-A1D1-38D280A9819B}" dt="2024-04-18T17:05:51.625" v="249" actId="20577"/>
+          <ac:spMkLst>
+            <pc:docMk/>
+            <pc:sldMk cId="3067415087" sldId="260"/>
+            <ac:spMk id="42" creationId="{39B92C96-55CB-10EE-423A-209C91C6A6E3}"/>
+          </ac:spMkLst>
+        </pc:spChg>
+        <pc:spChg chg="mod">
+          <ac:chgData name="Pablo Ignacio Reyes Polanco" userId="1bd29249-bfd7-42f0-9d77-7f34e46a1cb7" providerId="ADAL" clId="{83BF9F6A-0012-4AB0-A1D1-38D280A9819B}" dt="2024-04-18T17:04:33.922" v="243" actId="20577"/>
+          <ac:spMkLst>
+            <pc:docMk/>
+            <pc:sldMk cId="3067415087" sldId="260"/>
+            <ac:spMk id="43" creationId="{49D4B221-44AE-C2B5-1896-6F24DE00E61B}"/>
+          </ac:spMkLst>
+        </pc:spChg>
+        <pc:cxnChg chg="mod">
+          <ac:chgData name="Pablo Ignacio Reyes Polanco" userId="1bd29249-bfd7-42f0-9d77-7f34e46a1cb7" providerId="ADAL" clId="{83BF9F6A-0012-4AB0-A1D1-38D280A9819B}" dt="2024-04-18T16:52:18.285" v="227" actId="1076"/>
+          <ac:cxnSpMkLst>
+            <pc:docMk/>
+            <pc:sldMk cId="3067415087" sldId="260"/>
+            <ac:cxnSpMk id="16" creationId="{89A53785-2704-4DD8-7FCD-9937F1F56DCC}"/>
+          </ac:cxnSpMkLst>
+        </pc:cxnChg>
+        <pc:cxnChg chg="mod">
+          <ac:chgData name="Pablo Ignacio Reyes Polanco" userId="1bd29249-bfd7-42f0-9d77-7f34e46a1cb7" providerId="ADAL" clId="{83BF9F6A-0012-4AB0-A1D1-38D280A9819B}" dt="2024-04-18T16:52:18.285" v="227" actId="1076"/>
+          <ac:cxnSpMkLst>
+            <pc:docMk/>
+            <pc:sldMk cId="3067415087" sldId="260"/>
+            <ac:cxnSpMk id="17" creationId="{C95CA2FD-AA35-358C-D758-ADF719819B95}"/>
+          </ac:cxnSpMkLst>
+        </pc:cxnChg>
+        <pc:cxnChg chg="mod">
+          <ac:chgData name="Pablo Ignacio Reyes Polanco" userId="1bd29249-bfd7-42f0-9d77-7f34e46a1cb7" providerId="ADAL" clId="{83BF9F6A-0012-4AB0-A1D1-38D280A9819B}" dt="2024-04-18T16:55:31.485" v="231" actId="1076"/>
+          <ac:cxnSpMkLst>
+            <pc:docMk/>
+            <pc:sldMk cId="3067415087" sldId="260"/>
+            <ac:cxnSpMk id="18" creationId="{19B844CF-2F67-B0E2-90D9-495A25EE574B}"/>
+          </ac:cxnSpMkLst>
+        </pc:cxnChg>
+        <pc:cxnChg chg="mod">
+          <ac:chgData name="Pablo Ignacio Reyes Polanco" userId="1bd29249-bfd7-42f0-9d77-7f34e46a1cb7" providerId="ADAL" clId="{83BF9F6A-0012-4AB0-A1D1-38D280A9819B}" dt="2024-04-18T16:42:39.953" v="182" actId="1076"/>
+          <ac:cxnSpMkLst>
+            <pc:docMk/>
+            <pc:sldMk cId="3067415087" sldId="260"/>
+            <ac:cxnSpMk id="19" creationId="{61709A5C-359D-E0A1-8544-C1E900956057}"/>
+          </ac:cxnSpMkLst>
+        </pc:cxnChg>
+        <pc:cxnChg chg="mod">
+          <ac:chgData name="Pablo Ignacio Reyes Polanco" userId="1bd29249-bfd7-42f0-9d77-7f34e46a1cb7" providerId="ADAL" clId="{83BF9F6A-0012-4AB0-A1D1-38D280A9819B}" dt="2024-04-18T16:42:30.691" v="178" actId="14100"/>
+          <ac:cxnSpMkLst>
+            <pc:docMk/>
+            <pc:sldMk cId="3067415087" sldId="260"/>
+            <ac:cxnSpMk id="23" creationId="{83817215-09AD-0B4B-AC5D-322244C8DCE5}"/>
+          </ac:cxnSpMkLst>
+        </pc:cxnChg>
+        <pc:cxnChg chg="mod">
+          <ac:chgData name="Pablo Ignacio Reyes Polanco" userId="1bd29249-bfd7-42f0-9d77-7f34e46a1cb7" providerId="ADAL" clId="{83BF9F6A-0012-4AB0-A1D1-38D280A9819B}" dt="2024-04-18T16:42:43.131" v="183" actId="14100"/>
+          <ac:cxnSpMkLst>
+            <pc:docMk/>
+            <pc:sldMk cId="3067415087" sldId="260"/>
+            <ac:cxnSpMk id="24" creationId="{5CB5DF89-8E22-6039-8A00-AF31557B6567}"/>
+          </ac:cxnSpMkLst>
+        </pc:cxnChg>
+      </pc:sldChg>
+      <pc:sldChg chg="add del">
+        <pc:chgData name="Pablo Ignacio Reyes Polanco" userId="1bd29249-bfd7-42f0-9d77-7f34e46a1cb7" providerId="ADAL" clId="{83BF9F6A-0012-4AB0-A1D1-38D280A9819B}" dt="2024-04-18T16:38:13.409" v="95" actId="47"/>
+        <pc:sldMkLst>
+          <pc:docMk/>
+          <pc:sldMk cId="3533324710" sldId="260"/>
+        </pc:sldMkLst>
+      </pc:sldChg>
+      <pc:sldChg chg="addSp modSp add mod ord">
+        <pc:chgData name="Pablo Ignacio Reyes Polanco" userId="1bd29249-bfd7-42f0-9d77-7f34e46a1cb7" providerId="ADAL" clId="{83BF9F6A-0012-4AB0-A1D1-38D280A9819B}" dt="2024-04-18T16:50:14.356" v="211" actId="207"/>
+        <pc:sldMkLst>
+          <pc:docMk/>
+          <pc:sldMk cId="3629493312" sldId="261"/>
+        </pc:sldMkLst>
+        <pc:spChg chg="mod">
+          <ac:chgData name="Pablo Ignacio Reyes Polanco" userId="1bd29249-bfd7-42f0-9d77-7f34e46a1cb7" providerId="ADAL" clId="{83BF9F6A-0012-4AB0-A1D1-38D280A9819B}" dt="2024-04-18T16:50:14.356" v="211" actId="207"/>
+          <ac:spMkLst>
+            <pc:docMk/>
+            <pc:sldMk cId="3629493312" sldId="261"/>
+            <ac:spMk id="10" creationId="{7FC5DFA4-3752-EEF3-D972-36D7FD02EDE8}"/>
+          </ac:spMkLst>
+        </pc:spChg>
+        <pc:spChg chg="mod">
+          <ac:chgData name="Pablo Ignacio Reyes Polanco" userId="1bd29249-bfd7-42f0-9d77-7f34e46a1cb7" providerId="ADAL" clId="{83BF9F6A-0012-4AB0-A1D1-38D280A9819B}" dt="2024-04-18T16:43:35.523" v="198" actId="20577"/>
+          <ac:spMkLst>
+            <pc:docMk/>
+            <pc:sldMk cId="3629493312" sldId="261"/>
+            <ac:spMk id="30" creationId="{C2C89089-47FA-B298-8EBD-958DA7F3022E}"/>
+          </ac:spMkLst>
+        </pc:spChg>
+        <pc:spChg chg="mod">
+          <ac:chgData name="Pablo Ignacio Reyes Polanco" userId="1bd29249-bfd7-42f0-9d77-7f34e46a1cb7" providerId="ADAL" clId="{83BF9F6A-0012-4AB0-A1D1-38D280A9819B}" dt="2024-04-18T16:43:37.716" v="200" actId="20577"/>
+          <ac:spMkLst>
+            <pc:docMk/>
+            <pc:sldMk cId="3629493312" sldId="261"/>
+            <ac:spMk id="31" creationId="{DB8F6B40-FF9B-9820-E05A-4ADFDB1C71EE}"/>
+          </ac:spMkLst>
+        </pc:spChg>
+        <pc:spChg chg="mod">
+          <ac:chgData name="Pablo Ignacio Reyes Polanco" userId="1bd29249-bfd7-42f0-9d77-7f34e46a1cb7" providerId="ADAL" clId="{83BF9F6A-0012-4AB0-A1D1-38D280A9819B}" dt="2024-04-18T16:43:40.215" v="202" actId="20577"/>
+          <ac:spMkLst>
+            <pc:docMk/>
+            <pc:sldMk cId="3629493312" sldId="261"/>
+            <ac:spMk id="32" creationId="{9242A388-6398-0753-D3F4-F60B41C8A20D}"/>
+          </ac:spMkLst>
+        </pc:spChg>
+        <pc:spChg chg="add mod">
+          <ac:chgData name="Pablo Ignacio Reyes Polanco" userId="1bd29249-bfd7-42f0-9d77-7f34e46a1cb7" providerId="ADAL" clId="{83BF9F6A-0012-4AB0-A1D1-38D280A9819B}" dt="2024-04-18T16:44:19.201" v="208" actId="1076"/>
+          <ac:spMkLst>
+            <pc:docMk/>
+            <pc:sldMk cId="3629493312" sldId="261"/>
+            <ac:spMk id="41" creationId="{9C238ED8-FE98-9600-668C-F1975A2CADBD}"/>
+          </ac:spMkLst>
+        </pc:spChg>
+        <pc:cxnChg chg="mod">
+          <ac:chgData name="Pablo Ignacio Reyes Polanco" userId="1bd29249-bfd7-42f0-9d77-7f34e46a1cb7" providerId="ADAL" clId="{83BF9F6A-0012-4AB0-A1D1-38D280A9819B}" dt="2024-04-18T16:43:23.428" v="193" actId="14100"/>
+          <ac:cxnSpMkLst>
+            <pc:docMk/>
+            <pc:sldMk cId="3629493312" sldId="261"/>
+            <ac:cxnSpMk id="17" creationId="{C95CA2FD-AA35-358C-D758-ADF719819B95}"/>
+          </ac:cxnSpMkLst>
+        </pc:cxnChg>
+        <pc:cxnChg chg="mod">
+          <ac:chgData name="Pablo Ignacio Reyes Polanco" userId="1bd29249-bfd7-42f0-9d77-7f34e46a1cb7" providerId="ADAL" clId="{83BF9F6A-0012-4AB0-A1D1-38D280A9819B}" dt="2024-04-18T16:43:33.280" v="196" actId="14100"/>
+          <ac:cxnSpMkLst>
+            <pc:docMk/>
+            <pc:sldMk cId="3629493312" sldId="261"/>
+            <ac:cxnSpMk id="18" creationId="{19B844CF-2F67-B0E2-90D9-495A25EE574B}"/>
+          </ac:cxnSpMkLst>
+        </pc:cxnChg>
+        <pc:cxnChg chg="mod ord">
+          <ac:chgData name="Pablo Ignacio Reyes Polanco" userId="1bd29249-bfd7-42f0-9d77-7f34e46a1cb7" providerId="ADAL" clId="{83BF9F6A-0012-4AB0-A1D1-38D280A9819B}" dt="2024-04-18T16:44:08.850" v="206" actId="171"/>
+          <ac:cxnSpMkLst>
+            <pc:docMk/>
+            <pc:sldMk cId="3629493312" sldId="261"/>
+            <ac:cxnSpMk id="23" creationId="{83817215-09AD-0B4B-AC5D-322244C8DCE5}"/>
+          </ac:cxnSpMkLst>
+        </pc:cxnChg>
+      </pc:sldChg>
+      <pc:sldChg chg="addSp delSp modSp add mod">
+        <pc:chgData name="Pablo Ignacio Reyes Polanco" userId="1bd29249-bfd7-42f0-9d77-7f34e46a1cb7" providerId="ADAL" clId="{83BF9F6A-0012-4AB0-A1D1-38D280A9819B}" dt="2024-04-19T18:08:43.337" v="269" actId="478"/>
+        <pc:sldMkLst>
+          <pc:docMk/>
+          <pc:sldMk cId="3686774881" sldId="262"/>
+        </pc:sldMkLst>
+        <pc:spChg chg="del">
+          <ac:chgData name="Pablo Ignacio Reyes Polanco" userId="1bd29249-bfd7-42f0-9d77-7f34e46a1cb7" providerId="ADAL" clId="{83BF9F6A-0012-4AB0-A1D1-38D280A9819B}" dt="2024-04-19T18:08:28.701" v="259" actId="478"/>
+          <ac:spMkLst>
+            <pc:docMk/>
+            <pc:sldMk cId="3686774881" sldId="262"/>
+            <ac:spMk id="25" creationId="{76A7E15D-FCB9-5F4A-5C8E-5686DC7C0B06}"/>
+          </ac:spMkLst>
+        </pc:spChg>
+        <pc:spChg chg="del">
+          <ac:chgData name="Pablo Ignacio Reyes Polanco" userId="1bd29249-bfd7-42f0-9d77-7f34e46a1cb7" providerId="ADAL" clId="{83BF9F6A-0012-4AB0-A1D1-38D280A9819B}" dt="2024-04-19T18:08:27.387" v="258" actId="478"/>
+          <ac:spMkLst>
+            <pc:docMk/>
+            <pc:sldMk cId="3686774881" sldId="262"/>
+            <ac:spMk id="26" creationId="{C3D18078-2C2D-6EEE-5D4B-E9C46B15EE3D}"/>
+          </ac:spMkLst>
+        </pc:spChg>
+        <pc:spChg chg="del">
+          <ac:chgData name="Pablo Ignacio Reyes Polanco" userId="1bd29249-bfd7-42f0-9d77-7f34e46a1cb7" providerId="ADAL" clId="{83BF9F6A-0012-4AB0-A1D1-38D280A9819B}" dt="2024-04-19T18:08:43.337" v="269" actId="478"/>
+          <ac:spMkLst>
+            <pc:docMk/>
+            <pc:sldMk cId="3686774881" sldId="262"/>
+            <ac:spMk id="27" creationId="{CB23ED32-2B7D-49D1-8413-8F84A718CBD4}"/>
+          </ac:spMkLst>
+        </pc:spChg>
+        <pc:spChg chg="del">
+          <ac:chgData name="Pablo Ignacio Reyes Polanco" userId="1bd29249-bfd7-42f0-9d77-7f34e46a1cb7" providerId="ADAL" clId="{83BF9F6A-0012-4AB0-A1D1-38D280A9819B}" dt="2024-04-19T18:08:42.079" v="268" actId="478"/>
+          <ac:spMkLst>
+            <pc:docMk/>
+            <pc:sldMk cId="3686774881" sldId="262"/>
+            <ac:spMk id="28" creationId="{6195983B-F82E-9592-276C-2107EC50C386}"/>
+          </ac:spMkLst>
+        </pc:spChg>
+        <pc:spChg chg="del">
+          <ac:chgData name="Pablo Ignacio Reyes Polanco" userId="1bd29249-bfd7-42f0-9d77-7f34e46a1cb7" providerId="ADAL" clId="{83BF9F6A-0012-4AB0-A1D1-38D280A9819B}" dt="2024-04-19T18:08:33.640" v="262" actId="478"/>
+          <ac:spMkLst>
+            <pc:docMk/>
+            <pc:sldMk cId="3686774881" sldId="262"/>
+            <ac:spMk id="29" creationId="{B0589DC9-2E02-0A00-7EC7-0BAAF574539B}"/>
+          </ac:spMkLst>
+        </pc:spChg>
+        <pc:spChg chg="del">
+          <ac:chgData name="Pablo Ignacio Reyes Polanco" userId="1bd29249-bfd7-42f0-9d77-7f34e46a1cb7" providerId="ADAL" clId="{83BF9F6A-0012-4AB0-A1D1-38D280A9819B}" dt="2024-04-19T18:08:29.929" v="260" actId="478"/>
+          <ac:spMkLst>
+            <pc:docMk/>
+            <pc:sldMk cId="3686774881" sldId="262"/>
+            <ac:spMk id="30" creationId="{C2C89089-47FA-B298-8EBD-958DA7F3022E}"/>
+          </ac:spMkLst>
+        </pc:spChg>
+        <pc:spChg chg="del">
+          <ac:chgData name="Pablo Ignacio Reyes Polanco" userId="1bd29249-bfd7-42f0-9d77-7f34e46a1cb7" providerId="ADAL" clId="{83BF9F6A-0012-4AB0-A1D1-38D280A9819B}" dt="2024-04-19T18:08:31.083" v="261" actId="478"/>
+          <ac:spMkLst>
+            <pc:docMk/>
+            <pc:sldMk cId="3686774881" sldId="262"/>
+            <ac:spMk id="31" creationId="{DB8F6B40-FF9B-9820-E05A-4ADFDB1C71EE}"/>
+          </ac:spMkLst>
+        </pc:spChg>
+        <pc:spChg chg="del">
+          <ac:chgData name="Pablo Ignacio Reyes Polanco" userId="1bd29249-bfd7-42f0-9d77-7f34e46a1cb7" providerId="ADAL" clId="{83BF9F6A-0012-4AB0-A1D1-38D280A9819B}" dt="2024-04-19T18:08:37.302" v="265" actId="478"/>
+          <ac:spMkLst>
+            <pc:docMk/>
+            <pc:sldMk cId="3686774881" sldId="262"/>
+            <ac:spMk id="32" creationId="{9242A388-6398-0753-D3F4-F60B41C8A20D}"/>
+          </ac:spMkLst>
+        </pc:spChg>
+        <pc:spChg chg="del mod">
+          <ac:chgData name="Pablo Ignacio Reyes Polanco" userId="1bd29249-bfd7-42f0-9d77-7f34e46a1cb7" providerId="ADAL" clId="{83BF9F6A-0012-4AB0-A1D1-38D280A9819B}" dt="2024-04-19T18:08:36.094" v="264" actId="478"/>
+          <ac:spMkLst>
+            <pc:docMk/>
+            <pc:sldMk cId="3686774881" sldId="262"/>
+            <ac:spMk id="33" creationId="{4595F294-0D35-5474-890E-C55CD8CA73F4}"/>
+          </ac:spMkLst>
+        </pc:spChg>
+        <pc:grpChg chg="add del">
+          <ac:chgData name="Pablo Ignacio Reyes Polanco" userId="1bd29249-bfd7-42f0-9d77-7f34e46a1cb7" providerId="ADAL" clId="{83BF9F6A-0012-4AB0-A1D1-38D280A9819B}" dt="2024-04-19T18:08:39.952" v="267" actId="478"/>
+          <ac:grpSpMkLst>
+            <pc:docMk/>
+            <pc:sldMk cId="3686774881" sldId="262"/>
+            <ac:grpSpMk id="4" creationId="{BFCB1528-D931-C555-EF26-B8140B34043C}"/>
+          </ac:grpSpMkLst>
+        </pc:grpChg>
+        <pc:cxnChg chg="mod">
+          <ac:chgData name="Pablo Ignacio Reyes Polanco" userId="1bd29249-bfd7-42f0-9d77-7f34e46a1cb7" providerId="ADAL" clId="{83BF9F6A-0012-4AB0-A1D1-38D280A9819B}" dt="2024-04-19T18:08:39.952" v="267" actId="478"/>
+          <ac:cxnSpMkLst>
+            <pc:docMk/>
+            <pc:sldMk cId="3686774881" sldId="262"/>
+            <ac:cxnSpMk id="16" creationId="{89A53785-2704-4DD8-7FCD-9937F1F56DCC}"/>
+          </ac:cxnSpMkLst>
+        </pc:cxnChg>
+        <pc:cxnChg chg="mod">
+          <ac:chgData name="Pablo Ignacio Reyes Polanco" userId="1bd29249-bfd7-42f0-9d77-7f34e46a1cb7" providerId="ADAL" clId="{83BF9F6A-0012-4AB0-A1D1-38D280A9819B}" dt="2024-04-19T18:08:39.952" v="267" actId="478"/>
+          <ac:cxnSpMkLst>
+            <pc:docMk/>
+            <pc:sldMk cId="3686774881" sldId="262"/>
+            <ac:cxnSpMk id="17" creationId="{C95CA2FD-AA35-358C-D758-ADF719819B95}"/>
+          </ac:cxnSpMkLst>
+        </pc:cxnChg>
+        <pc:cxnChg chg="mod">
+          <ac:chgData name="Pablo Ignacio Reyes Polanco" userId="1bd29249-bfd7-42f0-9d77-7f34e46a1cb7" providerId="ADAL" clId="{83BF9F6A-0012-4AB0-A1D1-38D280A9819B}" dt="2024-04-19T18:08:39.952" v="267" actId="478"/>
+          <ac:cxnSpMkLst>
+            <pc:docMk/>
+            <pc:sldMk cId="3686774881" sldId="262"/>
+            <ac:cxnSpMk id="18" creationId="{19B844CF-2F67-B0E2-90D9-495A25EE574B}"/>
+          </ac:cxnSpMkLst>
+        </pc:cxnChg>
+        <pc:cxnChg chg="mod">
+          <ac:chgData name="Pablo Ignacio Reyes Polanco" userId="1bd29249-bfd7-42f0-9d77-7f34e46a1cb7" providerId="ADAL" clId="{83BF9F6A-0012-4AB0-A1D1-38D280A9819B}" dt="2024-04-19T18:08:39.952" v="267" actId="478"/>
+          <ac:cxnSpMkLst>
+            <pc:docMk/>
+            <pc:sldMk cId="3686774881" sldId="262"/>
+            <ac:cxnSpMk id="19" creationId="{61709A5C-359D-E0A1-8544-C1E900956057}"/>
+          </ac:cxnSpMkLst>
+        </pc:cxnChg>
+        <pc:cxnChg chg="mod">
+          <ac:chgData name="Pablo Ignacio Reyes Polanco" userId="1bd29249-bfd7-42f0-9d77-7f34e46a1cb7" providerId="ADAL" clId="{83BF9F6A-0012-4AB0-A1D1-38D280A9819B}" dt="2024-04-19T18:08:39.952" v="267" actId="478"/>
+          <ac:cxnSpMkLst>
+            <pc:docMk/>
+            <pc:sldMk cId="3686774881" sldId="262"/>
+            <ac:cxnSpMk id="20" creationId="{2FF1A697-11C1-3B80-CAC9-EAF00BA54A20}"/>
+          </ac:cxnSpMkLst>
+        </pc:cxnChg>
+        <pc:cxnChg chg="mod">
+          <ac:chgData name="Pablo Ignacio Reyes Polanco" userId="1bd29249-bfd7-42f0-9d77-7f34e46a1cb7" providerId="ADAL" clId="{83BF9F6A-0012-4AB0-A1D1-38D280A9819B}" dt="2024-04-19T18:08:39.952" v="267" actId="478"/>
+          <ac:cxnSpMkLst>
+            <pc:docMk/>
+            <pc:sldMk cId="3686774881" sldId="262"/>
+            <ac:cxnSpMk id="21" creationId="{F44D8C10-13F8-E4CE-8CFF-8940E8000894}"/>
+          </ac:cxnSpMkLst>
+        </pc:cxnChg>
+        <pc:cxnChg chg="mod">
+          <ac:chgData name="Pablo Ignacio Reyes Polanco" userId="1bd29249-bfd7-42f0-9d77-7f34e46a1cb7" providerId="ADAL" clId="{83BF9F6A-0012-4AB0-A1D1-38D280A9819B}" dt="2024-04-19T18:08:39.952" v="267" actId="478"/>
+          <ac:cxnSpMkLst>
+            <pc:docMk/>
+            <pc:sldMk cId="3686774881" sldId="262"/>
+            <ac:cxnSpMk id="22" creationId="{4AEABD32-DB08-1546-E64E-2F4138AEF88E}"/>
+          </ac:cxnSpMkLst>
+        </pc:cxnChg>
+        <pc:cxnChg chg="mod">
+          <ac:chgData name="Pablo Ignacio Reyes Polanco" userId="1bd29249-bfd7-42f0-9d77-7f34e46a1cb7" providerId="ADAL" clId="{83BF9F6A-0012-4AB0-A1D1-38D280A9819B}" dt="2024-04-19T18:08:39.952" v="267" actId="478"/>
+          <ac:cxnSpMkLst>
+            <pc:docMk/>
+            <pc:sldMk cId="3686774881" sldId="262"/>
+            <ac:cxnSpMk id="23" creationId="{83817215-09AD-0B4B-AC5D-322244C8DCE5}"/>
+          </ac:cxnSpMkLst>
+        </pc:cxnChg>
+        <pc:cxnChg chg="mod">
+          <ac:chgData name="Pablo Ignacio Reyes Polanco" userId="1bd29249-bfd7-42f0-9d77-7f34e46a1cb7" providerId="ADAL" clId="{83BF9F6A-0012-4AB0-A1D1-38D280A9819B}" dt="2024-04-19T18:08:39.952" v="267" actId="478"/>
+          <ac:cxnSpMkLst>
+            <pc:docMk/>
+            <pc:sldMk cId="3686774881" sldId="262"/>
+            <ac:cxnSpMk id="24" creationId="{5CB5DF89-8E22-6039-8A00-AF31557B6567}"/>
+          </ac:cxnSpMkLst>
+        </pc:cxnChg>
+      </pc:sldChg>
+      <pc:sldChg chg="addSp delSp modSp add mod">
+        <pc:chgData name="Pablo Ignacio Reyes Polanco" userId="1bd29249-bfd7-42f0-9d77-7f34e46a1cb7" providerId="ADAL" clId="{83BF9F6A-0012-4AB0-A1D1-38D280A9819B}" dt="2024-04-19T18:09:06.111" v="284" actId="478"/>
+        <pc:sldMkLst>
+          <pc:docMk/>
+          <pc:sldMk cId="2094292018" sldId="263"/>
+        </pc:sldMkLst>
+        <pc:spChg chg="del mod">
+          <ac:chgData name="Pablo Ignacio Reyes Polanco" userId="1bd29249-bfd7-42f0-9d77-7f34e46a1cb7" providerId="ADAL" clId="{83BF9F6A-0012-4AB0-A1D1-38D280A9819B}" dt="2024-04-19T18:08:48.554" v="272" actId="478"/>
+          <ac:spMkLst>
+            <pc:docMk/>
+            <pc:sldMk cId="2094292018" sldId="263"/>
+            <ac:spMk id="25" creationId="{76A7E15D-FCB9-5F4A-5C8E-5686DC7C0B06}"/>
+          </ac:spMkLst>
+        </pc:spChg>
+        <pc:spChg chg="del">
+          <ac:chgData name="Pablo Ignacio Reyes Polanco" userId="1bd29249-bfd7-42f0-9d77-7f34e46a1cb7" providerId="ADAL" clId="{83BF9F6A-0012-4AB0-A1D1-38D280A9819B}" dt="2024-04-19T18:08:46.047" v="270" actId="478"/>
+          <ac:spMkLst>
+            <pc:docMk/>
+            <pc:sldMk cId="2094292018" sldId="263"/>
+            <ac:spMk id="26" creationId="{C3D18078-2C2D-6EEE-5D4B-E9C46B15EE3D}"/>
+          </ac:spMkLst>
+        </pc:spChg>
+        <pc:spChg chg="add del">
+          <ac:chgData name="Pablo Ignacio Reyes Polanco" userId="1bd29249-bfd7-42f0-9d77-7f34e46a1cb7" providerId="ADAL" clId="{83BF9F6A-0012-4AB0-A1D1-38D280A9819B}" dt="2024-04-19T18:09:06.111" v="284" actId="478"/>
+          <ac:spMkLst>
+            <pc:docMk/>
+            <pc:sldMk cId="2094292018" sldId="263"/>
+            <ac:spMk id="27" creationId="{CB23ED32-2B7D-49D1-8413-8F84A718CBD4}"/>
+          </ac:spMkLst>
+        </pc:spChg>
+        <pc:spChg chg="add del">
+          <ac:chgData name="Pablo Ignacio Reyes Polanco" userId="1bd29249-bfd7-42f0-9d77-7f34e46a1cb7" providerId="ADAL" clId="{83BF9F6A-0012-4AB0-A1D1-38D280A9819B}" dt="2024-04-19T18:09:05.942" v="283" actId="478"/>
+          <ac:spMkLst>
+            <pc:docMk/>
+            <pc:sldMk cId="2094292018" sldId="263"/>
+            <ac:spMk id="28" creationId="{6195983B-F82E-9592-276C-2107EC50C386}"/>
+          </ac:spMkLst>
+        </pc:spChg>
+        <pc:spChg chg="del">
+          <ac:chgData name="Pablo Ignacio Reyes Polanco" userId="1bd29249-bfd7-42f0-9d77-7f34e46a1cb7" providerId="ADAL" clId="{83BF9F6A-0012-4AB0-A1D1-38D280A9819B}" dt="2024-04-19T18:08:52.045" v="276" actId="478"/>
+          <ac:spMkLst>
+            <pc:docMk/>
+            <pc:sldMk cId="2094292018" sldId="263"/>
+            <ac:spMk id="29" creationId="{B0589DC9-2E02-0A00-7EC7-0BAAF574539B}"/>
+          </ac:spMkLst>
+        </pc:spChg>
+        <pc:spChg chg="del mod">
+          <ac:chgData name="Pablo Ignacio Reyes Polanco" userId="1bd29249-bfd7-42f0-9d77-7f34e46a1cb7" providerId="ADAL" clId="{83BF9F6A-0012-4AB0-A1D1-38D280A9819B}" dt="2024-04-19T18:08:49.617" v="274" actId="478"/>
+          <ac:spMkLst>
+            <pc:docMk/>
+            <pc:sldMk cId="2094292018" sldId="263"/>
+            <ac:spMk id="30" creationId="{C2C89089-47FA-B298-8EBD-958DA7F3022E}"/>
+          </ac:spMkLst>
+        </pc:spChg>
+        <pc:spChg chg="del">
+          <ac:chgData name="Pablo Ignacio Reyes Polanco" userId="1bd29249-bfd7-42f0-9d77-7f34e46a1cb7" providerId="ADAL" clId="{83BF9F6A-0012-4AB0-A1D1-38D280A9819B}" dt="2024-04-19T18:08:50.629" v="275" actId="478"/>
+          <ac:spMkLst>
+            <pc:docMk/>
+            <pc:sldMk cId="2094292018" sldId="263"/>
+            <ac:spMk id="31" creationId="{DB8F6B40-FF9B-9820-E05A-4ADFDB1C71EE}"/>
+          </ac:spMkLst>
+        </pc:spChg>
+        <pc:spChg chg="del">
+          <ac:chgData name="Pablo Ignacio Reyes Polanco" userId="1bd29249-bfd7-42f0-9d77-7f34e46a1cb7" providerId="ADAL" clId="{83BF9F6A-0012-4AB0-A1D1-38D280A9819B}" dt="2024-04-19T18:08:53.551" v="277" actId="478"/>
+          <ac:spMkLst>
+            <pc:docMk/>
+            <pc:sldMk cId="2094292018" sldId="263"/>
+            <ac:spMk id="32" creationId="{9242A388-6398-0753-D3F4-F60B41C8A20D}"/>
+          </ac:spMkLst>
+        </pc:spChg>
+        <pc:spChg chg="del">
+          <ac:chgData name="Pablo Ignacio Reyes Polanco" userId="1bd29249-bfd7-42f0-9d77-7f34e46a1cb7" providerId="ADAL" clId="{83BF9F6A-0012-4AB0-A1D1-38D280A9819B}" dt="2024-04-19T18:08:54.599" v="278" actId="478"/>
+          <ac:spMkLst>
+            <pc:docMk/>
+            <pc:sldMk cId="2094292018" sldId="263"/>
+            <ac:spMk id="33" creationId="{4595F294-0D35-5474-890E-C55CD8CA73F4}"/>
+          </ac:spMkLst>
+        </pc:spChg>
+      </pc:sldChg>
+      <pc:sldChg chg="delSp add mod">
+        <pc:chgData name="Pablo Ignacio Reyes Polanco" userId="1bd29249-bfd7-42f0-9d77-7f34e46a1cb7" providerId="ADAL" clId="{83BF9F6A-0012-4AB0-A1D1-38D280A9819B}" dt="2024-04-19T18:09:35.569" v="293" actId="478"/>
+        <pc:sldMkLst>
+          <pc:docMk/>
+          <pc:sldMk cId="1411990905" sldId="264"/>
+        </pc:sldMkLst>
+        <pc:spChg chg="del">
+          <ac:chgData name="Pablo Ignacio Reyes Polanco" userId="1bd29249-bfd7-42f0-9d77-7f34e46a1cb7" providerId="ADAL" clId="{83BF9F6A-0012-4AB0-A1D1-38D280A9819B}" dt="2024-04-19T18:09:14.430" v="286" actId="478"/>
+          <ac:spMkLst>
+            <pc:docMk/>
+            <pc:sldMk cId="1411990905" sldId="264"/>
+            <ac:spMk id="25" creationId="{76A7E15D-FCB9-5F4A-5C8E-5686DC7C0B06}"/>
+          </ac:spMkLst>
+        </pc:spChg>
+        <pc:spChg chg="del">
+          <ac:chgData name="Pablo Ignacio Reyes Polanco" userId="1bd29249-bfd7-42f0-9d77-7f34e46a1cb7" providerId="ADAL" clId="{83BF9F6A-0012-4AB0-A1D1-38D280A9819B}" dt="2024-04-19T18:09:12.475" v="285" actId="478"/>
+          <ac:spMkLst>
+            <pc:docMk/>
+            <pc:sldMk cId="1411990905" sldId="264"/>
+            <ac:spMk id="26" creationId="{C3D18078-2C2D-6EEE-5D4B-E9C46B15EE3D}"/>
+          </ac:spMkLst>
+        </pc:spChg>
+        <pc:spChg chg="del">
+          <ac:chgData name="Pablo Ignacio Reyes Polanco" userId="1bd29249-bfd7-42f0-9d77-7f34e46a1cb7" providerId="ADAL" clId="{83BF9F6A-0012-4AB0-A1D1-38D280A9819B}" dt="2024-04-19T18:09:35.569" v="293" actId="478"/>
+          <ac:spMkLst>
+            <pc:docMk/>
+            <pc:sldMk cId="1411990905" sldId="264"/>
+            <ac:spMk id="27" creationId="{CB23ED32-2B7D-49D1-8413-8F84A718CBD4}"/>
+          </ac:spMkLst>
+        </pc:spChg>
+        <pc:spChg chg="del">
+          <ac:chgData name="Pablo Ignacio Reyes Polanco" userId="1bd29249-bfd7-42f0-9d77-7f34e46a1cb7" providerId="ADAL" clId="{83BF9F6A-0012-4AB0-A1D1-38D280A9819B}" dt="2024-04-19T18:09:34.747" v="292" actId="478"/>
+          <ac:spMkLst>
+            <pc:docMk/>
+            <pc:sldMk cId="1411990905" sldId="264"/>
+            <ac:spMk id="28" creationId="{6195983B-F82E-9592-276C-2107EC50C386}"/>
+          </ac:spMkLst>
+        </pc:spChg>
+        <pc:spChg chg="del">
+          <ac:chgData name="Pablo Ignacio Reyes Polanco" userId="1bd29249-bfd7-42f0-9d77-7f34e46a1cb7" providerId="ADAL" clId="{83BF9F6A-0012-4AB0-A1D1-38D280A9819B}" dt="2024-04-19T18:09:32.658" v="290" actId="478"/>
+          <ac:spMkLst>
+            <pc:docMk/>
+            <pc:sldMk cId="1411990905" sldId="264"/>
+            <ac:spMk id="29" creationId="{B0589DC9-2E02-0A00-7EC7-0BAAF574539B}"/>
+          </ac:spMkLst>
+        </pc:spChg>
+        <pc:spChg chg="del">
+          <ac:chgData name="Pablo Ignacio Reyes Polanco" userId="1bd29249-bfd7-42f0-9d77-7f34e46a1cb7" providerId="ADAL" clId="{83BF9F6A-0012-4AB0-A1D1-38D280A9819B}" dt="2024-04-19T18:09:15.102" v="287" actId="478"/>
+          <ac:spMkLst>
+            <pc:docMk/>
+            <pc:sldMk cId="1411990905" sldId="264"/>
+            <ac:spMk id="30" creationId="{C2C89089-47FA-B298-8EBD-958DA7F3022E}"/>
+          </ac:spMkLst>
+        </pc:spChg>
+        <pc:spChg chg="del">
+          <ac:chgData name="Pablo Ignacio Reyes Polanco" userId="1bd29249-bfd7-42f0-9d77-7f34e46a1cb7" providerId="ADAL" clId="{83BF9F6A-0012-4AB0-A1D1-38D280A9819B}" dt="2024-04-19T18:09:15.876" v="288" actId="478"/>
+          <ac:spMkLst>
+            <pc:docMk/>
+            <pc:sldMk cId="1411990905" sldId="264"/>
+            <ac:spMk id="31" creationId="{DB8F6B40-FF9B-9820-E05A-4ADFDB1C71EE}"/>
+          </ac:spMkLst>
+        </pc:spChg>
+        <pc:spChg chg="del">
+          <ac:chgData name="Pablo Ignacio Reyes Polanco" userId="1bd29249-bfd7-42f0-9d77-7f34e46a1cb7" providerId="ADAL" clId="{83BF9F6A-0012-4AB0-A1D1-38D280A9819B}" dt="2024-04-19T18:09:29.836" v="289" actId="478"/>
+          <ac:spMkLst>
+            <pc:docMk/>
+            <pc:sldMk cId="1411990905" sldId="264"/>
+            <ac:spMk id="32" creationId="{9242A388-6398-0753-D3F4-F60B41C8A20D}"/>
+          </ac:spMkLst>
+        </pc:spChg>
+        <pc:spChg chg="del">
+          <ac:chgData name="Pablo Ignacio Reyes Polanco" userId="1bd29249-bfd7-42f0-9d77-7f34e46a1cb7" providerId="ADAL" clId="{83BF9F6A-0012-4AB0-A1D1-38D280A9819B}" dt="2024-04-19T18:09:33.431" v="291" actId="478"/>
+          <ac:spMkLst>
+            <pc:docMk/>
+            <pc:sldMk cId="1411990905" sldId="264"/>
+            <ac:spMk id="33" creationId="{4595F294-0D35-5474-890E-C55CD8CA73F4}"/>
+          </ac:spMkLst>
+        </pc:spChg>
+      </pc:sldChg>
+    </pc:docChg>
+  </pc:docChgLst>
   <pc:docChgLst>
     <pc:chgData name="Pablo Ignacio Reyes Polanco" userId="1bd29249-bfd7-42f0-9d77-7f34e46a1cb7" providerId="ADAL" clId="{4B7EC3D8-2982-495B-8349-621434CDB295}"/>
     <pc:docChg chg="undo custSel addSld modSld modMainMaster modNotesMaster">
@@ -606,7 +1688,7 @@
           <a:p>
             <a:fld id="{E963B14D-56DA-4CF3-8632-7B444216F812}" type="datetimeFigureOut">
               <a:rPr lang="es-CL" smtClean="0"/>
-              <a:t>01-03-2024</a:t>
+              <a:t>19-04-2024</a:t>
             </a:fld>
             <a:endParaRPr lang="es-CL"/>
           </a:p>
@@ -953,7 +2035,452 @@
     </p:spTree>
     <p:extLst>
       <p:ext uri="{BB962C8B-B14F-4D97-AF65-F5344CB8AC3E}">
-        <p14:creationId xmlns:p14="http://schemas.microsoft.com/office/powerpoint/2010/main" val="1468780916"/>
+        <p14:creationId xmlns:p14="http://schemas.microsoft.com/office/powerpoint/2010/main" val="118568782"/>
+      </p:ext>
+    </p:extLst>
+  </p:cSld>
+  <p:clrMapOvr>
+    <a:masterClrMapping/>
+  </p:clrMapOvr>
+</p:notes>
+</file>
+
+<file path=ppt/notesSlides/notesSlide2.xml><?xml version="1.0" encoding="utf-8"?>
+<p:notes xmlns:a="http://schemas.openxmlformats.org/drawingml/2006/main" xmlns:r="http://schemas.openxmlformats.org/officeDocument/2006/relationships" xmlns:p="http://schemas.openxmlformats.org/presentationml/2006/main">
+  <p:cSld>
+    <p:spTree>
+      <p:nvGrpSpPr>
+        <p:cNvPr id="1" name=""/>
+        <p:cNvGrpSpPr/>
+        <p:nvPr/>
+      </p:nvGrpSpPr>
+      <p:grpSpPr>
+        <a:xfrm>
+          <a:off x="0" y="0"/>
+          <a:ext cx="0" cy="0"/>
+          <a:chOff x="0" y="0"/>
+          <a:chExt cx="0" cy="0"/>
+        </a:xfrm>
+      </p:grpSpPr>
+      <p:sp>
+        <p:nvSpPr>
+          <p:cNvPr id="2" name="Marcador de imagen de diapositiva 1"/>
+          <p:cNvSpPr>
+            <a:spLocks noGrp="1" noRot="1" noChangeAspect="1"/>
+          </p:cNvSpPr>
+          <p:nvPr>
+            <p:ph type="sldImg"/>
+          </p:nvPr>
+        </p:nvSpPr>
+        <p:spPr>
+          <a:xfrm>
+            <a:off x="1371600" y="1143000"/>
+            <a:ext cx="4114800" cy="3086100"/>
+          </a:xfrm>
+        </p:spPr>
+      </p:sp>
+      <p:sp>
+        <p:nvSpPr>
+          <p:cNvPr id="3" name="Marcador de notas 2"/>
+          <p:cNvSpPr>
+            <a:spLocks noGrp="1"/>
+          </p:cNvSpPr>
+          <p:nvPr>
+            <p:ph type="body" idx="1"/>
+          </p:nvPr>
+        </p:nvSpPr>
+        <p:spPr/>
+        <p:txBody>
+          <a:bodyPr/>
+          <a:lstStyle/>
+          <a:p>
+            <a:endParaRPr lang="es-CL" dirty="0"/>
+          </a:p>
+        </p:txBody>
+      </p:sp>
+      <p:sp>
+        <p:nvSpPr>
+          <p:cNvPr id="4" name="Marcador de número de diapositiva 3"/>
+          <p:cNvSpPr>
+            <a:spLocks noGrp="1"/>
+          </p:cNvSpPr>
+          <p:nvPr>
+            <p:ph type="sldNum" sz="quarter" idx="5"/>
+          </p:nvPr>
+        </p:nvSpPr>
+        <p:spPr/>
+        <p:txBody>
+          <a:bodyPr/>
+          <a:lstStyle/>
+          <a:p>
+            <a:fld id="{DA45F3FA-EA5A-4156-BD39-F1545C44315F}" type="slidenum">
+              <a:rPr lang="es-CL" smtClean="0"/>
+              <a:t>2</a:t>
+            </a:fld>
+            <a:endParaRPr lang="es-CL"/>
+          </a:p>
+        </p:txBody>
+      </p:sp>
+    </p:spTree>
+    <p:extLst>
+      <p:ext uri="{BB962C8B-B14F-4D97-AF65-F5344CB8AC3E}">
+        <p14:creationId xmlns:p14="http://schemas.microsoft.com/office/powerpoint/2010/main" val="2992390525"/>
+      </p:ext>
+    </p:extLst>
+  </p:cSld>
+  <p:clrMapOvr>
+    <a:masterClrMapping/>
+  </p:clrMapOvr>
+</p:notes>
+</file>
+
+<file path=ppt/notesSlides/notesSlide3.xml><?xml version="1.0" encoding="utf-8"?>
+<p:notes xmlns:a="http://schemas.openxmlformats.org/drawingml/2006/main" xmlns:r="http://schemas.openxmlformats.org/officeDocument/2006/relationships" xmlns:p="http://schemas.openxmlformats.org/presentationml/2006/main">
+  <p:cSld>
+    <p:spTree>
+      <p:nvGrpSpPr>
+        <p:cNvPr id="1" name=""/>
+        <p:cNvGrpSpPr/>
+        <p:nvPr/>
+      </p:nvGrpSpPr>
+      <p:grpSpPr>
+        <a:xfrm>
+          <a:off x="0" y="0"/>
+          <a:ext cx="0" cy="0"/>
+          <a:chOff x="0" y="0"/>
+          <a:chExt cx="0" cy="0"/>
+        </a:xfrm>
+      </p:grpSpPr>
+      <p:sp>
+        <p:nvSpPr>
+          <p:cNvPr id="2" name="Marcador de imagen de diapositiva 1"/>
+          <p:cNvSpPr>
+            <a:spLocks noGrp="1" noRot="1" noChangeAspect="1"/>
+          </p:cNvSpPr>
+          <p:nvPr>
+            <p:ph type="sldImg"/>
+          </p:nvPr>
+        </p:nvSpPr>
+        <p:spPr>
+          <a:xfrm>
+            <a:off x="1371600" y="1143000"/>
+            <a:ext cx="4114800" cy="3086100"/>
+          </a:xfrm>
+        </p:spPr>
+      </p:sp>
+      <p:sp>
+        <p:nvSpPr>
+          <p:cNvPr id="3" name="Marcador de notas 2"/>
+          <p:cNvSpPr>
+            <a:spLocks noGrp="1"/>
+          </p:cNvSpPr>
+          <p:nvPr>
+            <p:ph type="body" idx="1"/>
+          </p:nvPr>
+        </p:nvSpPr>
+        <p:spPr/>
+        <p:txBody>
+          <a:bodyPr/>
+          <a:lstStyle/>
+          <a:p>
+            <a:endParaRPr lang="es-CL" dirty="0"/>
+          </a:p>
+        </p:txBody>
+      </p:sp>
+      <p:sp>
+        <p:nvSpPr>
+          <p:cNvPr id="4" name="Marcador de número de diapositiva 3"/>
+          <p:cNvSpPr>
+            <a:spLocks noGrp="1"/>
+          </p:cNvSpPr>
+          <p:nvPr>
+            <p:ph type="sldNum" sz="quarter" idx="5"/>
+          </p:nvPr>
+        </p:nvSpPr>
+        <p:spPr/>
+        <p:txBody>
+          <a:bodyPr/>
+          <a:lstStyle/>
+          <a:p>
+            <a:fld id="{DA45F3FA-EA5A-4156-BD39-F1545C44315F}" type="slidenum">
+              <a:rPr lang="es-CL" smtClean="0"/>
+              <a:t>3</a:t>
+            </a:fld>
+            <a:endParaRPr lang="es-CL"/>
+          </a:p>
+        </p:txBody>
+      </p:sp>
+    </p:spTree>
+    <p:extLst>
+      <p:ext uri="{BB962C8B-B14F-4D97-AF65-F5344CB8AC3E}">
+        <p14:creationId xmlns:p14="http://schemas.microsoft.com/office/powerpoint/2010/main" val="3094001177"/>
+      </p:ext>
+    </p:extLst>
+  </p:cSld>
+  <p:clrMapOvr>
+    <a:masterClrMapping/>
+  </p:clrMapOvr>
+</p:notes>
+</file>
+
+<file path=ppt/notesSlides/notesSlide4.xml><?xml version="1.0" encoding="utf-8"?>
+<p:notes xmlns:a="http://schemas.openxmlformats.org/drawingml/2006/main" xmlns:r="http://schemas.openxmlformats.org/officeDocument/2006/relationships" xmlns:p="http://schemas.openxmlformats.org/presentationml/2006/main">
+  <p:cSld>
+    <p:spTree>
+      <p:nvGrpSpPr>
+        <p:cNvPr id="1" name=""/>
+        <p:cNvGrpSpPr/>
+        <p:nvPr/>
+      </p:nvGrpSpPr>
+      <p:grpSpPr>
+        <a:xfrm>
+          <a:off x="0" y="0"/>
+          <a:ext cx="0" cy="0"/>
+          <a:chOff x="0" y="0"/>
+          <a:chExt cx="0" cy="0"/>
+        </a:xfrm>
+      </p:grpSpPr>
+      <p:sp>
+        <p:nvSpPr>
+          <p:cNvPr id="2" name="Marcador de imagen de diapositiva 1"/>
+          <p:cNvSpPr>
+            <a:spLocks noGrp="1" noRot="1" noChangeAspect="1"/>
+          </p:cNvSpPr>
+          <p:nvPr>
+            <p:ph type="sldImg"/>
+          </p:nvPr>
+        </p:nvSpPr>
+        <p:spPr>
+          <a:xfrm>
+            <a:off x="1371600" y="1143000"/>
+            <a:ext cx="4114800" cy="3086100"/>
+          </a:xfrm>
+        </p:spPr>
+      </p:sp>
+      <p:sp>
+        <p:nvSpPr>
+          <p:cNvPr id="3" name="Marcador de notas 2"/>
+          <p:cNvSpPr>
+            <a:spLocks noGrp="1"/>
+          </p:cNvSpPr>
+          <p:nvPr>
+            <p:ph type="body" idx="1"/>
+          </p:nvPr>
+        </p:nvSpPr>
+        <p:spPr/>
+        <p:txBody>
+          <a:bodyPr/>
+          <a:lstStyle/>
+          <a:p>
+            <a:endParaRPr lang="es-CL" dirty="0"/>
+          </a:p>
+        </p:txBody>
+      </p:sp>
+      <p:sp>
+        <p:nvSpPr>
+          <p:cNvPr id="4" name="Marcador de número de diapositiva 3"/>
+          <p:cNvSpPr>
+            <a:spLocks noGrp="1"/>
+          </p:cNvSpPr>
+          <p:nvPr>
+            <p:ph type="sldNum" sz="quarter" idx="5"/>
+          </p:nvPr>
+        </p:nvSpPr>
+        <p:spPr/>
+        <p:txBody>
+          <a:bodyPr/>
+          <a:lstStyle/>
+          <a:p>
+            <a:fld id="{DA45F3FA-EA5A-4156-BD39-F1545C44315F}" type="slidenum">
+              <a:rPr lang="es-CL" smtClean="0"/>
+              <a:t>4</a:t>
+            </a:fld>
+            <a:endParaRPr lang="es-CL"/>
+          </a:p>
+        </p:txBody>
+      </p:sp>
+    </p:spTree>
+    <p:extLst>
+      <p:ext uri="{BB962C8B-B14F-4D97-AF65-F5344CB8AC3E}">
+        <p14:creationId xmlns:p14="http://schemas.microsoft.com/office/powerpoint/2010/main" val="314470462"/>
+      </p:ext>
+    </p:extLst>
+  </p:cSld>
+  <p:clrMapOvr>
+    <a:masterClrMapping/>
+  </p:clrMapOvr>
+</p:notes>
+</file>
+
+<file path=ppt/notesSlides/notesSlide5.xml><?xml version="1.0" encoding="utf-8"?>
+<p:notes xmlns:a="http://schemas.openxmlformats.org/drawingml/2006/main" xmlns:r="http://schemas.openxmlformats.org/officeDocument/2006/relationships" xmlns:p="http://schemas.openxmlformats.org/presentationml/2006/main">
+  <p:cSld>
+    <p:spTree>
+      <p:nvGrpSpPr>
+        <p:cNvPr id="1" name=""/>
+        <p:cNvGrpSpPr/>
+        <p:nvPr/>
+      </p:nvGrpSpPr>
+      <p:grpSpPr>
+        <a:xfrm>
+          <a:off x="0" y="0"/>
+          <a:ext cx="0" cy="0"/>
+          <a:chOff x="0" y="0"/>
+          <a:chExt cx="0" cy="0"/>
+        </a:xfrm>
+      </p:grpSpPr>
+      <p:sp>
+        <p:nvSpPr>
+          <p:cNvPr id="2" name="Marcador de imagen de diapositiva 1"/>
+          <p:cNvSpPr>
+            <a:spLocks noGrp="1" noRot="1" noChangeAspect="1"/>
+          </p:cNvSpPr>
+          <p:nvPr>
+            <p:ph type="sldImg"/>
+          </p:nvPr>
+        </p:nvSpPr>
+        <p:spPr>
+          <a:xfrm>
+            <a:off x="1371600" y="1143000"/>
+            <a:ext cx="4114800" cy="3086100"/>
+          </a:xfrm>
+        </p:spPr>
+      </p:sp>
+      <p:sp>
+        <p:nvSpPr>
+          <p:cNvPr id="3" name="Marcador de notas 2"/>
+          <p:cNvSpPr>
+            <a:spLocks noGrp="1"/>
+          </p:cNvSpPr>
+          <p:nvPr>
+            <p:ph type="body" idx="1"/>
+          </p:nvPr>
+        </p:nvSpPr>
+        <p:spPr/>
+        <p:txBody>
+          <a:bodyPr/>
+          <a:lstStyle/>
+          <a:p>
+            <a:endParaRPr lang="es-CL" dirty="0"/>
+          </a:p>
+        </p:txBody>
+      </p:sp>
+      <p:sp>
+        <p:nvSpPr>
+          <p:cNvPr id="4" name="Marcador de número de diapositiva 3"/>
+          <p:cNvSpPr>
+            <a:spLocks noGrp="1"/>
+          </p:cNvSpPr>
+          <p:nvPr>
+            <p:ph type="sldNum" sz="quarter" idx="5"/>
+          </p:nvPr>
+        </p:nvSpPr>
+        <p:spPr/>
+        <p:txBody>
+          <a:bodyPr/>
+          <a:lstStyle/>
+          <a:p>
+            <a:fld id="{DA45F3FA-EA5A-4156-BD39-F1545C44315F}" type="slidenum">
+              <a:rPr lang="es-CL" smtClean="0"/>
+              <a:t>5</a:t>
+            </a:fld>
+            <a:endParaRPr lang="es-CL"/>
+          </a:p>
+        </p:txBody>
+      </p:sp>
+    </p:spTree>
+    <p:extLst>
+      <p:ext uri="{BB962C8B-B14F-4D97-AF65-F5344CB8AC3E}">
+        <p14:creationId xmlns:p14="http://schemas.microsoft.com/office/powerpoint/2010/main" val="3773418968"/>
+      </p:ext>
+    </p:extLst>
+  </p:cSld>
+  <p:clrMapOvr>
+    <a:masterClrMapping/>
+  </p:clrMapOvr>
+</p:notes>
+</file>
+
+<file path=ppt/notesSlides/notesSlide6.xml><?xml version="1.0" encoding="utf-8"?>
+<p:notes xmlns:a="http://schemas.openxmlformats.org/drawingml/2006/main" xmlns:r="http://schemas.openxmlformats.org/officeDocument/2006/relationships" xmlns:p="http://schemas.openxmlformats.org/presentationml/2006/main">
+  <p:cSld>
+    <p:spTree>
+      <p:nvGrpSpPr>
+        <p:cNvPr id="1" name=""/>
+        <p:cNvGrpSpPr/>
+        <p:nvPr/>
+      </p:nvGrpSpPr>
+      <p:grpSpPr>
+        <a:xfrm>
+          <a:off x="0" y="0"/>
+          <a:ext cx="0" cy="0"/>
+          <a:chOff x="0" y="0"/>
+          <a:chExt cx="0" cy="0"/>
+        </a:xfrm>
+      </p:grpSpPr>
+      <p:sp>
+        <p:nvSpPr>
+          <p:cNvPr id="2" name="Marcador de imagen de diapositiva 1"/>
+          <p:cNvSpPr>
+            <a:spLocks noGrp="1" noRot="1" noChangeAspect="1"/>
+          </p:cNvSpPr>
+          <p:nvPr>
+            <p:ph type="sldImg"/>
+          </p:nvPr>
+        </p:nvSpPr>
+        <p:spPr>
+          <a:xfrm>
+            <a:off x="1371600" y="1143000"/>
+            <a:ext cx="4114800" cy="3086100"/>
+          </a:xfrm>
+        </p:spPr>
+      </p:sp>
+      <p:sp>
+        <p:nvSpPr>
+          <p:cNvPr id="3" name="Marcador de notas 2"/>
+          <p:cNvSpPr>
+            <a:spLocks noGrp="1"/>
+          </p:cNvSpPr>
+          <p:nvPr>
+            <p:ph type="body" idx="1"/>
+          </p:nvPr>
+        </p:nvSpPr>
+        <p:spPr/>
+        <p:txBody>
+          <a:bodyPr/>
+          <a:lstStyle/>
+          <a:p>
+            <a:endParaRPr lang="es-CL" dirty="0"/>
+          </a:p>
+        </p:txBody>
+      </p:sp>
+      <p:sp>
+        <p:nvSpPr>
+          <p:cNvPr id="4" name="Marcador de número de diapositiva 3"/>
+          <p:cNvSpPr>
+            <a:spLocks noGrp="1"/>
+          </p:cNvSpPr>
+          <p:nvPr>
+            <p:ph type="sldNum" sz="quarter" idx="5"/>
+          </p:nvPr>
+        </p:nvSpPr>
+        <p:spPr/>
+        <p:txBody>
+          <a:bodyPr/>
+          <a:lstStyle/>
+          <a:p>
+            <a:fld id="{DA45F3FA-EA5A-4156-BD39-F1545C44315F}" type="slidenum">
+              <a:rPr lang="es-CL" smtClean="0"/>
+              <a:t>6</a:t>
+            </a:fld>
+            <a:endParaRPr lang="es-CL"/>
+          </a:p>
+        </p:txBody>
+      </p:sp>
+    </p:spTree>
+    <p:extLst>
+      <p:ext uri="{BB962C8B-B14F-4D97-AF65-F5344CB8AC3E}">
+        <p14:creationId xmlns:p14="http://schemas.microsoft.com/office/powerpoint/2010/main" val="1450572652"/>
       </p:ext>
     </p:extLst>
   </p:cSld>
@@ -1094,7 +2621,7 @@
           <a:p>
             <a:fld id="{C764DE79-268F-4C1A-8933-263129D2AF90}" type="datetimeFigureOut">
               <a:rPr lang="en-US" smtClean="0"/>
-              <a:t>3/3/2024</a:t>
+              <a:t>4/19/2024</a:t>
             </a:fld>
             <a:endParaRPr lang="en-US" dirty="0"/>
           </a:p>
@@ -1264,7 +2791,7 @@
           <a:p>
             <a:fld id="{C764DE79-268F-4C1A-8933-263129D2AF90}" type="datetimeFigureOut">
               <a:rPr lang="en-US" smtClean="0"/>
-              <a:t>3/3/2024</a:t>
+              <a:t>4/19/2024</a:t>
             </a:fld>
             <a:endParaRPr lang="en-US" dirty="0"/>
           </a:p>
@@ -1444,7 +2971,7 @@
           <a:p>
             <a:fld id="{C764DE79-268F-4C1A-8933-263129D2AF90}" type="datetimeFigureOut">
               <a:rPr lang="en-US" smtClean="0"/>
-              <a:t>3/3/2024</a:t>
+              <a:t>4/19/2024</a:t>
             </a:fld>
             <a:endParaRPr lang="en-US" dirty="0"/>
           </a:p>
@@ -1614,7 +3141,7 @@
           <a:p>
             <a:fld id="{C764DE79-268F-4C1A-8933-263129D2AF90}" type="datetimeFigureOut">
               <a:rPr lang="en-US" smtClean="0"/>
-              <a:t>3/3/2024</a:t>
+              <a:t>4/19/2024</a:t>
             </a:fld>
             <a:endParaRPr lang="en-US" dirty="0"/>
           </a:p>
@@ -1858,7 +3385,7 @@
           <a:p>
             <a:fld id="{C764DE79-268F-4C1A-8933-263129D2AF90}" type="datetimeFigureOut">
               <a:rPr lang="en-US" smtClean="0"/>
-              <a:t>3/3/2024</a:t>
+              <a:t>4/19/2024</a:t>
             </a:fld>
             <a:endParaRPr lang="en-US" dirty="0"/>
           </a:p>
@@ -2090,7 +3617,7 @@
           <a:p>
             <a:fld id="{C764DE79-268F-4C1A-8933-263129D2AF90}" type="datetimeFigureOut">
               <a:rPr lang="en-US" smtClean="0"/>
-              <a:t>3/3/2024</a:t>
+              <a:t>4/19/2024</a:t>
             </a:fld>
             <a:endParaRPr lang="en-US" dirty="0"/>
           </a:p>
@@ -2457,7 +3984,7 @@
           <a:p>
             <a:fld id="{C764DE79-268F-4C1A-8933-263129D2AF90}" type="datetimeFigureOut">
               <a:rPr lang="en-US" smtClean="0"/>
-              <a:t>3/3/2024</a:t>
+              <a:t>4/19/2024</a:t>
             </a:fld>
             <a:endParaRPr lang="en-US" dirty="0"/>
           </a:p>
@@ -2575,7 +4102,7 @@
           <a:p>
             <a:fld id="{C764DE79-268F-4C1A-8933-263129D2AF90}" type="datetimeFigureOut">
               <a:rPr lang="en-US" smtClean="0"/>
-              <a:t>3/3/2024</a:t>
+              <a:t>4/19/2024</a:t>
             </a:fld>
             <a:endParaRPr lang="en-US" dirty="0"/>
           </a:p>
@@ -2670,7 +4197,7 @@
           <a:p>
             <a:fld id="{C764DE79-268F-4C1A-8933-263129D2AF90}" type="datetimeFigureOut">
               <a:rPr lang="en-US" smtClean="0"/>
-              <a:t>3/3/2024</a:t>
+              <a:t>4/19/2024</a:t>
             </a:fld>
             <a:endParaRPr lang="en-US" dirty="0"/>
           </a:p>
@@ -2947,7 +4474,7 @@
           <a:p>
             <a:fld id="{C764DE79-268F-4C1A-8933-263129D2AF90}" type="datetimeFigureOut">
               <a:rPr lang="en-US" smtClean="0"/>
-              <a:t>3/3/2024</a:t>
+              <a:t>4/19/2024</a:t>
             </a:fld>
             <a:endParaRPr lang="en-US" dirty="0"/>
           </a:p>
@@ -3204,7 +4731,7 @@
           <a:p>
             <a:fld id="{C764DE79-268F-4C1A-8933-263129D2AF90}" type="datetimeFigureOut">
               <a:rPr lang="en-US" smtClean="0"/>
-              <a:t>3/3/2024</a:t>
+              <a:t>4/19/2024</a:t>
             </a:fld>
             <a:endParaRPr lang="en-US" dirty="0"/>
           </a:p>
@@ -3417,7 +4944,7 @@
           <a:p>
             <a:fld id="{C764DE79-268F-4C1A-8933-263129D2AF90}" type="datetimeFigureOut">
               <a:rPr lang="en-US" smtClean="0"/>
-              <a:t>3/3/2024</a:t>
+              <a:t>4/19/2024</a:t>
             </a:fld>
             <a:endParaRPr lang="en-US" dirty="0"/>
           </a:p>
@@ -3836,9 +5363,9 @@
         </p:nvGrpSpPr>
         <p:grpSpPr>
           <a:xfrm>
-            <a:off x="1433940" y="329809"/>
+            <a:off x="1447225" y="329809"/>
             <a:ext cx="4572879" cy="4741056"/>
-            <a:chOff x="5347847" y="1635859"/>
+            <a:chOff x="5353585" y="1635859"/>
             <a:chExt cx="1975104" cy="2047742"/>
           </a:xfrm>
         </p:grpSpPr>
@@ -3856,7 +5383,7 @@
           </p:nvSpPr>
           <p:spPr>
             <a:xfrm>
-              <a:off x="5347847" y="1635859"/>
+              <a:off x="5353585" y="1635859"/>
               <a:ext cx="1975104" cy="2047742"/>
             </a:xfrm>
             <a:prstGeom prst="rect">
@@ -4165,17 +5692,14 @@
           </p:nvSpPr>
           <p:spPr>
             <a:xfrm>
-              <a:off x="6606751" y="2174232"/>
+              <a:off x="6722167" y="2137022"/>
               <a:ext cx="186588" cy="186588"/>
             </a:xfrm>
             <a:prstGeom prst="ellipse">
               <a:avLst/>
             </a:prstGeom>
             <a:solidFill>
-              <a:schemeClr val="accent2">
-                <a:lumMod val="60000"/>
-                <a:lumOff val="40000"/>
-              </a:schemeClr>
+              <a:schemeClr val="bg1"/>
             </a:solidFill>
             <a:ln w="19050">
               <a:solidFill>
@@ -4295,7 +5819,7 @@
           </p:nvSpPr>
           <p:spPr>
             <a:xfrm>
-              <a:off x="6880566" y="2612554"/>
+              <a:off x="6879920" y="2488497"/>
               <a:ext cx="186588" cy="186588"/>
             </a:xfrm>
             <a:prstGeom prst="ellipse">
@@ -4419,7 +5943,7 @@
           </p:nvSpPr>
           <p:spPr>
             <a:xfrm>
-              <a:off x="6579752" y="1701906"/>
+              <a:off x="6484589" y="1729742"/>
               <a:ext cx="186588" cy="186588"/>
             </a:xfrm>
             <a:prstGeom prst="ellipse">
@@ -4638,15 +6162,15 @@
             </p:cNvPr>
             <p:cNvCxnSpPr>
               <a:cxnSpLocks/>
-              <a:stCxn id="10" idx="0"/>
-              <a:endCxn id="14" idx="4"/>
+              <a:stCxn id="14" idx="5"/>
+              <a:endCxn id="10" idx="0"/>
             </p:cNvCxnSpPr>
             <p:nvPr/>
           </p:nvCxnSpPr>
           <p:spPr>
-            <a:xfrm flipH="1" flipV="1">
-              <a:off x="6673046" y="1888494"/>
-              <a:ext cx="26999" cy="285738"/>
+            <a:xfrm>
+              <a:off x="6643852" y="1889005"/>
+              <a:ext cx="171609" cy="248017"/>
             </a:xfrm>
             <a:prstGeom prst="straightConnector1">
               <a:avLst/>
@@ -4681,15 +6205,15 @@
             </p:cNvPr>
             <p:cNvCxnSpPr>
               <a:cxnSpLocks/>
-              <a:stCxn id="12" idx="3"/>
-              <a:endCxn id="15" idx="7"/>
+              <a:stCxn id="11" idx="5"/>
+              <a:endCxn id="15" idx="0"/>
             </p:cNvCxnSpPr>
             <p:nvPr/>
           </p:nvCxnSpPr>
           <p:spPr>
-            <a:xfrm flipH="1">
-              <a:off x="6503685" y="2771817"/>
-              <a:ext cx="404206" cy="492834"/>
+            <a:xfrm>
+              <a:off x="6285209" y="3002763"/>
+              <a:ext cx="152507" cy="234563"/>
             </a:xfrm>
             <a:prstGeom prst="straightConnector1">
               <a:avLst/>
@@ -4783,6 +6307,52 @@
               <a:avLst/>
             </a:prstGeom>
             <a:ln>
+              <a:tailEnd type="triangle"/>
+            </a:ln>
+          </p:spPr>
+          <p:style>
+            <a:lnRef idx="1">
+              <a:schemeClr val="dk1"/>
+            </a:lnRef>
+            <a:fillRef idx="0">
+              <a:schemeClr val="dk1"/>
+            </a:fillRef>
+            <a:effectRef idx="0">
+              <a:schemeClr val="dk1"/>
+            </a:effectRef>
+            <a:fontRef idx="minor">
+              <a:schemeClr val="tx1"/>
+            </a:fontRef>
+          </p:style>
+        </p:cxnSp>
+        <p:cxnSp>
+          <p:nvCxnSpPr>
+            <p:cNvPr id="23" name="Conector recto de flecha 22">
+              <a:extLst>
+                <a:ext uri="{FF2B5EF4-FFF2-40B4-BE49-F238E27FC236}">
+                  <a16:creationId xmlns:a16="http://schemas.microsoft.com/office/drawing/2014/main" id="{83817215-09AD-0B4B-AC5D-322244C8DCE5}"/>
+                </a:ext>
+              </a:extLst>
+            </p:cNvPr>
+            <p:cNvCxnSpPr>
+              <a:cxnSpLocks/>
+              <a:endCxn id="14" idx="2"/>
+            </p:cNvCxnSpPr>
+            <p:nvPr/>
+          </p:nvCxnSpPr>
+          <p:spPr>
+            <a:xfrm flipV="1">
+              <a:off x="6219240" y="1823036"/>
+              <a:ext cx="265349" cy="24177"/>
+            </a:xfrm>
+            <a:prstGeom prst="straightConnector1">
+              <a:avLst/>
+            </a:prstGeom>
+            <a:ln>
+              <a:solidFill>
+                <a:schemeClr val="tx1"/>
+              </a:solidFill>
+              <a:prstDash val="solid"/>
               <a:tailEnd type="triangle"/>
             </a:ln>
           </p:spPr>
@@ -4846,53 +6416,6 @@
         </p:cxnSp>
         <p:cxnSp>
           <p:nvCxnSpPr>
-            <p:cNvPr id="23" name="Conector recto de flecha 22">
-              <a:extLst>
-                <a:ext uri="{FF2B5EF4-FFF2-40B4-BE49-F238E27FC236}">
-                  <a16:creationId xmlns:a16="http://schemas.microsoft.com/office/drawing/2014/main" id="{83817215-09AD-0B4B-AC5D-322244C8DCE5}"/>
-                </a:ext>
-              </a:extLst>
-            </p:cNvPr>
-            <p:cNvCxnSpPr>
-              <a:cxnSpLocks/>
-              <a:stCxn id="6" idx="6"/>
-              <a:endCxn id="10" idx="2"/>
-            </p:cNvCxnSpPr>
-            <p:nvPr/>
-          </p:nvCxnSpPr>
-          <p:spPr>
-            <a:xfrm flipV="1">
-              <a:off x="6285187" y="2267526"/>
-              <a:ext cx="321564" cy="207376"/>
-            </a:xfrm>
-            <a:prstGeom prst="straightConnector1">
-              <a:avLst/>
-            </a:prstGeom>
-            <a:ln>
-              <a:solidFill>
-                <a:schemeClr val="tx1"/>
-              </a:solidFill>
-              <a:prstDash val="solid"/>
-              <a:tailEnd type="triangle"/>
-            </a:ln>
-          </p:spPr>
-          <p:style>
-            <a:lnRef idx="1">
-              <a:schemeClr val="dk1"/>
-            </a:lnRef>
-            <a:fillRef idx="0">
-              <a:schemeClr val="dk1"/>
-            </a:fillRef>
-            <a:effectRef idx="0">
-              <a:schemeClr val="dk1"/>
-            </a:effectRef>
-            <a:fontRef idx="minor">
-              <a:schemeClr val="tx1"/>
-            </a:fontRef>
-          </p:style>
-        </p:cxnSp>
-        <p:cxnSp>
-          <p:nvCxnSpPr>
             <p:cNvPr id="24" name="Conector recto de flecha 23">
               <a:extLst>
                 <a:ext uri="{FF2B5EF4-FFF2-40B4-BE49-F238E27FC236}">
@@ -4909,8 +6432,8 @@
           </p:nvCxnSpPr>
           <p:spPr>
             <a:xfrm>
-              <a:off x="6766014" y="2333495"/>
-              <a:ext cx="207846" cy="279059"/>
+              <a:off x="6881430" y="2296285"/>
+              <a:ext cx="91785" cy="192212"/>
             </a:xfrm>
             <a:prstGeom prst="straightConnector1">
               <a:avLst/>
@@ -5124,7 +6647,7 @@
         </p:nvSpPr>
         <p:spPr>
           <a:xfrm flipH="1">
-            <a:off x="3930772" y="514355"/>
+            <a:off x="4098849" y="1010106"/>
             <a:ext cx="431999" cy="307777"/>
           </a:xfrm>
           <a:prstGeom prst="rect">
@@ -5140,7 +6663,7 @@
           <a:p>
             <a:r>
               <a:rPr lang="es-CL" sz="1400" dirty="0"/>
-              <a:t>(5)</a:t>
+              <a:t>(1)</a:t>
             </a:r>
           </a:p>
         </p:txBody>
@@ -5159,7 +6682,7 @@
         </p:nvSpPr>
         <p:spPr>
           <a:xfrm>
-            <a:off x="4063837" y="1400573"/>
+            <a:off x="4309547" y="1369306"/>
             <a:ext cx="431284" cy="307777"/>
           </a:xfrm>
           <a:prstGeom prst="rect">
@@ -5175,7 +6698,7 @@
           <a:p>
             <a:r>
               <a:rPr lang="es-CL" sz="1400" dirty="0"/>
-              <a:t>(5)</a:t>
+              <a:t>(1)</a:t>
             </a:r>
           </a:p>
         </p:txBody>
@@ -5194,7 +6717,7 @@
         </p:nvSpPr>
         <p:spPr>
           <a:xfrm>
-            <a:off x="5390693" y="2653226"/>
+            <a:off x="5409926" y="2334523"/>
             <a:ext cx="431284" cy="307777"/>
           </a:xfrm>
           <a:prstGeom prst="rect">
@@ -5210,7 +6733,7 @@
           <a:p>
             <a:r>
               <a:rPr lang="es-CL" sz="1400" dirty="0"/>
-              <a:t>(5)</a:t>
+              <a:t>(1)</a:t>
             </a:r>
           </a:p>
         </p:txBody>
@@ -5245,6 +6768,2987 @@
           <a:p>
             <a:r>
               <a:rPr lang="es-CL" sz="1400" dirty="0"/>
+              <a:t>(4)</a:t>
+            </a:r>
+          </a:p>
+        </p:txBody>
+      </p:sp>
+      <p:sp>
+        <p:nvSpPr>
+          <p:cNvPr id="41" name="Elipse 40">
+            <a:extLst>
+              <a:ext uri="{FF2B5EF4-FFF2-40B4-BE49-F238E27FC236}">
+                <a16:creationId xmlns:a16="http://schemas.microsoft.com/office/drawing/2014/main" id="{9C238ED8-FE98-9600-668C-F1975A2CADBD}"/>
+              </a:ext>
+            </a:extLst>
+          </p:cNvPr>
+          <p:cNvSpPr/>
+          <p:nvPr/>
+        </p:nvSpPr>
+        <p:spPr>
+          <a:xfrm>
+            <a:off x="3172126" y="656088"/>
+            <a:ext cx="432000" cy="432000"/>
+          </a:xfrm>
+          <a:prstGeom prst="ellipse">
+            <a:avLst/>
+          </a:prstGeom>
+          <a:solidFill>
+            <a:schemeClr val="accent2">
+              <a:lumMod val="60000"/>
+              <a:lumOff val="40000"/>
+            </a:schemeClr>
+          </a:solidFill>
+          <a:ln w="19050">
+            <a:solidFill>
+              <a:srgbClr val="6B0F16"/>
+            </a:solidFill>
+          </a:ln>
+        </p:spPr>
+        <p:style>
+          <a:lnRef idx="2">
+            <a:schemeClr val="accent1">
+              <a:shade val="15000"/>
+            </a:schemeClr>
+          </a:lnRef>
+          <a:fillRef idx="1">
+            <a:schemeClr val="accent1"/>
+          </a:fillRef>
+          <a:effectRef idx="0">
+            <a:schemeClr val="accent1"/>
+          </a:effectRef>
+          <a:fontRef idx="minor">
+            <a:schemeClr val="lt1"/>
+          </a:fontRef>
+        </p:style>
+        <p:txBody>
+          <a:bodyPr rtlCol="0" anchor="ctr"/>
+          <a:lstStyle/>
+          <a:p>
+            <a:pPr algn="ctr"/>
+            <a:r>
+              <a:rPr lang="en-US" dirty="0">
+                <a:solidFill>
+                  <a:srgbClr val="404040"/>
+                </a:solidFill>
+                <a:cs typeface="Helvetica" panose="020B0604020202020204" pitchFamily="34" charset="0"/>
+              </a:rPr>
+              <a:t>1</a:t>
+            </a:r>
+          </a:p>
+        </p:txBody>
+      </p:sp>
+    </p:spTree>
+    <p:extLst>
+      <p:ext uri="{BB962C8B-B14F-4D97-AF65-F5344CB8AC3E}">
+        <p14:creationId xmlns:p14="http://schemas.microsoft.com/office/powerpoint/2010/main" val="3629493312"/>
+      </p:ext>
+    </p:extLst>
+  </p:cSld>
+  <p:clrMapOvr>
+    <a:masterClrMapping/>
+  </p:clrMapOvr>
+</p:sld>
+</file>
+
+<file path=ppt/slides/slide2.xml><?xml version="1.0" encoding="utf-8"?>
+<p:sld xmlns:a="http://schemas.openxmlformats.org/drawingml/2006/main" xmlns:r="http://schemas.openxmlformats.org/officeDocument/2006/relationships" xmlns:p="http://schemas.openxmlformats.org/presentationml/2006/main">
+  <p:cSld>
+    <p:spTree>
+      <p:nvGrpSpPr>
+        <p:cNvPr id="1" name=""/>
+        <p:cNvGrpSpPr/>
+        <p:nvPr/>
+      </p:nvGrpSpPr>
+      <p:grpSpPr>
+        <a:xfrm>
+          <a:off x="0" y="0"/>
+          <a:ext cx="0" cy="0"/>
+          <a:chOff x="0" y="0"/>
+          <a:chExt cx="0" cy="0"/>
+        </a:xfrm>
+      </p:grpSpPr>
+      <p:grpSp>
+        <p:nvGrpSpPr>
+          <p:cNvPr id="4" name="Grupo 3">
+            <a:extLst>
+              <a:ext uri="{FF2B5EF4-FFF2-40B4-BE49-F238E27FC236}">
+                <a16:creationId xmlns:a16="http://schemas.microsoft.com/office/drawing/2014/main" id="{BFCB1528-D931-C555-EF26-B8140B34043C}"/>
+              </a:ext>
+            </a:extLst>
+          </p:cNvPr>
+          <p:cNvGrpSpPr/>
+          <p:nvPr/>
+        </p:nvGrpSpPr>
+        <p:grpSpPr>
+          <a:xfrm>
+            <a:off x="1447225" y="329809"/>
+            <a:ext cx="4572879" cy="4741056"/>
+            <a:chOff x="5353585" y="1635859"/>
+            <a:chExt cx="1975104" cy="2047742"/>
+          </a:xfrm>
+        </p:grpSpPr>
+        <p:sp>
+          <p:nvSpPr>
+            <p:cNvPr id="5" name="Rectángulo 4">
+              <a:extLst>
+                <a:ext uri="{FF2B5EF4-FFF2-40B4-BE49-F238E27FC236}">
+                  <a16:creationId xmlns:a16="http://schemas.microsoft.com/office/drawing/2014/main" id="{5BCCE7B2-7EA1-DA30-CAA3-912EBC78DEA7}"/>
+                </a:ext>
+              </a:extLst>
+            </p:cNvPr>
+            <p:cNvSpPr/>
+            <p:nvPr/>
+          </p:nvSpPr>
+          <p:spPr>
+            <a:xfrm>
+              <a:off x="5353585" y="1635859"/>
+              <a:ext cx="1975104" cy="2047742"/>
+            </a:xfrm>
+            <a:prstGeom prst="rect">
+              <a:avLst/>
+            </a:prstGeom>
+            <a:solidFill>
+              <a:schemeClr val="bg1">
+                <a:lumMod val="85000"/>
+              </a:schemeClr>
+            </a:solidFill>
+            <a:ln w="19050">
+              <a:solidFill>
+                <a:srgbClr val="992323"/>
+              </a:solidFill>
+            </a:ln>
+          </p:spPr>
+          <p:style>
+            <a:lnRef idx="2">
+              <a:schemeClr val="accent1">
+                <a:shade val="15000"/>
+              </a:schemeClr>
+            </a:lnRef>
+            <a:fillRef idx="1">
+              <a:schemeClr val="accent1"/>
+            </a:fillRef>
+            <a:effectRef idx="0">
+              <a:schemeClr val="accent1"/>
+            </a:effectRef>
+            <a:fontRef idx="minor">
+              <a:schemeClr val="lt1"/>
+            </a:fontRef>
+          </p:style>
+          <p:txBody>
+            <a:bodyPr rtlCol="0" anchor="ctr"/>
+            <a:lstStyle/>
+            <a:p>
+              <a:pPr algn="ctr"/>
+              <a:endParaRPr lang="en-US" dirty="0"/>
+            </a:p>
+          </p:txBody>
+        </p:sp>
+        <p:sp>
+          <p:nvSpPr>
+            <p:cNvPr id="6" name="Elipse 5">
+              <a:extLst>
+                <a:ext uri="{FF2B5EF4-FFF2-40B4-BE49-F238E27FC236}">
+                  <a16:creationId xmlns:a16="http://schemas.microsoft.com/office/drawing/2014/main" id="{D3E62485-7707-B8CC-64C0-6E691A3D8127}"/>
+                </a:ext>
+              </a:extLst>
+            </p:cNvPr>
+            <p:cNvSpPr/>
+            <p:nvPr/>
+          </p:nvSpPr>
+          <p:spPr>
+            <a:xfrm>
+              <a:off x="6098599" y="2381608"/>
+              <a:ext cx="186588" cy="186588"/>
+            </a:xfrm>
+            <a:prstGeom prst="ellipse">
+              <a:avLst/>
+            </a:prstGeom>
+            <a:solidFill>
+              <a:schemeClr val="accent2">
+                <a:lumMod val="75000"/>
+              </a:schemeClr>
+            </a:solidFill>
+            <a:ln w="19050">
+              <a:solidFill>
+                <a:srgbClr val="6B0F16"/>
+              </a:solidFill>
+            </a:ln>
+          </p:spPr>
+          <p:style>
+            <a:lnRef idx="2">
+              <a:schemeClr val="accent1">
+                <a:shade val="15000"/>
+              </a:schemeClr>
+            </a:lnRef>
+            <a:fillRef idx="1">
+              <a:schemeClr val="accent1"/>
+            </a:fillRef>
+            <a:effectRef idx="0">
+              <a:schemeClr val="accent1"/>
+            </a:effectRef>
+            <a:fontRef idx="minor">
+              <a:schemeClr val="lt1"/>
+            </a:fontRef>
+          </p:style>
+          <p:txBody>
+            <a:bodyPr rtlCol="0" anchor="ctr"/>
+            <a:lstStyle/>
+            <a:p>
+              <a:pPr algn="ctr"/>
+              <a:r>
+                <a:rPr lang="en-US" dirty="0">
+                  <a:solidFill>
+                    <a:srgbClr val="404040"/>
+                  </a:solidFill>
+                  <a:cs typeface="Helvetica" panose="020B0604020202020204" pitchFamily="34" charset="0"/>
+                </a:rPr>
+                <a:t>0</a:t>
+              </a:r>
+            </a:p>
+          </p:txBody>
+        </p:sp>
+        <p:sp>
+          <p:nvSpPr>
+            <p:cNvPr id="7" name="Elipse 6">
+              <a:extLst>
+                <a:ext uri="{FF2B5EF4-FFF2-40B4-BE49-F238E27FC236}">
+                  <a16:creationId xmlns:a16="http://schemas.microsoft.com/office/drawing/2014/main" id="{DFCC419E-6712-C460-A84A-8ECD35A9529F}"/>
+                </a:ext>
+              </a:extLst>
+            </p:cNvPr>
+            <p:cNvSpPr/>
+            <p:nvPr/>
+          </p:nvSpPr>
+          <p:spPr>
+            <a:xfrm>
+              <a:off x="5515623" y="2029792"/>
+              <a:ext cx="186588" cy="186588"/>
+            </a:xfrm>
+            <a:prstGeom prst="ellipse">
+              <a:avLst/>
+            </a:prstGeom>
+            <a:solidFill>
+              <a:schemeClr val="lt1"/>
+            </a:solidFill>
+            <a:ln w="19050">
+              <a:solidFill>
+                <a:srgbClr val="6B0F16"/>
+              </a:solidFill>
+            </a:ln>
+          </p:spPr>
+          <p:style>
+            <a:lnRef idx="2">
+              <a:schemeClr val="accent1">
+                <a:shade val="15000"/>
+              </a:schemeClr>
+            </a:lnRef>
+            <a:fillRef idx="1">
+              <a:schemeClr val="accent1"/>
+            </a:fillRef>
+            <a:effectRef idx="0">
+              <a:schemeClr val="accent1"/>
+            </a:effectRef>
+            <a:fontRef idx="minor">
+              <a:schemeClr val="lt1"/>
+            </a:fontRef>
+          </p:style>
+          <p:txBody>
+            <a:bodyPr rtlCol="0" anchor="ctr"/>
+            <a:lstStyle/>
+            <a:p>
+              <a:pPr algn="ctr"/>
+              <a:r>
+                <a:rPr lang="en-US" dirty="0">
+                  <a:solidFill>
+                    <a:srgbClr val="404040"/>
+                  </a:solidFill>
+                  <a:cs typeface="Helvetica" panose="020B0604020202020204" pitchFamily="34" charset="0"/>
+                </a:rPr>
+                <a:t>2</a:t>
+              </a:r>
+            </a:p>
+          </p:txBody>
+        </p:sp>
+        <p:sp>
+          <p:nvSpPr>
+            <p:cNvPr id="8" name="Elipse 7">
+              <a:extLst>
+                <a:ext uri="{FF2B5EF4-FFF2-40B4-BE49-F238E27FC236}">
+                  <a16:creationId xmlns:a16="http://schemas.microsoft.com/office/drawing/2014/main" id="{EA794B46-46A9-C044-C71F-FD8BBED50A23}"/>
+                </a:ext>
+              </a:extLst>
+            </p:cNvPr>
+            <p:cNvSpPr/>
+            <p:nvPr/>
+          </p:nvSpPr>
+          <p:spPr>
+            <a:xfrm>
+              <a:off x="5515623" y="2797794"/>
+              <a:ext cx="186588" cy="186588"/>
+            </a:xfrm>
+            <a:prstGeom prst="ellipse">
+              <a:avLst/>
+            </a:prstGeom>
+            <a:solidFill>
+              <a:schemeClr val="lt1"/>
+            </a:solidFill>
+            <a:ln w="19050">
+              <a:solidFill>
+                <a:srgbClr val="6B0F16"/>
+              </a:solidFill>
+            </a:ln>
+          </p:spPr>
+          <p:style>
+            <a:lnRef idx="2">
+              <a:schemeClr val="accent1">
+                <a:shade val="15000"/>
+              </a:schemeClr>
+            </a:lnRef>
+            <a:fillRef idx="1">
+              <a:schemeClr val="accent1"/>
+            </a:fillRef>
+            <a:effectRef idx="0">
+              <a:schemeClr val="accent1"/>
+            </a:effectRef>
+            <a:fontRef idx="minor">
+              <a:schemeClr val="lt1"/>
+            </a:fontRef>
+          </p:style>
+          <p:txBody>
+            <a:bodyPr rtlCol="0" anchor="ctr"/>
+            <a:lstStyle/>
+            <a:p>
+              <a:pPr algn="ctr"/>
+              <a:r>
+                <a:rPr lang="en-US" dirty="0">
+                  <a:solidFill>
+                    <a:srgbClr val="404040"/>
+                  </a:solidFill>
+                  <a:cs typeface="Helvetica" panose="020B0604020202020204" pitchFamily="34" charset="0"/>
+                </a:rPr>
+                <a:t>3</a:t>
+              </a:r>
+            </a:p>
+          </p:txBody>
+        </p:sp>
+        <p:sp>
+          <p:nvSpPr>
+            <p:cNvPr id="9" name="Elipse 8">
+              <a:extLst>
+                <a:ext uri="{FF2B5EF4-FFF2-40B4-BE49-F238E27FC236}">
+                  <a16:creationId xmlns:a16="http://schemas.microsoft.com/office/drawing/2014/main" id="{9EB369C9-D60F-A1D4-633C-0E44BE48E90B}"/>
+                </a:ext>
+              </a:extLst>
+            </p:cNvPr>
+            <p:cNvSpPr/>
+            <p:nvPr/>
+          </p:nvSpPr>
+          <p:spPr>
+            <a:xfrm>
+              <a:off x="6098599" y="1775716"/>
+              <a:ext cx="186588" cy="186588"/>
+            </a:xfrm>
+            <a:prstGeom prst="ellipse">
+              <a:avLst/>
+            </a:prstGeom>
+            <a:solidFill>
+              <a:schemeClr val="accent2">
+                <a:lumMod val="60000"/>
+                <a:lumOff val="40000"/>
+              </a:schemeClr>
+            </a:solidFill>
+            <a:ln w="19050">
+              <a:solidFill>
+                <a:srgbClr val="6B0F16"/>
+              </a:solidFill>
+            </a:ln>
+          </p:spPr>
+          <p:style>
+            <a:lnRef idx="2">
+              <a:schemeClr val="accent1">
+                <a:shade val="15000"/>
+              </a:schemeClr>
+            </a:lnRef>
+            <a:fillRef idx="1">
+              <a:schemeClr val="accent1"/>
+            </a:fillRef>
+            <a:effectRef idx="0">
+              <a:schemeClr val="accent1"/>
+            </a:effectRef>
+            <a:fontRef idx="minor">
+              <a:schemeClr val="lt1"/>
+            </a:fontRef>
+          </p:style>
+          <p:txBody>
+            <a:bodyPr rtlCol="0" anchor="ctr"/>
+            <a:lstStyle/>
+            <a:p>
+              <a:pPr algn="ctr"/>
+              <a:r>
+                <a:rPr lang="en-US" dirty="0">
+                  <a:solidFill>
+                    <a:srgbClr val="404040"/>
+                  </a:solidFill>
+                  <a:cs typeface="Helvetica" panose="020B0604020202020204" pitchFamily="34" charset="0"/>
+                </a:rPr>
+                <a:t>1</a:t>
+              </a:r>
+            </a:p>
+          </p:txBody>
+        </p:sp>
+        <p:sp>
+          <p:nvSpPr>
+            <p:cNvPr id="10" name="Elipse 9">
+              <a:extLst>
+                <a:ext uri="{FF2B5EF4-FFF2-40B4-BE49-F238E27FC236}">
+                  <a16:creationId xmlns:a16="http://schemas.microsoft.com/office/drawing/2014/main" id="{7FC5DFA4-3752-EEF3-D972-36D7FD02EDE8}"/>
+                </a:ext>
+              </a:extLst>
+            </p:cNvPr>
+            <p:cNvSpPr/>
+            <p:nvPr/>
+          </p:nvSpPr>
+          <p:spPr>
+            <a:xfrm>
+              <a:off x="6722167" y="2137022"/>
+              <a:ext cx="186588" cy="186588"/>
+            </a:xfrm>
+            <a:prstGeom prst="ellipse">
+              <a:avLst/>
+            </a:prstGeom>
+            <a:solidFill>
+              <a:schemeClr val="accent2">
+                <a:lumMod val="60000"/>
+                <a:lumOff val="40000"/>
+              </a:schemeClr>
+            </a:solidFill>
+            <a:ln w="19050">
+              <a:solidFill>
+                <a:srgbClr val="6B0F16"/>
+              </a:solidFill>
+            </a:ln>
+          </p:spPr>
+          <p:style>
+            <a:lnRef idx="2">
+              <a:schemeClr val="accent1">
+                <a:shade val="15000"/>
+              </a:schemeClr>
+            </a:lnRef>
+            <a:fillRef idx="1">
+              <a:schemeClr val="accent1"/>
+            </a:fillRef>
+            <a:effectRef idx="0">
+              <a:schemeClr val="accent1"/>
+            </a:effectRef>
+            <a:fontRef idx="minor">
+              <a:schemeClr val="lt1"/>
+            </a:fontRef>
+          </p:style>
+          <p:txBody>
+            <a:bodyPr rtlCol="0" anchor="ctr"/>
+            <a:lstStyle/>
+            <a:p>
+              <a:pPr algn="ctr"/>
+              <a:r>
+                <a:rPr lang="en-US" dirty="0">
+                  <a:solidFill>
+                    <a:srgbClr val="404040"/>
+                  </a:solidFill>
+                  <a:cs typeface="Helvetica" panose="020B0604020202020204" pitchFamily="34" charset="0"/>
+                </a:rPr>
+                <a:t>5</a:t>
+              </a:r>
+            </a:p>
+          </p:txBody>
+        </p:sp>
+        <p:sp>
+          <p:nvSpPr>
+            <p:cNvPr id="11" name="Elipse 10">
+              <a:extLst>
+                <a:ext uri="{FF2B5EF4-FFF2-40B4-BE49-F238E27FC236}">
+                  <a16:creationId xmlns:a16="http://schemas.microsoft.com/office/drawing/2014/main" id="{36BEA484-5230-9CFE-D537-A75A2055F297}"/>
+                </a:ext>
+              </a:extLst>
+            </p:cNvPr>
+            <p:cNvSpPr/>
+            <p:nvPr/>
+          </p:nvSpPr>
+          <p:spPr>
+            <a:xfrm>
+              <a:off x="6125946" y="2843500"/>
+              <a:ext cx="186588" cy="186588"/>
+            </a:xfrm>
+            <a:prstGeom prst="ellipse">
+              <a:avLst/>
+            </a:prstGeom>
+            <a:solidFill>
+              <a:schemeClr val="accent2">
+                <a:lumMod val="60000"/>
+                <a:lumOff val="40000"/>
+              </a:schemeClr>
+            </a:solidFill>
+            <a:ln w="19050">
+              <a:solidFill>
+                <a:srgbClr val="6B0F16"/>
+              </a:solidFill>
+            </a:ln>
+          </p:spPr>
+          <p:style>
+            <a:lnRef idx="2">
+              <a:schemeClr val="accent1">
+                <a:shade val="15000"/>
+              </a:schemeClr>
+            </a:lnRef>
+            <a:fillRef idx="1">
+              <a:schemeClr val="accent1"/>
+            </a:fillRef>
+            <a:effectRef idx="0">
+              <a:schemeClr val="accent1"/>
+            </a:effectRef>
+            <a:fontRef idx="minor">
+              <a:schemeClr val="lt1"/>
+            </a:fontRef>
+          </p:style>
+          <p:txBody>
+            <a:bodyPr rtlCol="0" anchor="ctr"/>
+            <a:lstStyle/>
+            <a:p>
+              <a:pPr algn="ctr"/>
+              <a:r>
+                <a:rPr lang="en-US" dirty="0">
+                  <a:solidFill>
+                    <a:srgbClr val="404040"/>
+                  </a:solidFill>
+                  <a:cs typeface="Helvetica" panose="020B0604020202020204" pitchFamily="34" charset="0"/>
+                </a:rPr>
+                <a:t>4</a:t>
+              </a:r>
+            </a:p>
+          </p:txBody>
+        </p:sp>
+        <p:sp>
+          <p:nvSpPr>
+            <p:cNvPr id="12" name="Elipse 11">
+              <a:extLst>
+                <a:ext uri="{FF2B5EF4-FFF2-40B4-BE49-F238E27FC236}">
+                  <a16:creationId xmlns:a16="http://schemas.microsoft.com/office/drawing/2014/main" id="{EDF392AC-9DB4-FEAD-8375-F2434F538CB7}"/>
+                </a:ext>
+              </a:extLst>
+            </p:cNvPr>
+            <p:cNvSpPr/>
+            <p:nvPr/>
+          </p:nvSpPr>
+          <p:spPr>
+            <a:xfrm>
+              <a:off x="6879920" y="2488497"/>
+              <a:ext cx="186588" cy="186588"/>
+            </a:xfrm>
+            <a:prstGeom prst="ellipse">
+              <a:avLst/>
+            </a:prstGeom>
+            <a:solidFill>
+              <a:schemeClr val="lt1"/>
+            </a:solidFill>
+            <a:ln w="19050">
+              <a:solidFill>
+                <a:srgbClr val="6B0F16"/>
+              </a:solidFill>
+            </a:ln>
+          </p:spPr>
+          <p:style>
+            <a:lnRef idx="2">
+              <a:schemeClr val="accent1">
+                <a:shade val="15000"/>
+              </a:schemeClr>
+            </a:lnRef>
+            <a:fillRef idx="1">
+              <a:schemeClr val="accent1"/>
+            </a:fillRef>
+            <a:effectRef idx="0">
+              <a:schemeClr val="accent1"/>
+            </a:effectRef>
+            <a:fontRef idx="minor">
+              <a:schemeClr val="lt1"/>
+            </a:fontRef>
+          </p:style>
+          <p:txBody>
+            <a:bodyPr rtlCol="0" anchor="ctr"/>
+            <a:lstStyle/>
+            <a:p>
+              <a:pPr algn="ctr"/>
+              <a:r>
+                <a:rPr lang="en-US" dirty="0">
+                  <a:solidFill>
+                    <a:srgbClr val="404040"/>
+                  </a:solidFill>
+                  <a:cs typeface="Helvetica" panose="020B0604020202020204" pitchFamily="34" charset="0"/>
+                </a:rPr>
+                <a:t>6</a:t>
+              </a:r>
+            </a:p>
+          </p:txBody>
+        </p:sp>
+        <p:sp>
+          <p:nvSpPr>
+            <p:cNvPr id="13" name="Elipse 12">
+              <a:extLst>
+                <a:ext uri="{FF2B5EF4-FFF2-40B4-BE49-F238E27FC236}">
+                  <a16:creationId xmlns:a16="http://schemas.microsoft.com/office/drawing/2014/main" id="{7C215D58-F947-3253-05A7-2DD506164680}"/>
+                </a:ext>
+              </a:extLst>
+            </p:cNvPr>
+            <p:cNvSpPr/>
+            <p:nvPr/>
+          </p:nvSpPr>
+          <p:spPr>
+            <a:xfrm>
+              <a:off x="5708455" y="3257653"/>
+              <a:ext cx="186588" cy="186588"/>
+            </a:xfrm>
+            <a:prstGeom prst="ellipse">
+              <a:avLst/>
+            </a:prstGeom>
+            <a:solidFill>
+              <a:schemeClr val="lt1"/>
+            </a:solidFill>
+            <a:ln w="19050">
+              <a:solidFill>
+                <a:srgbClr val="6B0F16"/>
+              </a:solidFill>
+            </a:ln>
+          </p:spPr>
+          <p:style>
+            <a:lnRef idx="2">
+              <a:schemeClr val="accent1">
+                <a:shade val="15000"/>
+              </a:schemeClr>
+            </a:lnRef>
+            <a:fillRef idx="1">
+              <a:schemeClr val="accent1"/>
+            </a:fillRef>
+            <a:effectRef idx="0">
+              <a:schemeClr val="accent1"/>
+            </a:effectRef>
+            <a:fontRef idx="minor">
+              <a:schemeClr val="lt1"/>
+            </a:fontRef>
+          </p:style>
+          <p:txBody>
+            <a:bodyPr rtlCol="0" anchor="ctr"/>
+            <a:lstStyle/>
+            <a:p>
+              <a:pPr algn="ctr"/>
+              <a:r>
+                <a:rPr lang="en-US" dirty="0">
+                  <a:solidFill>
+                    <a:srgbClr val="404040"/>
+                  </a:solidFill>
+                  <a:cs typeface="Helvetica" panose="020B0604020202020204" pitchFamily="34" charset="0"/>
+                </a:rPr>
+                <a:t>7</a:t>
+              </a:r>
+            </a:p>
+          </p:txBody>
+        </p:sp>
+        <p:sp>
+          <p:nvSpPr>
+            <p:cNvPr id="14" name="Elipse 13">
+              <a:extLst>
+                <a:ext uri="{FF2B5EF4-FFF2-40B4-BE49-F238E27FC236}">
+                  <a16:creationId xmlns:a16="http://schemas.microsoft.com/office/drawing/2014/main" id="{EFF11025-28CA-9579-16F6-D31A130C1295}"/>
+                </a:ext>
+              </a:extLst>
+            </p:cNvPr>
+            <p:cNvSpPr/>
+            <p:nvPr/>
+          </p:nvSpPr>
+          <p:spPr>
+            <a:xfrm>
+              <a:off x="6484589" y="1729742"/>
+              <a:ext cx="186588" cy="186588"/>
+            </a:xfrm>
+            <a:prstGeom prst="ellipse">
+              <a:avLst/>
+            </a:prstGeom>
+            <a:solidFill>
+              <a:schemeClr val="lt1"/>
+            </a:solidFill>
+            <a:ln w="19050">
+              <a:solidFill>
+                <a:srgbClr val="6B0F16"/>
+              </a:solidFill>
+            </a:ln>
+          </p:spPr>
+          <p:style>
+            <a:lnRef idx="2">
+              <a:schemeClr val="accent1">
+                <a:shade val="15000"/>
+              </a:schemeClr>
+            </a:lnRef>
+            <a:fillRef idx="1">
+              <a:schemeClr val="accent1"/>
+            </a:fillRef>
+            <a:effectRef idx="0">
+              <a:schemeClr val="accent1"/>
+            </a:effectRef>
+            <a:fontRef idx="minor">
+              <a:schemeClr val="lt1"/>
+            </a:fontRef>
+          </p:style>
+          <p:txBody>
+            <a:bodyPr rtlCol="0" anchor="ctr"/>
+            <a:lstStyle/>
+            <a:p>
+              <a:pPr algn="ctr"/>
+              <a:r>
+                <a:rPr lang="es-CL" dirty="0">
+                  <a:solidFill>
+                    <a:srgbClr val="404040"/>
+                  </a:solidFill>
+                  <a:cs typeface="Helvetica" panose="020B0604020202020204" pitchFamily="34" charset="0"/>
+                </a:rPr>
+                <a:t>8</a:t>
+              </a:r>
+              <a:endParaRPr lang="en-US" dirty="0">
+                <a:solidFill>
+                  <a:srgbClr val="404040"/>
+                </a:solidFill>
+                <a:cs typeface="Helvetica" panose="020B0604020202020204" pitchFamily="34" charset="0"/>
+              </a:endParaRPr>
+            </a:p>
+          </p:txBody>
+        </p:sp>
+        <p:sp>
+          <p:nvSpPr>
+            <p:cNvPr id="15" name="Elipse 14">
+              <a:extLst>
+                <a:ext uri="{FF2B5EF4-FFF2-40B4-BE49-F238E27FC236}">
+                  <a16:creationId xmlns:a16="http://schemas.microsoft.com/office/drawing/2014/main" id="{2D1318C5-DF6E-088E-3F5A-B77E9FFEF4F3}"/>
+                </a:ext>
+              </a:extLst>
+            </p:cNvPr>
+            <p:cNvSpPr/>
+            <p:nvPr/>
+          </p:nvSpPr>
+          <p:spPr>
+            <a:xfrm>
+              <a:off x="6344422" y="3237326"/>
+              <a:ext cx="186588" cy="186588"/>
+            </a:xfrm>
+            <a:prstGeom prst="ellipse">
+              <a:avLst/>
+            </a:prstGeom>
+            <a:solidFill>
+              <a:schemeClr val="lt1"/>
+            </a:solidFill>
+            <a:ln w="19050">
+              <a:solidFill>
+                <a:srgbClr val="6B0F16"/>
+              </a:solidFill>
+            </a:ln>
+          </p:spPr>
+          <p:style>
+            <a:lnRef idx="2">
+              <a:schemeClr val="accent1">
+                <a:shade val="15000"/>
+              </a:schemeClr>
+            </a:lnRef>
+            <a:fillRef idx="1">
+              <a:schemeClr val="accent1"/>
+            </a:fillRef>
+            <a:effectRef idx="0">
+              <a:schemeClr val="accent1"/>
+            </a:effectRef>
+            <a:fontRef idx="minor">
+              <a:schemeClr val="lt1"/>
+            </a:fontRef>
+          </p:style>
+          <p:txBody>
+            <a:bodyPr rtlCol="0" anchor="ctr"/>
+            <a:lstStyle/>
+            <a:p>
+              <a:pPr algn="ctr"/>
+              <a:r>
+                <a:rPr lang="es-CL" dirty="0">
+                  <a:solidFill>
+                    <a:srgbClr val="404040"/>
+                  </a:solidFill>
+                  <a:cs typeface="Helvetica" panose="020B0604020202020204" pitchFamily="34" charset="0"/>
+                </a:rPr>
+                <a:t>9</a:t>
+              </a:r>
+              <a:endParaRPr lang="en-US" dirty="0">
+                <a:solidFill>
+                  <a:srgbClr val="404040"/>
+                </a:solidFill>
+                <a:cs typeface="Helvetica" panose="020B0604020202020204" pitchFamily="34" charset="0"/>
+              </a:endParaRPr>
+            </a:p>
+          </p:txBody>
+        </p:sp>
+        <p:cxnSp>
+          <p:nvCxnSpPr>
+            <p:cNvPr id="16" name="Conector recto de flecha 15">
+              <a:extLst>
+                <a:ext uri="{FF2B5EF4-FFF2-40B4-BE49-F238E27FC236}">
+                  <a16:creationId xmlns:a16="http://schemas.microsoft.com/office/drawing/2014/main" id="{89A53785-2704-4DD8-7FCD-9937F1F56DCC}"/>
+                </a:ext>
+              </a:extLst>
+            </p:cNvPr>
+            <p:cNvCxnSpPr>
+              <a:cxnSpLocks/>
+              <a:stCxn id="6" idx="0"/>
+              <a:endCxn id="9" idx="4"/>
+            </p:cNvCxnSpPr>
+            <p:nvPr/>
+          </p:nvCxnSpPr>
+          <p:spPr>
+            <a:xfrm flipV="1">
+              <a:off x="6191893" y="1962304"/>
+              <a:ext cx="0" cy="419304"/>
+            </a:xfrm>
+            <a:prstGeom prst="straightConnector1">
+              <a:avLst/>
+            </a:prstGeom>
+            <a:ln>
+              <a:tailEnd type="triangle"/>
+            </a:ln>
+          </p:spPr>
+          <p:style>
+            <a:lnRef idx="1">
+              <a:schemeClr val="dk1"/>
+            </a:lnRef>
+            <a:fillRef idx="0">
+              <a:schemeClr val="dk1"/>
+            </a:fillRef>
+            <a:effectRef idx="0">
+              <a:schemeClr val="dk1"/>
+            </a:effectRef>
+            <a:fontRef idx="minor">
+              <a:schemeClr val="tx1"/>
+            </a:fontRef>
+          </p:style>
+        </p:cxnSp>
+        <p:cxnSp>
+          <p:nvCxnSpPr>
+            <p:cNvPr id="17" name="Conector recto de flecha 16">
+              <a:extLst>
+                <a:ext uri="{FF2B5EF4-FFF2-40B4-BE49-F238E27FC236}">
+                  <a16:creationId xmlns:a16="http://schemas.microsoft.com/office/drawing/2014/main" id="{C95CA2FD-AA35-358C-D758-ADF719819B95}"/>
+                </a:ext>
+              </a:extLst>
+            </p:cNvPr>
+            <p:cNvCxnSpPr>
+              <a:cxnSpLocks/>
+              <a:stCxn id="9" idx="2"/>
+              <a:endCxn id="7" idx="7"/>
+            </p:cNvCxnSpPr>
+            <p:nvPr/>
+          </p:nvCxnSpPr>
+          <p:spPr>
+            <a:xfrm flipH="1">
+              <a:off x="5674886" y="1869010"/>
+              <a:ext cx="423713" cy="188107"/>
+            </a:xfrm>
+            <a:prstGeom prst="straightConnector1">
+              <a:avLst/>
+            </a:prstGeom>
+            <a:ln>
+              <a:tailEnd type="triangle"/>
+            </a:ln>
+          </p:spPr>
+          <p:style>
+            <a:lnRef idx="1">
+              <a:schemeClr val="dk1"/>
+            </a:lnRef>
+            <a:fillRef idx="0">
+              <a:schemeClr val="dk1"/>
+            </a:fillRef>
+            <a:effectRef idx="0">
+              <a:schemeClr val="dk1"/>
+            </a:effectRef>
+            <a:fontRef idx="minor">
+              <a:schemeClr val="tx1"/>
+            </a:fontRef>
+          </p:style>
+        </p:cxnSp>
+        <p:cxnSp>
+          <p:nvCxnSpPr>
+            <p:cNvPr id="18" name="Conector recto de flecha 17">
+              <a:extLst>
+                <a:ext uri="{FF2B5EF4-FFF2-40B4-BE49-F238E27FC236}">
+                  <a16:creationId xmlns:a16="http://schemas.microsoft.com/office/drawing/2014/main" id="{19B844CF-2F67-B0E2-90D9-495A25EE574B}"/>
+                </a:ext>
+              </a:extLst>
+            </p:cNvPr>
+            <p:cNvCxnSpPr>
+              <a:cxnSpLocks/>
+              <a:stCxn id="10" idx="0"/>
+              <a:endCxn id="14" idx="5"/>
+            </p:cNvCxnSpPr>
+            <p:nvPr/>
+          </p:nvCxnSpPr>
+          <p:spPr>
+            <a:xfrm flipH="1" flipV="1">
+              <a:off x="6643852" y="1889005"/>
+              <a:ext cx="171609" cy="248017"/>
+            </a:xfrm>
+            <a:prstGeom prst="straightConnector1">
+              <a:avLst/>
+            </a:prstGeom>
+            <a:ln>
+              <a:tailEnd type="triangle"/>
+            </a:ln>
+          </p:spPr>
+          <p:style>
+            <a:lnRef idx="1">
+              <a:schemeClr val="dk1"/>
+            </a:lnRef>
+            <a:fillRef idx="0">
+              <a:schemeClr val="dk1"/>
+            </a:fillRef>
+            <a:effectRef idx="0">
+              <a:schemeClr val="dk1"/>
+            </a:effectRef>
+            <a:fontRef idx="minor">
+              <a:schemeClr val="tx1"/>
+            </a:fontRef>
+          </p:style>
+        </p:cxnSp>
+        <p:cxnSp>
+          <p:nvCxnSpPr>
+            <p:cNvPr id="19" name="Conector recto de flecha 18">
+              <a:extLst>
+                <a:ext uri="{FF2B5EF4-FFF2-40B4-BE49-F238E27FC236}">
+                  <a16:creationId xmlns:a16="http://schemas.microsoft.com/office/drawing/2014/main" id="{61709A5C-359D-E0A1-8544-C1E900956057}"/>
+                </a:ext>
+              </a:extLst>
+            </p:cNvPr>
+            <p:cNvCxnSpPr>
+              <a:cxnSpLocks/>
+              <a:stCxn id="11" idx="5"/>
+              <a:endCxn id="15" idx="0"/>
+            </p:cNvCxnSpPr>
+            <p:nvPr/>
+          </p:nvCxnSpPr>
+          <p:spPr>
+            <a:xfrm>
+              <a:off x="6285209" y="3002763"/>
+              <a:ext cx="152507" cy="234563"/>
+            </a:xfrm>
+            <a:prstGeom prst="straightConnector1">
+              <a:avLst/>
+            </a:prstGeom>
+            <a:ln>
+              <a:solidFill>
+                <a:schemeClr val="tx1"/>
+              </a:solidFill>
+              <a:prstDash val="solid"/>
+              <a:tailEnd type="triangle"/>
+            </a:ln>
+          </p:spPr>
+          <p:style>
+            <a:lnRef idx="1">
+              <a:schemeClr val="dk1"/>
+            </a:lnRef>
+            <a:fillRef idx="0">
+              <a:schemeClr val="dk1"/>
+            </a:fillRef>
+            <a:effectRef idx="0">
+              <a:schemeClr val="dk1"/>
+            </a:effectRef>
+            <a:fontRef idx="minor">
+              <a:schemeClr val="tx1"/>
+            </a:fontRef>
+          </p:style>
+        </p:cxnSp>
+        <p:cxnSp>
+          <p:nvCxnSpPr>
+            <p:cNvPr id="20" name="Conector recto de flecha 19">
+              <a:extLst>
+                <a:ext uri="{FF2B5EF4-FFF2-40B4-BE49-F238E27FC236}">
+                  <a16:creationId xmlns:a16="http://schemas.microsoft.com/office/drawing/2014/main" id="{2FF1A697-11C1-3B80-CAC9-EAF00BA54A20}"/>
+                </a:ext>
+              </a:extLst>
+            </p:cNvPr>
+            <p:cNvCxnSpPr>
+              <a:stCxn id="6" idx="4"/>
+              <a:endCxn id="11" idx="0"/>
+            </p:cNvCxnSpPr>
+            <p:nvPr/>
+          </p:nvCxnSpPr>
+          <p:spPr>
+            <a:xfrm>
+              <a:off x="6191893" y="2568196"/>
+              <a:ext cx="27347" cy="275304"/>
+            </a:xfrm>
+            <a:prstGeom prst="straightConnector1">
+              <a:avLst/>
+            </a:prstGeom>
+            <a:ln>
+              <a:tailEnd type="triangle"/>
+            </a:ln>
+          </p:spPr>
+          <p:style>
+            <a:lnRef idx="1">
+              <a:schemeClr val="dk1"/>
+            </a:lnRef>
+            <a:fillRef idx="0">
+              <a:schemeClr val="dk1"/>
+            </a:fillRef>
+            <a:effectRef idx="0">
+              <a:schemeClr val="dk1"/>
+            </a:effectRef>
+            <a:fontRef idx="minor">
+              <a:schemeClr val="tx1"/>
+            </a:fontRef>
+          </p:style>
+        </p:cxnSp>
+        <p:cxnSp>
+          <p:nvCxnSpPr>
+            <p:cNvPr id="21" name="Conector recto de flecha 20">
+              <a:extLst>
+                <a:ext uri="{FF2B5EF4-FFF2-40B4-BE49-F238E27FC236}">
+                  <a16:creationId xmlns:a16="http://schemas.microsoft.com/office/drawing/2014/main" id="{F44D8C10-13F8-E4CE-8CFF-8940E8000894}"/>
+                </a:ext>
+              </a:extLst>
+            </p:cNvPr>
+            <p:cNvCxnSpPr>
+              <a:stCxn id="11" idx="2"/>
+              <a:endCxn id="8" idx="6"/>
+            </p:cNvCxnSpPr>
+            <p:nvPr/>
+          </p:nvCxnSpPr>
+          <p:spPr>
+            <a:xfrm flipH="1" flipV="1">
+              <a:off x="5702211" y="2891088"/>
+              <a:ext cx="423735" cy="45706"/>
+            </a:xfrm>
+            <a:prstGeom prst="straightConnector1">
+              <a:avLst/>
+            </a:prstGeom>
+            <a:ln>
+              <a:tailEnd type="triangle"/>
+            </a:ln>
+          </p:spPr>
+          <p:style>
+            <a:lnRef idx="1">
+              <a:schemeClr val="dk1"/>
+            </a:lnRef>
+            <a:fillRef idx="0">
+              <a:schemeClr val="dk1"/>
+            </a:fillRef>
+            <a:effectRef idx="0">
+              <a:schemeClr val="dk1"/>
+            </a:effectRef>
+            <a:fontRef idx="minor">
+              <a:schemeClr val="tx1"/>
+            </a:fontRef>
+          </p:style>
+        </p:cxnSp>
+        <p:cxnSp>
+          <p:nvCxnSpPr>
+            <p:cNvPr id="22" name="Conector recto de flecha 21">
+              <a:extLst>
+                <a:ext uri="{FF2B5EF4-FFF2-40B4-BE49-F238E27FC236}">
+                  <a16:creationId xmlns:a16="http://schemas.microsoft.com/office/drawing/2014/main" id="{4AEABD32-DB08-1546-E64E-2F4138AEF88E}"/>
+                </a:ext>
+              </a:extLst>
+            </p:cNvPr>
+            <p:cNvCxnSpPr>
+              <a:cxnSpLocks/>
+              <a:stCxn id="11" idx="3"/>
+              <a:endCxn id="13" idx="7"/>
+            </p:cNvCxnSpPr>
+            <p:nvPr/>
+          </p:nvCxnSpPr>
+          <p:spPr>
+            <a:xfrm flipH="1">
+              <a:off x="5867718" y="3002763"/>
+              <a:ext cx="285553" cy="282215"/>
+            </a:xfrm>
+            <a:prstGeom prst="straightConnector1">
+              <a:avLst/>
+            </a:prstGeom>
+            <a:ln>
+              <a:tailEnd type="triangle"/>
+            </a:ln>
+          </p:spPr>
+          <p:style>
+            <a:lnRef idx="1">
+              <a:schemeClr val="dk1"/>
+            </a:lnRef>
+            <a:fillRef idx="0">
+              <a:schemeClr val="dk1"/>
+            </a:fillRef>
+            <a:effectRef idx="0">
+              <a:schemeClr val="dk1"/>
+            </a:effectRef>
+            <a:fontRef idx="minor">
+              <a:schemeClr val="tx1"/>
+            </a:fontRef>
+          </p:style>
+        </p:cxnSp>
+        <p:cxnSp>
+          <p:nvCxnSpPr>
+            <p:cNvPr id="23" name="Conector recto de flecha 22">
+              <a:extLst>
+                <a:ext uri="{FF2B5EF4-FFF2-40B4-BE49-F238E27FC236}">
+                  <a16:creationId xmlns:a16="http://schemas.microsoft.com/office/drawing/2014/main" id="{83817215-09AD-0B4B-AC5D-322244C8DCE5}"/>
+                </a:ext>
+              </a:extLst>
+            </p:cNvPr>
+            <p:cNvCxnSpPr>
+              <a:cxnSpLocks/>
+              <a:stCxn id="6" idx="6"/>
+              <a:endCxn id="10" idx="2"/>
+            </p:cNvCxnSpPr>
+            <p:nvPr/>
+          </p:nvCxnSpPr>
+          <p:spPr>
+            <a:xfrm flipV="1">
+              <a:off x="6285187" y="2230316"/>
+              <a:ext cx="436980" cy="244586"/>
+            </a:xfrm>
+            <a:prstGeom prst="straightConnector1">
+              <a:avLst/>
+            </a:prstGeom>
+            <a:ln>
+              <a:solidFill>
+                <a:schemeClr val="tx1"/>
+              </a:solidFill>
+              <a:prstDash val="solid"/>
+              <a:tailEnd type="triangle"/>
+            </a:ln>
+          </p:spPr>
+          <p:style>
+            <a:lnRef idx="1">
+              <a:schemeClr val="dk1"/>
+            </a:lnRef>
+            <a:fillRef idx="0">
+              <a:schemeClr val="dk1"/>
+            </a:fillRef>
+            <a:effectRef idx="0">
+              <a:schemeClr val="dk1"/>
+            </a:effectRef>
+            <a:fontRef idx="minor">
+              <a:schemeClr val="tx1"/>
+            </a:fontRef>
+          </p:style>
+        </p:cxnSp>
+        <p:cxnSp>
+          <p:nvCxnSpPr>
+            <p:cNvPr id="24" name="Conector recto de flecha 23">
+              <a:extLst>
+                <a:ext uri="{FF2B5EF4-FFF2-40B4-BE49-F238E27FC236}">
+                  <a16:creationId xmlns:a16="http://schemas.microsoft.com/office/drawing/2014/main" id="{5CB5DF89-8E22-6039-8A00-AF31557B6567}"/>
+                </a:ext>
+              </a:extLst>
+            </p:cNvPr>
+            <p:cNvCxnSpPr>
+              <a:cxnSpLocks/>
+              <a:stCxn id="10" idx="5"/>
+              <a:endCxn id="12" idx="0"/>
+            </p:cNvCxnSpPr>
+            <p:nvPr/>
+          </p:nvCxnSpPr>
+          <p:spPr>
+            <a:xfrm>
+              <a:off x="6881430" y="2296285"/>
+              <a:ext cx="91785" cy="192212"/>
+            </a:xfrm>
+            <a:prstGeom prst="straightConnector1">
+              <a:avLst/>
+            </a:prstGeom>
+            <a:ln>
+              <a:tailEnd type="triangle"/>
+            </a:ln>
+          </p:spPr>
+          <p:style>
+            <a:lnRef idx="1">
+              <a:schemeClr val="dk1"/>
+            </a:lnRef>
+            <a:fillRef idx="0">
+              <a:schemeClr val="dk1"/>
+            </a:fillRef>
+            <a:effectRef idx="0">
+              <a:schemeClr val="dk1"/>
+            </a:effectRef>
+            <a:fontRef idx="minor">
+              <a:schemeClr val="tx1"/>
+            </a:fontRef>
+          </p:style>
+        </p:cxnSp>
+      </p:grpSp>
+      <p:sp>
+        <p:nvSpPr>
+          <p:cNvPr id="25" name="CuadroTexto 24">
+            <a:extLst>
+              <a:ext uri="{FF2B5EF4-FFF2-40B4-BE49-F238E27FC236}">
+                <a16:creationId xmlns:a16="http://schemas.microsoft.com/office/drawing/2014/main" id="{76A7E15D-FCB9-5F4A-5C8E-5686DC7C0B06}"/>
+              </a:ext>
+            </a:extLst>
+          </p:cNvPr>
+          <p:cNvSpPr txBox="1"/>
+          <p:nvPr/>
+        </p:nvSpPr>
+        <p:spPr>
+          <a:xfrm>
+            <a:off x="2959973" y="985474"/>
+            <a:ext cx="431284" cy="307777"/>
+          </a:xfrm>
+          <a:prstGeom prst="rect">
+            <a:avLst/>
+          </a:prstGeom>
+          <a:noFill/>
+        </p:spPr>
+        <p:txBody>
+          <a:bodyPr wrap="square" rtlCol="0">
+            <a:spAutoFit/>
+          </a:bodyPr>
+          <a:lstStyle/>
+          <a:p>
+            <a:r>
+              <a:rPr lang="es-CL" sz="1400" dirty="0"/>
+              <a:t>(1)</a:t>
+            </a:r>
+          </a:p>
+        </p:txBody>
+      </p:sp>
+      <p:sp>
+        <p:nvSpPr>
+          <p:cNvPr id="26" name="CuadroTexto 25">
+            <a:extLst>
+              <a:ext uri="{FF2B5EF4-FFF2-40B4-BE49-F238E27FC236}">
+                <a16:creationId xmlns:a16="http://schemas.microsoft.com/office/drawing/2014/main" id="{C3D18078-2C2D-6EEE-5D4B-E9C46B15EE3D}"/>
+              </a:ext>
+            </a:extLst>
+          </p:cNvPr>
+          <p:cNvSpPr txBox="1"/>
+          <p:nvPr/>
+        </p:nvSpPr>
+        <p:spPr>
+          <a:xfrm>
+            <a:off x="2220551" y="1330871"/>
+            <a:ext cx="431284" cy="307777"/>
+          </a:xfrm>
+          <a:prstGeom prst="rect">
+            <a:avLst/>
+          </a:prstGeom>
+          <a:noFill/>
+        </p:spPr>
+        <p:txBody>
+          <a:bodyPr wrap="square" rtlCol="0">
+            <a:spAutoFit/>
+          </a:bodyPr>
+          <a:lstStyle/>
+          <a:p>
+            <a:r>
+              <a:rPr lang="es-CL" sz="1400" dirty="0"/>
+              <a:t>(1)</a:t>
+            </a:r>
+          </a:p>
+        </p:txBody>
+      </p:sp>
+      <p:sp>
+        <p:nvSpPr>
+          <p:cNvPr id="27" name="CuadroTexto 26">
+            <a:extLst>
+              <a:ext uri="{FF2B5EF4-FFF2-40B4-BE49-F238E27FC236}">
+                <a16:creationId xmlns:a16="http://schemas.microsoft.com/office/drawing/2014/main" id="{CB23ED32-2B7D-49D1-8413-8F84A718CBD4}"/>
+              </a:ext>
+            </a:extLst>
+          </p:cNvPr>
+          <p:cNvSpPr txBox="1"/>
+          <p:nvPr/>
+        </p:nvSpPr>
+        <p:spPr>
+          <a:xfrm>
+            <a:off x="2174327" y="2867258"/>
+            <a:ext cx="431284" cy="307777"/>
+          </a:xfrm>
+          <a:prstGeom prst="rect">
+            <a:avLst/>
+          </a:prstGeom>
+          <a:noFill/>
+        </p:spPr>
+        <p:txBody>
+          <a:bodyPr wrap="square" rtlCol="0">
+            <a:spAutoFit/>
+          </a:bodyPr>
+          <a:lstStyle/>
+          <a:p>
+            <a:r>
+              <a:rPr lang="es-CL" sz="1400" dirty="0"/>
+              <a:t>(4)</a:t>
+            </a:r>
+          </a:p>
+        </p:txBody>
+      </p:sp>
+      <p:sp>
+        <p:nvSpPr>
+          <p:cNvPr id="28" name="CuadroTexto 27">
+            <a:extLst>
+              <a:ext uri="{FF2B5EF4-FFF2-40B4-BE49-F238E27FC236}">
+                <a16:creationId xmlns:a16="http://schemas.microsoft.com/office/drawing/2014/main" id="{6195983B-F82E-9592-276C-2107EC50C386}"/>
+              </a:ext>
+            </a:extLst>
+          </p:cNvPr>
+          <p:cNvSpPr txBox="1"/>
+          <p:nvPr/>
+        </p:nvSpPr>
+        <p:spPr>
+          <a:xfrm>
+            <a:off x="2653049" y="4147743"/>
+            <a:ext cx="431284" cy="307777"/>
+          </a:xfrm>
+          <a:prstGeom prst="rect">
+            <a:avLst/>
+          </a:prstGeom>
+          <a:noFill/>
+        </p:spPr>
+        <p:txBody>
+          <a:bodyPr wrap="square" rtlCol="0">
+            <a:spAutoFit/>
+          </a:bodyPr>
+          <a:lstStyle/>
+          <a:p>
+            <a:r>
+              <a:rPr lang="es-CL" sz="1400" dirty="0"/>
+              <a:t>(4)</a:t>
+            </a:r>
+          </a:p>
+        </p:txBody>
+      </p:sp>
+      <p:sp>
+        <p:nvSpPr>
+          <p:cNvPr id="29" name="CuadroTexto 28">
+            <a:extLst>
+              <a:ext uri="{FF2B5EF4-FFF2-40B4-BE49-F238E27FC236}">
+                <a16:creationId xmlns:a16="http://schemas.microsoft.com/office/drawing/2014/main" id="{B0589DC9-2E02-0A00-7EC7-0BAAF574539B}"/>
+              </a:ext>
+            </a:extLst>
+          </p:cNvPr>
+          <p:cNvSpPr txBox="1"/>
+          <p:nvPr/>
+        </p:nvSpPr>
+        <p:spPr>
+          <a:xfrm>
+            <a:off x="3636165" y="3175035"/>
+            <a:ext cx="431284" cy="307777"/>
+          </a:xfrm>
+          <a:prstGeom prst="rect">
+            <a:avLst/>
+          </a:prstGeom>
+          <a:noFill/>
+        </p:spPr>
+        <p:txBody>
+          <a:bodyPr wrap="square" rtlCol="0">
+            <a:spAutoFit/>
+          </a:bodyPr>
+          <a:lstStyle/>
+          <a:p>
+            <a:r>
+              <a:rPr lang="es-CL" sz="1400" dirty="0"/>
+              <a:t>(4)</a:t>
+            </a:r>
+          </a:p>
+        </p:txBody>
+      </p:sp>
+      <p:sp>
+        <p:nvSpPr>
+          <p:cNvPr id="30" name="CuadroTexto 29">
+            <a:extLst>
+              <a:ext uri="{FF2B5EF4-FFF2-40B4-BE49-F238E27FC236}">
+                <a16:creationId xmlns:a16="http://schemas.microsoft.com/office/drawing/2014/main" id="{C2C89089-47FA-B298-8EBD-958DA7F3022E}"/>
+              </a:ext>
+            </a:extLst>
+          </p:cNvPr>
+          <p:cNvSpPr txBox="1"/>
+          <p:nvPr/>
+        </p:nvSpPr>
+        <p:spPr>
+          <a:xfrm flipH="1">
+            <a:off x="3733665" y="608485"/>
+            <a:ext cx="431999" cy="307777"/>
+          </a:xfrm>
+          <a:prstGeom prst="rect">
+            <a:avLst/>
+          </a:prstGeom>
+          <a:noFill/>
+        </p:spPr>
+        <p:txBody>
+          <a:bodyPr wrap="square" rtlCol="0">
+            <a:spAutoFit/>
+          </a:bodyPr>
+          <a:lstStyle/>
+          <a:p>
+            <a:r>
+              <a:rPr lang="es-CL" sz="1400" dirty="0"/>
+              <a:t>(5)</a:t>
+            </a:r>
+          </a:p>
+        </p:txBody>
+      </p:sp>
+      <p:sp>
+        <p:nvSpPr>
+          <p:cNvPr id="31" name="CuadroTexto 30">
+            <a:extLst>
+              <a:ext uri="{FF2B5EF4-FFF2-40B4-BE49-F238E27FC236}">
+                <a16:creationId xmlns:a16="http://schemas.microsoft.com/office/drawing/2014/main" id="{DB8F6B40-FF9B-9820-E05A-4ADFDB1C71EE}"/>
+              </a:ext>
+            </a:extLst>
+          </p:cNvPr>
+          <p:cNvSpPr txBox="1"/>
+          <p:nvPr/>
+        </p:nvSpPr>
+        <p:spPr>
+          <a:xfrm>
+            <a:off x="4309547" y="1369306"/>
+            <a:ext cx="431284" cy="307777"/>
+          </a:xfrm>
+          <a:prstGeom prst="rect">
+            <a:avLst/>
+          </a:prstGeom>
+          <a:noFill/>
+        </p:spPr>
+        <p:txBody>
+          <a:bodyPr wrap="square" rtlCol="0">
+            <a:spAutoFit/>
+          </a:bodyPr>
+          <a:lstStyle/>
+          <a:p>
+            <a:r>
+              <a:rPr lang="es-CL" sz="1400" dirty="0"/>
+              <a:t>(5)</a:t>
+            </a:r>
+          </a:p>
+        </p:txBody>
+      </p:sp>
+      <p:sp>
+        <p:nvSpPr>
+          <p:cNvPr id="32" name="CuadroTexto 31">
+            <a:extLst>
+              <a:ext uri="{FF2B5EF4-FFF2-40B4-BE49-F238E27FC236}">
+                <a16:creationId xmlns:a16="http://schemas.microsoft.com/office/drawing/2014/main" id="{9242A388-6398-0753-D3F4-F60B41C8A20D}"/>
+              </a:ext>
+            </a:extLst>
+          </p:cNvPr>
+          <p:cNvSpPr txBox="1"/>
+          <p:nvPr/>
+        </p:nvSpPr>
+        <p:spPr>
+          <a:xfrm>
+            <a:off x="5409926" y="2334523"/>
+            <a:ext cx="431284" cy="307777"/>
+          </a:xfrm>
+          <a:prstGeom prst="rect">
+            <a:avLst/>
+          </a:prstGeom>
+          <a:noFill/>
+        </p:spPr>
+        <p:txBody>
+          <a:bodyPr wrap="square" rtlCol="0">
+            <a:spAutoFit/>
+          </a:bodyPr>
+          <a:lstStyle/>
+          <a:p>
+            <a:r>
+              <a:rPr lang="es-CL" sz="1400" dirty="0"/>
+              <a:t>(5)</a:t>
+            </a:r>
+          </a:p>
+        </p:txBody>
+      </p:sp>
+      <p:sp>
+        <p:nvSpPr>
+          <p:cNvPr id="33" name="CuadroTexto 32">
+            <a:extLst>
+              <a:ext uri="{FF2B5EF4-FFF2-40B4-BE49-F238E27FC236}">
+                <a16:creationId xmlns:a16="http://schemas.microsoft.com/office/drawing/2014/main" id="{4595F294-0D35-5474-890E-C55CD8CA73F4}"/>
+              </a:ext>
+            </a:extLst>
+          </p:cNvPr>
+          <p:cNvSpPr txBox="1"/>
+          <p:nvPr/>
+        </p:nvSpPr>
+        <p:spPr>
+          <a:xfrm>
+            <a:off x="4146639" y="4097895"/>
+            <a:ext cx="431284" cy="307777"/>
+          </a:xfrm>
+          <a:prstGeom prst="rect">
+            <a:avLst/>
+          </a:prstGeom>
+          <a:noFill/>
+        </p:spPr>
+        <p:txBody>
+          <a:bodyPr wrap="square" rtlCol="0">
+            <a:spAutoFit/>
+          </a:bodyPr>
+          <a:lstStyle/>
+          <a:p>
+            <a:r>
+              <a:rPr lang="es-CL" sz="1400" dirty="0"/>
+              <a:t>(4)</a:t>
+            </a:r>
+          </a:p>
+        </p:txBody>
+      </p:sp>
+    </p:spTree>
+    <p:extLst>
+      <p:ext uri="{BB962C8B-B14F-4D97-AF65-F5344CB8AC3E}">
+        <p14:creationId xmlns:p14="http://schemas.microsoft.com/office/powerpoint/2010/main" val="985497461"/>
+      </p:ext>
+    </p:extLst>
+  </p:cSld>
+  <p:clrMapOvr>
+    <a:masterClrMapping/>
+  </p:clrMapOvr>
+</p:sld>
+</file>
+
+<file path=ppt/slides/slide3.xml><?xml version="1.0" encoding="utf-8"?>
+<p:sld xmlns:a="http://schemas.openxmlformats.org/drawingml/2006/main" xmlns:r="http://schemas.openxmlformats.org/officeDocument/2006/relationships" xmlns:p="http://schemas.openxmlformats.org/presentationml/2006/main">
+  <p:cSld>
+    <p:spTree>
+      <p:nvGrpSpPr>
+        <p:cNvPr id="1" name=""/>
+        <p:cNvGrpSpPr/>
+        <p:nvPr/>
+      </p:nvGrpSpPr>
+      <p:grpSpPr>
+        <a:xfrm>
+          <a:off x="0" y="0"/>
+          <a:ext cx="0" cy="0"/>
+          <a:chOff x="0" y="0"/>
+          <a:chExt cx="0" cy="0"/>
+        </a:xfrm>
+      </p:grpSpPr>
+      <p:grpSp>
+        <p:nvGrpSpPr>
+          <p:cNvPr id="4" name="Grupo 3">
+            <a:extLst>
+              <a:ext uri="{FF2B5EF4-FFF2-40B4-BE49-F238E27FC236}">
+                <a16:creationId xmlns:a16="http://schemas.microsoft.com/office/drawing/2014/main" id="{BFCB1528-D931-C555-EF26-B8140B34043C}"/>
+              </a:ext>
+            </a:extLst>
+          </p:cNvPr>
+          <p:cNvGrpSpPr/>
+          <p:nvPr/>
+        </p:nvGrpSpPr>
+        <p:grpSpPr>
+          <a:xfrm>
+            <a:off x="1429641" y="329809"/>
+            <a:ext cx="4572879" cy="4741056"/>
+            <a:chOff x="5345990" y="1635859"/>
+            <a:chExt cx="1975104" cy="2047742"/>
+          </a:xfrm>
+        </p:grpSpPr>
+        <p:sp>
+          <p:nvSpPr>
+            <p:cNvPr id="5" name="Rectángulo 4">
+              <a:extLst>
+                <a:ext uri="{FF2B5EF4-FFF2-40B4-BE49-F238E27FC236}">
+                  <a16:creationId xmlns:a16="http://schemas.microsoft.com/office/drawing/2014/main" id="{5BCCE7B2-7EA1-DA30-CAA3-912EBC78DEA7}"/>
+                </a:ext>
+              </a:extLst>
+            </p:cNvPr>
+            <p:cNvSpPr/>
+            <p:nvPr/>
+          </p:nvSpPr>
+          <p:spPr>
+            <a:xfrm>
+              <a:off x="5345990" y="1635859"/>
+              <a:ext cx="1975104" cy="2047742"/>
+            </a:xfrm>
+            <a:prstGeom prst="rect">
+              <a:avLst/>
+            </a:prstGeom>
+            <a:solidFill>
+              <a:schemeClr val="bg1">
+                <a:lumMod val="85000"/>
+              </a:schemeClr>
+            </a:solidFill>
+            <a:ln w="19050">
+              <a:solidFill>
+                <a:srgbClr val="992323"/>
+              </a:solidFill>
+            </a:ln>
+          </p:spPr>
+          <p:style>
+            <a:lnRef idx="2">
+              <a:schemeClr val="accent1">
+                <a:shade val="15000"/>
+              </a:schemeClr>
+            </a:lnRef>
+            <a:fillRef idx="1">
+              <a:schemeClr val="accent1"/>
+            </a:fillRef>
+            <a:effectRef idx="0">
+              <a:schemeClr val="accent1"/>
+            </a:effectRef>
+            <a:fontRef idx="minor">
+              <a:schemeClr val="lt1"/>
+            </a:fontRef>
+          </p:style>
+          <p:txBody>
+            <a:bodyPr rtlCol="0" anchor="ctr"/>
+            <a:lstStyle/>
+            <a:p>
+              <a:pPr algn="ctr"/>
+              <a:endParaRPr lang="en-US" dirty="0"/>
+            </a:p>
+          </p:txBody>
+        </p:sp>
+        <p:sp>
+          <p:nvSpPr>
+            <p:cNvPr id="6" name="Elipse 5">
+              <a:extLst>
+                <a:ext uri="{FF2B5EF4-FFF2-40B4-BE49-F238E27FC236}">
+                  <a16:creationId xmlns:a16="http://schemas.microsoft.com/office/drawing/2014/main" id="{D3E62485-7707-B8CC-64C0-6E691A3D8127}"/>
+                </a:ext>
+              </a:extLst>
+            </p:cNvPr>
+            <p:cNvSpPr/>
+            <p:nvPr/>
+          </p:nvSpPr>
+          <p:spPr>
+            <a:xfrm>
+              <a:off x="6098599" y="2381608"/>
+              <a:ext cx="186588" cy="186588"/>
+            </a:xfrm>
+            <a:prstGeom prst="ellipse">
+              <a:avLst/>
+            </a:prstGeom>
+            <a:solidFill>
+              <a:schemeClr val="accent2">
+                <a:lumMod val="75000"/>
+              </a:schemeClr>
+            </a:solidFill>
+            <a:ln w="19050">
+              <a:solidFill>
+                <a:srgbClr val="6B0F16"/>
+              </a:solidFill>
+            </a:ln>
+          </p:spPr>
+          <p:style>
+            <a:lnRef idx="2">
+              <a:schemeClr val="accent1">
+                <a:shade val="15000"/>
+              </a:schemeClr>
+            </a:lnRef>
+            <a:fillRef idx="1">
+              <a:schemeClr val="accent1"/>
+            </a:fillRef>
+            <a:effectRef idx="0">
+              <a:schemeClr val="accent1"/>
+            </a:effectRef>
+            <a:fontRef idx="minor">
+              <a:schemeClr val="lt1"/>
+            </a:fontRef>
+          </p:style>
+          <p:txBody>
+            <a:bodyPr rtlCol="0" anchor="ctr"/>
+            <a:lstStyle/>
+            <a:p>
+              <a:pPr algn="ctr"/>
+              <a:r>
+                <a:rPr lang="en-US" dirty="0">
+                  <a:solidFill>
+                    <a:srgbClr val="404040"/>
+                  </a:solidFill>
+                  <a:cs typeface="Helvetica" panose="020B0604020202020204" pitchFamily="34" charset="0"/>
+                </a:rPr>
+                <a:t>0</a:t>
+              </a:r>
+            </a:p>
+          </p:txBody>
+        </p:sp>
+        <p:sp>
+          <p:nvSpPr>
+            <p:cNvPr id="7" name="Elipse 6">
+              <a:extLst>
+                <a:ext uri="{FF2B5EF4-FFF2-40B4-BE49-F238E27FC236}">
+                  <a16:creationId xmlns:a16="http://schemas.microsoft.com/office/drawing/2014/main" id="{DFCC419E-6712-C460-A84A-8ECD35A9529F}"/>
+                </a:ext>
+              </a:extLst>
+            </p:cNvPr>
+            <p:cNvSpPr/>
+            <p:nvPr/>
+          </p:nvSpPr>
+          <p:spPr>
+            <a:xfrm>
+              <a:off x="5515623" y="2029792"/>
+              <a:ext cx="186588" cy="186588"/>
+            </a:xfrm>
+            <a:prstGeom prst="ellipse">
+              <a:avLst/>
+            </a:prstGeom>
+            <a:solidFill>
+              <a:schemeClr val="lt1"/>
+            </a:solidFill>
+            <a:ln w="19050">
+              <a:solidFill>
+                <a:srgbClr val="6B0F16"/>
+              </a:solidFill>
+            </a:ln>
+          </p:spPr>
+          <p:style>
+            <a:lnRef idx="2">
+              <a:schemeClr val="accent1">
+                <a:shade val="15000"/>
+              </a:schemeClr>
+            </a:lnRef>
+            <a:fillRef idx="1">
+              <a:schemeClr val="accent1"/>
+            </a:fillRef>
+            <a:effectRef idx="0">
+              <a:schemeClr val="accent1"/>
+            </a:effectRef>
+            <a:fontRef idx="minor">
+              <a:schemeClr val="lt1"/>
+            </a:fontRef>
+          </p:style>
+          <p:txBody>
+            <a:bodyPr rtlCol="0" anchor="ctr"/>
+            <a:lstStyle/>
+            <a:p>
+              <a:pPr algn="ctr"/>
+              <a:r>
+                <a:rPr lang="en-US" dirty="0">
+                  <a:solidFill>
+                    <a:srgbClr val="404040"/>
+                  </a:solidFill>
+                  <a:cs typeface="Helvetica" panose="020B0604020202020204" pitchFamily="34" charset="0"/>
+                </a:rPr>
+                <a:t>2</a:t>
+              </a:r>
+            </a:p>
+          </p:txBody>
+        </p:sp>
+        <p:sp>
+          <p:nvSpPr>
+            <p:cNvPr id="8" name="Elipse 7">
+              <a:extLst>
+                <a:ext uri="{FF2B5EF4-FFF2-40B4-BE49-F238E27FC236}">
+                  <a16:creationId xmlns:a16="http://schemas.microsoft.com/office/drawing/2014/main" id="{EA794B46-46A9-C044-C71F-FD8BBED50A23}"/>
+                </a:ext>
+              </a:extLst>
+            </p:cNvPr>
+            <p:cNvSpPr/>
+            <p:nvPr/>
+          </p:nvSpPr>
+          <p:spPr>
+            <a:xfrm>
+              <a:off x="5515623" y="2797794"/>
+              <a:ext cx="186588" cy="186588"/>
+            </a:xfrm>
+            <a:prstGeom prst="ellipse">
+              <a:avLst/>
+            </a:prstGeom>
+            <a:solidFill>
+              <a:schemeClr val="lt1"/>
+            </a:solidFill>
+            <a:ln w="19050">
+              <a:solidFill>
+                <a:srgbClr val="6B0F16"/>
+              </a:solidFill>
+            </a:ln>
+          </p:spPr>
+          <p:style>
+            <a:lnRef idx="2">
+              <a:schemeClr val="accent1">
+                <a:shade val="15000"/>
+              </a:schemeClr>
+            </a:lnRef>
+            <a:fillRef idx="1">
+              <a:schemeClr val="accent1"/>
+            </a:fillRef>
+            <a:effectRef idx="0">
+              <a:schemeClr val="accent1"/>
+            </a:effectRef>
+            <a:fontRef idx="minor">
+              <a:schemeClr val="lt1"/>
+            </a:fontRef>
+          </p:style>
+          <p:txBody>
+            <a:bodyPr rtlCol="0" anchor="ctr"/>
+            <a:lstStyle/>
+            <a:p>
+              <a:pPr algn="ctr"/>
+              <a:r>
+                <a:rPr lang="en-US" dirty="0">
+                  <a:solidFill>
+                    <a:srgbClr val="404040"/>
+                  </a:solidFill>
+                  <a:cs typeface="Helvetica" panose="020B0604020202020204" pitchFamily="34" charset="0"/>
+                </a:rPr>
+                <a:t>3</a:t>
+              </a:r>
+            </a:p>
+          </p:txBody>
+        </p:sp>
+        <p:sp>
+          <p:nvSpPr>
+            <p:cNvPr id="9" name="Elipse 8">
+              <a:extLst>
+                <a:ext uri="{FF2B5EF4-FFF2-40B4-BE49-F238E27FC236}">
+                  <a16:creationId xmlns:a16="http://schemas.microsoft.com/office/drawing/2014/main" id="{9EB369C9-D60F-A1D4-633C-0E44BE48E90B}"/>
+                </a:ext>
+              </a:extLst>
+            </p:cNvPr>
+            <p:cNvSpPr/>
+            <p:nvPr/>
+          </p:nvSpPr>
+          <p:spPr>
+            <a:xfrm>
+              <a:off x="6098598" y="1775716"/>
+              <a:ext cx="186588" cy="186588"/>
+            </a:xfrm>
+            <a:prstGeom prst="ellipse">
+              <a:avLst/>
+            </a:prstGeom>
+            <a:solidFill>
+              <a:schemeClr val="accent2">
+                <a:lumMod val="60000"/>
+                <a:lumOff val="40000"/>
+              </a:schemeClr>
+            </a:solidFill>
+            <a:ln w="19050">
+              <a:solidFill>
+                <a:srgbClr val="6B0F16"/>
+              </a:solidFill>
+            </a:ln>
+          </p:spPr>
+          <p:style>
+            <a:lnRef idx="2">
+              <a:schemeClr val="accent1">
+                <a:shade val="15000"/>
+              </a:schemeClr>
+            </a:lnRef>
+            <a:fillRef idx="1">
+              <a:schemeClr val="accent1"/>
+            </a:fillRef>
+            <a:effectRef idx="0">
+              <a:schemeClr val="accent1"/>
+            </a:effectRef>
+            <a:fontRef idx="minor">
+              <a:schemeClr val="lt1"/>
+            </a:fontRef>
+          </p:style>
+          <p:txBody>
+            <a:bodyPr rtlCol="0" anchor="ctr"/>
+            <a:lstStyle/>
+            <a:p>
+              <a:pPr algn="ctr"/>
+              <a:r>
+                <a:rPr lang="en-US" dirty="0">
+                  <a:solidFill>
+                    <a:srgbClr val="404040"/>
+                  </a:solidFill>
+                  <a:cs typeface="Helvetica" panose="020B0604020202020204" pitchFamily="34" charset="0"/>
+                </a:rPr>
+                <a:t>1</a:t>
+              </a:r>
+            </a:p>
+          </p:txBody>
+        </p:sp>
+        <p:sp>
+          <p:nvSpPr>
+            <p:cNvPr id="10" name="Elipse 9">
+              <a:extLst>
+                <a:ext uri="{FF2B5EF4-FFF2-40B4-BE49-F238E27FC236}">
+                  <a16:creationId xmlns:a16="http://schemas.microsoft.com/office/drawing/2014/main" id="{7FC5DFA4-3752-EEF3-D972-36D7FD02EDE8}"/>
+                </a:ext>
+              </a:extLst>
+            </p:cNvPr>
+            <p:cNvSpPr/>
+            <p:nvPr/>
+          </p:nvSpPr>
+          <p:spPr>
+            <a:xfrm>
+              <a:off x="6722167" y="2137022"/>
+              <a:ext cx="186588" cy="186588"/>
+            </a:xfrm>
+            <a:prstGeom prst="ellipse">
+              <a:avLst/>
+            </a:prstGeom>
+            <a:solidFill>
+              <a:schemeClr val="accent2">
+                <a:lumMod val="60000"/>
+                <a:lumOff val="40000"/>
+              </a:schemeClr>
+            </a:solidFill>
+            <a:ln w="19050">
+              <a:solidFill>
+                <a:srgbClr val="6B0F16"/>
+              </a:solidFill>
+            </a:ln>
+          </p:spPr>
+          <p:style>
+            <a:lnRef idx="2">
+              <a:schemeClr val="accent1">
+                <a:shade val="15000"/>
+              </a:schemeClr>
+            </a:lnRef>
+            <a:fillRef idx="1">
+              <a:schemeClr val="accent1"/>
+            </a:fillRef>
+            <a:effectRef idx="0">
+              <a:schemeClr val="accent1"/>
+            </a:effectRef>
+            <a:fontRef idx="minor">
+              <a:schemeClr val="lt1"/>
+            </a:fontRef>
+          </p:style>
+          <p:txBody>
+            <a:bodyPr rtlCol="0" anchor="ctr"/>
+            <a:lstStyle/>
+            <a:p>
+              <a:pPr algn="ctr"/>
+              <a:r>
+                <a:rPr lang="en-US" dirty="0">
+                  <a:solidFill>
+                    <a:srgbClr val="404040"/>
+                  </a:solidFill>
+                  <a:cs typeface="Helvetica" panose="020B0604020202020204" pitchFamily="34" charset="0"/>
+                </a:rPr>
+                <a:t>5</a:t>
+              </a:r>
+            </a:p>
+          </p:txBody>
+        </p:sp>
+        <p:sp>
+          <p:nvSpPr>
+            <p:cNvPr id="11" name="Elipse 10">
+              <a:extLst>
+                <a:ext uri="{FF2B5EF4-FFF2-40B4-BE49-F238E27FC236}">
+                  <a16:creationId xmlns:a16="http://schemas.microsoft.com/office/drawing/2014/main" id="{36BEA484-5230-9CFE-D537-A75A2055F297}"/>
+                </a:ext>
+              </a:extLst>
+            </p:cNvPr>
+            <p:cNvSpPr/>
+            <p:nvPr/>
+          </p:nvSpPr>
+          <p:spPr>
+            <a:xfrm>
+              <a:off x="6125946" y="2843500"/>
+              <a:ext cx="186588" cy="186588"/>
+            </a:xfrm>
+            <a:prstGeom prst="ellipse">
+              <a:avLst/>
+            </a:prstGeom>
+            <a:solidFill>
+              <a:schemeClr val="accent2">
+                <a:lumMod val="60000"/>
+                <a:lumOff val="40000"/>
+              </a:schemeClr>
+            </a:solidFill>
+            <a:ln w="19050">
+              <a:solidFill>
+                <a:srgbClr val="6B0F16"/>
+              </a:solidFill>
+            </a:ln>
+          </p:spPr>
+          <p:style>
+            <a:lnRef idx="2">
+              <a:schemeClr val="accent1">
+                <a:shade val="15000"/>
+              </a:schemeClr>
+            </a:lnRef>
+            <a:fillRef idx="1">
+              <a:schemeClr val="accent1"/>
+            </a:fillRef>
+            <a:effectRef idx="0">
+              <a:schemeClr val="accent1"/>
+            </a:effectRef>
+            <a:fontRef idx="minor">
+              <a:schemeClr val="lt1"/>
+            </a:fontRef>
+          </p:style>
+          <p:txBody>
+            <a:bodyPr rtlCol="0" anchor="ctr"/>
+            <a:lstStyle/>
+            <a:p>
+              <a:pPr algn="ctr"/>
+              <a:r>
+                <a:rPr lang="en-US" dirty="0">
+                  <a:solidFill>
+                    <a:srgbClr val="404040"/>
+                  </a:solidFill>
+                  <a:cs typeface="Helvetica" panose="020B0604020202020204" pitchFamily="34" charset="0"/>
+                </a:rPr>
+                <a:t>4</a:t>
+              </a:r>
+            </a:p>
+          </p:txBody>
+        </p:sp>
+        <p:sp>
+          <p:nvSpPr>
+            <p:cNvPr id="12" name="Elipse 11">
+              <a:extLst>
+                <a:ext uri="{FF2B5EF4-FFF2-40B4-BE49-F238E27FC236}">
+                  <a16:creationId xmlns:a16="http://schemas.microsoft.com/office/drawing/2014/main" id="{EDF392AC-9DB4-FEAD-8375-F2434F538CB7}"/>
+                </a:ext>
+              </a:extLst>
+            </p:cNvPr>
+            <p:cNvSpPr/>
+            <p:nvPr/>
+          </p:nvSpPr>
+          <p:spPr>
+            <a:xfrm>
+              <a:off x="6879920" y="2488497"/>
+              <a:ext cx="186588" cy="186588"/>
+            </a:xfrm>
+            <a:prstGeom prst="ellipse">
+              <a:avLst/>
+            </a:prstGeom>
+            <a:solidFill>
+              <a:schemeClr val="lt1"/>
+            </a:solidFill>
+            <a:ln w="19050">
+              <a:solidFill>
+                <a:srgbClr val="6B0F16"/>
+              </a:solidFill>
+            </a:ln>
+          </p:spPr>
+          <p:style>
+            <a:lnRef idx="2">
+              <a:schemeClr val="accent1">
+                <a:shade val="15000"/>
+              </a:schemeClr>
+            </a:lnRef>
+            <a:fillRef idx="1">
+              <a:schemeClr val="accent1"/>
+            </a:fillRef>
+            <a:effectRef idx="0">
+              <a:schemeClr val="accent1"/>
+            </a:effectRef>
+            <a:fontRef idx="minor">
+              <a:schemeClr val="lt1"/>
+            </a:fontRef>
+          </p:style>
+          <p:txBody>
+            <a:bodyPr rtlCol="0" anchor="ctr"/>
+            <a:lstStyle/>
+            <a:p>
+              <a:pPr algn="ctr"/>
+              <a:r>
+                <a:rPr lang="en-US" dirty="0">
+                  <a:solidFill>
+                    <a:srgbClr val="404040"/>
+                  </a:solidFill>
+                  <a:cs typeface="Helvetica" panose="020B0604020202020204" pitchFamily="34" charset="0"/>
+                </a:rPr>
+                <a:t>6</a:t>
+              </a:r>
+            </a:p>
+          </p:txBody>
+        </p:sp>
+        <p:sp>
+          <p:nvSpPr>
+            <p:cNvPr id="13" name="Elipse 12">
+              <a:extLst>
+                <a:ext uri="{FF2B5EF4-FFF2-40B4-BE49-F238E27FC236}">
+                  <a16:creationId xmlns:a16="http://schemas.microsoft.com/office/drawing/2014/main" id="{7C215D58-F947-3253-05A7-2DD506164680}"/>
+                </a:ext>
+              </a:extLst>
+            </p:cNvPr>
+            <p:cNvSpPr/>
+            <p:nvPr/>
+          </p:nvSpPr>
+          <p:spPr>
+            <a:xfrm>
+              <a:off x="5708455" y="3257653"/>
+              <a:ext cx="186588" cy="186588"/>
+            </a:xfrm>
+            <a:prstGeom prst="ellipse">
+              <a:avLst/>
+            </a:prstGeom>
+            <a:solidFill>
+              <a:schemeClr val="lt1"/>
+            </a:solidFill>
+            <a:ln w="19050">
+              <a:solidFill>
+                <a:srgbClr val="6B0F16"/>
+              </a:solidFill>
+            </a:ln>
+          </p:spPr>
+          <p:style>
+            <a:lnRef idx="2">
+              <a:schemeClr val="accent1">
+                <a:shade val="15000"/>
+              </a:schemeClr>
+            </a:lnRef>
+            <a:fillRef idx="1">
+              <a:schemeClr val="accent1"/>
+            </a:fillRef>
+            <a:effectRef idx="0">
+              <a:schemeClr val="accent1"/>
+            </a:effectRef>
+            <a:fontRef idx="minor">
+              <a:schemeClr val="lt1"/>
+            </a:fontRef>
+          </p:style>
+          <p:txBody>
+            <a:bodyPr rtlCol="0" anchor="ctr"/>
+            <a:lstStyle/>
+            <a:p>
+              <a:pPr algn="ctr"/>
+              <a:r>
+                <a:rPr lang="en-US" dirty="0">
+                  <a:solidFill>
+                    <a:srgbClr val="404040"/>
+                  </a:solidFill>
+                  <a:cs typeface="Helvetica" panose="020B0604020202020204" pitchFamily="34" charset="0"/>
+                </a:rPr>
+                <a:t>7</a:t>
+              </a:r>
+            </a:p>
+          </p:txBody>
+        </p:sp>
+        <p:sp>
+          <p:nvSpPr>
+            <p:cNvPr id="14" name="Elipse 13">
+              <a:extLst>
+                <a:ext uri="{FF2B5EF4-FFF2-40B4-BE49-F238E27FC236}">
+                  <a16:creationId xmlns:a16="http://schemas.microsoft.com/office/drawing/2014/main" id="{EFF11025-28CA-9579-16F6-D31A130C1295}"/>
+                </a:ext>
+              </a:extLst>
+            </p:cNvPr>
+            <p:cNvSpPr/>
+            <p:nvPr/>
+          </p:nvSpPr>
+          <p:spPr>
+            <a:xfrm>
+              <a:off x="6484590" y="1729742"/>
+              <a:ext cx="186588" cy="186588"/>
+            </a:xfrm>
+            <a:prstGeom prst="ellipse">
+              <a:avLst/>
+            </a:prstGeom>
+            <a:solidFill>
+              <a:schemeClr val="lt1"/>
+            </a:solidFill>
+            <a:ln w="19050">
+              <a:solidFill>
+                <a:srgbClr val="6B0F16"/>
+              </a:solidFill>
+            </a:ln>
+          </p:spPr>
+          <p:style>
+            <a:lnRef idx="2">
+              <a:schemeClr val="accent1">
+                <a:shade val="15000"/>
+              </a:schemeClr>
+            </a:lnRef>
+            <a:fillRef idx="1">
+              <a:schemeClr val="accent1"/>
+            </a:fillRef>
+            <a:effectRef idx="0">
+              <a:schemeClr val="accent1"/>
+            </a:effectRef>
+            <a:fontRef idx="minor">
+              <a:schemeClr val="lt1"/>
+            </a:fontRef>
+          </p:style>
+          <p:txBody>
+            <a:bodyPr rtlCol="0" anchor="ctr"/>
+            <a:lstStyle/>
+            <a:p>
+              <a:pPr algn="ctr"/>
+              <a:r>
+                <a:rPr lang="es-CL" dirty="0">
+                  <a:solidFill>
+                    <a:srgbClr val="404040"/>
+                  </a:solidFill>
+                  <a:cs typeface="Helvetica" panose="020B0604020202020204" pitchFamily="34" charset="0"/>
+                </a:rPr>
+                <a:t>8</a:t>
+              </a:r>
+              <a:endParaRPr lang="en-US" dirty="0">
+                <a:solidFill>
+                  <a:srgbClr val="404040"/>
+                </a:solidFill>
+                <a:cs typeface="Helvetica" panose="020B0604020202020204" pitchFamily="34" charset="0"/>
+              </a:endParaRPr>
+            </a:p>
+          </p:txBody>
+        </p:sp>
+        <p:sp>
+          <p:nvSpPr>
+            <p:cNvPr id="15" name="Elipse 14">
+              <a:extLst>
+                <a:ext uri="{FF2B5EF4-FFF2-40B4-BE49-F238E27FC236}">
+                  <a16:creationId xmlns:a16="http://schemas.microsoft.com/office/drawing/2014/main" id="{2D1318C5-DF6E-088E-3F5A-B77E9FFEF4F3}"/>
+                </a:ext>
+              </a:extLst>
+            </p:cNvPr>
+            <p:cNvSpPr/>
+            <p:nvPr/>
+          </p:nvSpPr>
+          <p:spPr>
+            <a:xfrm>
+              <a:off x="6344422" y="3237326"/>
+              <a:ext cx="186588" cy="186588"/>
+            </a:xfrm>
+            <a:prstGeom prst="ellipse">
+              <a:avLst/>
+            </a:prstGeom>
+            <a:solidFill>
+              <a:schemeClr val="lt1"/>
+            </a:solidFill>
+            <a:ln w="19050">
+              <a:solidFill>
+                <a:srgbClr val="6B0F16"/>
+              </a:solidFill>
+            </a:ln>
+          </p:spPr>
+          <p:style>
+            <a:lnRef idx="2">
+              <a:schemeClr val="accent1">
+                <a:shade val="15000"/>
+              </a:schemeClr>
+            </a:lnRef>
+            <a:fillRef idx="1">
+              <a:schemeClr val="accent1"/>
+            </a:fillRef>
+            <a:effectRef idx="0">
+              <a:schemeClr val="accent1"/>
+            </a:effectRef>
+            <a:fontRef idx="minor">
+              <a:schemeClr val="lt1"/>
+            </a:fontRef>
+          </p:style>
+          <p:txBody>
+            <a:bodyPr rtlCol="0" anchor="ctr"/>
+            <a:lstStyle/>
+            <a:p>
+              <a:pPr algn="ctr"/>
+              <a:r>
+                <a:rPr lang="es-CL" dirty="0">
+                  <a:solidFill>
+                    <a:srgbClr val="404040"/>
+                  </a:solidFill>
+                  <a:cs typeface="Helvetica" panose="020B0604020202020204" pitchFamily="34" charset="0"/>
+                </a:rPr>
+                <a:t>9</a:t>
+              </a:r>
+              <a:endParaRPr lang="en-US" dirty="0">
+                <a:solidFill>
+                  <a:srgbClr val="404040"/>
+                </a:solidFill>
+                <a:cs typeface="Helvetica" panose="020B0604020202020204" pitchFamily="34" charset="0"/>
+              </a:endParaRPr>
+            </a:p>
+          </p:txBody>
+        </p:sp>
+        <p:cxnSp>
+          <p:nvCxnSpPr>
+            <p:cNvPr id="16" name="Conector recto de flecha 15">
+              <a:extLst>
+                <a:ext uri="{FF2B5EF4-FFF2-40B4-BE49-F238E27FC236}">
+                  <a16:creationId xmlns:a16="http://schemas.microsoft.com/office/drawing/2014/main" id="{89A53785-2704-4DD8-7FCD-9937F1F56DCC}"/>
+                </a:ext>
+              </a:extLst>
+            </p:cNvPr>
+            <p:cNvCxnSpPr>
+              <a:cxnSpLocks/>
+              <a:stCxn id="6" idx="0"/>
+              <a:endCxn id="9" idx="4"/>
+            </p:cNvCxnSpPr>
+            <p:nvPr/>
+          </p:nvCxnSpPr>
+          <p:spPr>
+            <a:xfrm flipV="1">
+              <a:off x="6191893" y="1962304"/>
+              <a:ext cx="0" cy="419304"/>
+            </a:xfrm>
+            <a:prstGeom prst="straightConnector1">
+              <a:avLst/>
+            </a:prstGeom>
+            <a:ln>
+              <a:tailEnd type="triangle"/>
+            </a:ln>
+          </p:spPr>
+          <p:style>
+            <a:lnRef idx="1">
+              <a:schemeClr val="dk1"/>
+            </a:lnRef>
+            <a:fillRef idx="0">
+              <a:schemeClr val="dk1"/>
+            </a:fillRef>
+            <a:effectRef idx="0">
+              <a:schemeClr val="dk1"/>
+            </a:effectRef>
+            <a:fontRef idx="minor">
+              <a:schemeClr val="tx1"/>
+            </a:fontRef>
+          </p:style>
+        </p:cxnSp>
+        <p:cxnSp>
+          <p:nvCxnSpPr>
+            <p:cNvPr id="17" name="Conector recto de flecha 16">
+              <a:extLst>
+                <a:ext uri="{FF2B5EF4-FFF2-40B4-BE49-F238E27FC236}">
+                  <a16:creationId xmlns:a16="http://schemas.microsoft.com/office/drawing/2014/main" id="{C95CA2FD-AA35-358C-D758-ADF719819B95}"/>
+                </a:ext>
+              </a:extLst>
+            </p:cNvPr>
+            <p:cNvCxnSpPr>
+              <a:cxnSpLocks/>
+              <a:stCxn id="9" idx="2"/>
+              <a:endCxn id="7" idx="7"/>
+            </p:cNvCxnSpPr>
+            <p:nvPr/>
+          </p:nvCxnSpPr>
+          <p:spPr>
+            <a:xfrm flipH="1">
+              <a:off x="5674886" y="1869010"/>
+              <a:ext cx="423713" cy="188107"/>
+            </a:xfrm>
+            <a:prstGeom prst="straightConnector1">
+              <a:avLst/>
+            </a:prstGeom>
+            <a:ln>
+              <a:tailEnd type="triangle"/>
+            </a:ln>
+          </p:spPr>
+          <p:style>
+            <a:lnRef idx="1">
+              <a:schemeClr val="dk1"/>
+            </a:lnRef>
+            <a:fillRef idx="0">
+              <a:schemeClr val="dk1"/>
+            </a:fillRef>
+            <a:effectRef idx="0">
+              <a:schemeClr val="dk1"/>
+            </a:effectRef>
+            <a:fontRef idx="minor">
+              <a:schemeClr val="tx1"/>
+            </a:fontRef>
+          </p:style>
+        </p:cxnSp>
+        <p:cxnSp>
+          <p:nvCxnSpPr>
+            <p:cNvPr id="18" name="Conector recto de flecha 17">
+              <a:extLst>
+                <a:ext uri="{FF2B5EF4-FFF2-40B4-BE49-F238E27FC236}">
+                  <a16:creationId xmlns:a16="http://schemas.microsoft.com/office/drawing/2014/main" id="{19B844CF-2F67-B0E2-90D9-495A25EE574B}"/>
+                </a:ext>
+              </a:extLst>
+            </p:cNvPr>
+            <p:cNvCxnSpPr>
+              <a:cxnSpLocks/>
+              <a:stCxn id="10" idx="0"/>
+              <a:endCxn id="14" idx="5"/>
+            </p:cNvCxnSpPr>
+            <p:nvPr/>
+          </p:nvCxnSpPr>
+          <p:spPr>
+            <a:xfrm flipH="1" flipV="1">
+              <a:off x="6643852" y="1889005"/>
+              <a:ext cx="171609" cy="248017"/>
+            </a:xfrm>
+            <a:prstGeom prst="straightConnector1">
+              <a:avLst/>
+            </a:prstGeom>
+            <a:ln>
+              <a:tailEnd type="triangle"/>
+            </a:ln>
+          </p:spPr>
+          <p:style>
+            <a:lnRef idx="1">
+              <a:schemeClr val="dk1"/>
+            </a:lnRef>
+            <a:fillRef idx="0">
+              <a:schemeClr val="dk1"/>
+            </a:fillRef>
+            <a:effectRef idx="0">
+              <a:schemeClr val="dk1"/>
+            </a:effectRef>
+            <a:fontRef idx="minor">
+              <a:schemeClr val="tx1"/>
+            </a:fontRef>
+          </p:style>
+        </p:cxnSp>
+        <p:cxnSp>
+          <p:nvCxnSpPr>
+            <p:cNvPr id="19" name="Conector recto de flecha 18">
+              <a:extLst>
+                <a:ext uri="{FF2B5EF4-FFF2-40B4-BE49-F238E27FC236}">
+                  <a16:creationId xmlns:a16="http://schemas.microsoft.com/office/drawing/2014/main" id="{61709A5C-359D-E0A1-8544-C1E900956057}"/>
+                </a:ext>
+              </a:extLst>
+            </p:cNvPr>
+            <p:cNvCxnSpPr>
+              <a:cxnSpLocks/>
+              <a:stCxn id="12" idx="3"/>
+              <a:endCxn id="15" idx="7"/>
+            </p:cNvCxnSpPr>
+            <p:nvPr/>
+          </p:nvCxnSpPr>
+          <p:spPr>
+            <a:xfrm flipH="1">
+              <a:off x="6503685" y="2647760"/>
+              <a:ext cx="403560" cy="616891"/>
+            </a:xfrm>
+            <a:prstGeom prst="straightConnector1">
+              <a:avLst/>
+            </a:prstGeom>
+            <a:ln>
+              <a:solidFill>
+                <a:schemeClr val="tx1"/>
+              </a:solidFill>
+              <a:prstDash val="solid"/>
+              <a:tailEnd type="triangle"/>
+            </a:ln>
+          </p:spPr>
+          <p:style>
+            <a:lnRef idx="1">
+              <a:schemeClr val="dk1"/>
+            </a:lnRef>
+            <a:fillRef idx="0">
+              <a:schemeClr val="dk1"/>
+            </a:fillRef>
+            <a:effectRef idx="0">
+              <a:schemeClr val="dk1"/>
+            </a:effectRef>
+            <a:fontRef idx="minor">
+              <a:schemeClr val="tx1"/>
+            </a:fontRef>
+          </p:style>
+        </p:cxnSp>
+        <p:cxnSp>
+          <p:nvCxnSpPr>
+            <p:cNvPr id="20" name="Conector recto de flecha 19">
+              <a:extLst>
+                <a:ext uri="{FF2B5EF4-FFF2-40B4-BE49-F238E27FC236}">
+                  <a16:creationId xmlns:a16="http://schemas.microsoft.com/office/drawing/2014/main" id="{2FF1A697-11C1-3B80-CAC9-EAF00BA54A20}"/>
+                </a:ext>
+              </a:extLst>
+            </p:cNvPr>
+            <p:cNvCxnSpPr>
+              <a:stCxn id="6" idx="4"/>
+              <a:endCxn id="11" idx="0"/>
+            </p:cNvCxnSpPr>
+            <p:nvPr/>
+          </p:nvCxnSpPr>
+          <p:spPr>
+            <a:xfrm>
+              <a:off x="6191893" y="2568196"/>
+              <a:ext cx="27347" cy="275304"/>
+            </a:xfrm>
+            <a:prstGeom prst="straightConnector1">
+              <a:avLst/>
+            </a:prstGeom>
+            <a:ln>
+              <a:tailEnd type="triangle"/>
+            </a:ln>
+          </p:spPr>
+          <p:style>
+            <a:lnRef idx="1">
+              <a:schemeClr val="dk1"/>
+            </a:lnRef>
+            <a:fillRef idx="0">
+              <a:schemeClr val="dk1"/>
+            </a:fillRef>
+            <a:effectRef idx="0">
+              <a:schemeClr val="dk1"/>
+            </a:effectRef>
+            <a:fontRef idx="minor">
+              <a:schemeClr val="tx1"/>
+            </a:fontRef>
+          </p:style>
+        </p:cxnSp>
+        <p:cxnSp>
+          <p:nvCxnSpPr>
+            <p:cNvPr id="21" name="Conector recto de flecha 20">
+              <a:extLst>
+                <a:ext uri="{FF2B5EF4-FFF2-40B4-BE49-F238E27FC236}">
+                  <a16:creationId xmlns:a16="http://schemas.microsoft.com/office/drawing/2014/main" id="{F44D8C10-13F8-E4CE-8CFF-8940E8000894}"/>
+                </a:ext>
+              </a:extLst>
+            </p:cNvPr>
+            <p:cNvCxnSpPr>
+              <a:stCxn id="11" idx="2"/>
+              <a:endCxn id="8" idx="6"/>
+            </p:cNvCxnSpPr>
+            <p:nvPr/>
+          </p:nvCxnSpPr>
+          <p:spPr>
+            <a:xfrm flipH="1" flipV="1">
+              <a:off x="5702211" y="2891088"/>
+              <a:ext cx="423735" cy="45706"/>
+            </a:xfrm>
+            <a:prstGeom prst="straightConnector1">
+              <a:avLst/>
+            </a:prstGeom>
+            <a:ln>
+              <a:tailEnd type="triangle"/>
+            </a:ln>
+          </p:spPr>
+          <p:style>
+            <a:lnRef idx="1">
+              <a:schemeClr val="dk1"/>
+            </a:lnRef>
+            <a:fillRef idx="0">
+              <a:schemeClr val="dk1"/>
+            </a:fillRef>
+            <a:effectRef idx="0">
+              <a:schemeClr val="dk1"/>
+            </a:effectRef>
+            <a:fontRef idx="minor">
+              <a:schemeClr val="tx1"/>
+            </a:fontRef>
+          </p:style>
+        </p:cxnSp>
+        <p:cxnSp>
+          <p:nvCxnSpPr>
+            <p:cNvPr id="22" name="Conector recto de flecha 21">
+              <a:extLst>
+                <a:ext uri="{FF2B5EF4-FFF2-40B4-BE49-F238E27FC236}">
+                  <a16:creationId xmlns:a16="http://schemas.microsoft.com/office/drawing/2014/main" id="{4AEABD32-DB08-1546-E64E-2F4138AEF88E}"/>
+                </a:ext>
+              </a:extLst>
+            </p:cNvPr>
+            <p:cNvCxnSpPr>
+              <a:cxnSpLocks/>
+              <a:stCxn id="11" idx="3"/>
+              <a:endCxn id="13" idx="7"/>
+            </p:cNvCxnSpPr>
+            <p:nvPr/>
+          </p:nvCxnSpPr>
+          <p:spPr>
+            <a:xfrm flipH="1">
+              <a:off x="5867718" y="3002763"/>
+              <a:ext cx="285553" cy="282215"/>
+            </a:xfrm>
+            <a:prstGeom prst="straightConnector1">
+              <a:avLst/>
+            </a:prstGeom>
+            <a:ln>
+              <a:tailEnd type="triangle"/>
+            </a:ln>
+          </p:spPr>
+          <p:style>
+            <a:lnRef idx="1">
+              <a:schemeClr val="dk1"/>
+            </a:lnRef>
+            <a:fillRef idx="0">
+              <a:schemeClr val="dk1"/>
+            </a:fillRef>
+            <a:effectRef idx="0">
+              <a:schemeClr val="dk1"/>
+            </a:effectRef>
+            <a:fontRef idx="minor">
+              <a:schemeClr val="tx1"/>
+            </a:fontRef>
+          </p:style>
+        </p:cxnSp>
+        <p:cxnSp>
+          <p:nvCxnSpPr>
+            <p:cNvPr id="23" name="Conector recto de flecha 22">
+              <a:extLst>
+                <a:ext uri="{FF2B5EF4-FFF2-40B4-BE49-F238E27FC236}">
+                  <a16:creationId xmlns:a16="http://schemas.microsoft.com/office/drawing/2014/main" id="{83817215-09AD-0B4B-AC5D-322244C8DCE5}"/>
+                </a:ext>
+              </a:extLst>
+            </p:cNvPr>
+            <p:cNvCxnSpPr>
+              <a:cxnSpLocks/>
+              <a:stCxn id="6" idx="6"/>
+              <a:endCxn id="10" idx="2"/>
+            </p:cNvCxnSpPr>
+            <p:nvPr/>
+          </p:nvCxnSpPr>
+          <p:spPr>
+            <a:xfrm flipV="1">
+              <a:off x="6285187" y="2230316"/>
+              <a:ext cx="436980" cy="244586"/>
+            </a:xfrm>
+            <a:prstGeom prst="straightConnector1">
+              <a:avLst/>
+            </a:prstGeom>
+            <a:ln>
+              <a:solidFill>
+                <a:schemeClr val="tx1"/>
+              </a:solidFill>
+              <a:prstDash val="solid"/>
+              <a:tailEnd type="triangle"/>
+            </a:ln>
+          </p:spPr>
+          <p:style>
+            <a:lnRef idx="1">
+              <a:schemeClr val="dk1"/>
+            </a:lnRef>
+            <a:fillRef idx="0">
+              <a:schemeClr val="dk1"/>
+            </a:fillRef>
+            <a:effectRef idx="0">
+              <a:schemeClr val="dk1"/>
+            </a:effectRef>
+            <a:fontRef idx="minor">
+              <a:schemeClr val="tx1"/>
+            </a:fontRef>
+          </p:style>
+        </p:cxnSp>
+        <p:cxnSp>
+          <p:nvCxnSpPr>
+            <p:cNvPr id="24" name="Conector recto de flecha 23">
+              <a:extLst>
+                <a:ext uri="{FF2B5EF4-FFF2-40B4-BE49-F238E27FC236}">
+                  <a16:creationId xmlns:a16="http://schemas.microsoft.com/office/drawing/2014/main" id="{5CB5DF89-8E22-6039-8A00-AF31557B6567}"/>
+                </a:ext>
+              </a:extLst>
+            </p:cNvPr>
+            <p:cNvCxnSpPr>
+              <a:cxnSpLocks/>
+              <a:stCxn id="10" idx="5"/>
+              <a:endCxn id="12" idx="0"/>
+            </p:cNvCxnSpPr>
+            <p:nvPr/>
+          </p:nvCxnSpPr>
+          <p:spPr>
+            <a:xfrm>
+              <a:off x="6881430" y="2296285"/>
+              <a:ext cx="91785" cy="192212"/>
+            </a:xfrm>
+            <a:prstGeom prst="straightConnector1">
+              <a:avLst/>
+            </a:prstGeom>
+            <a:ln>
+              <a:tailEnd type="triangle"/>
+            </a:ln>
+          </p:spPr>
+          <p:style>
+            <a:lnRef idx="1">
+              <a:schemeClr val="dk1"/>
+            </a:lnRef>
+            <a:fillRef idx="0">
+              <a:schemeClr val="dk1"/>
+            </a:fillRef>
+            <a:effectRef idx="0">
+              <a:schemeClr val="dk1"/>
+            </a:effectRef>
+            <a:fontRef idx="minor">
+              <a:schemeClr val="tx1"/>
+            </a:fontRef>
+          </p:style>
+        </p:cxnSp>
+      </p:grpSp>
+      <p:sp>
+        <p:nvSpPr>
+          <p:cNvPr id="25" name="CuadroTexto 24">
+            <a:extLst>
+              <a:ext uri="{FF2B5EF4-FFF2-40B4-BE49-F238E27FC236}">
+                <a16:creationId xmlns:a16="http://schemas.microsoft.com/office/drawing/2014/main" id="{76A7E15D-FCB9-5F4A-5C8E-5686DC7C0B06}"/>
+              </a:ext>
+            </a:extLst>
+          </p:cNvPr>
+          <p:cNvSpPr txBox="1"/>
+          <p:nvPr/>
+        </p:nvSpPr>
+        <p:spPr>
+          <a:xfrm>
+            <a:off x="2959973" y="985474"/>
+            <a:ext cx="431284" cy="307777"/>
+          </a:xfrm>
+          <a:prstGeom prst="rect">
+            <a:avLst/>
+          </a:prstGeom>
+          <a:noFill/>
+        </p:spPr>
+        <p:txBody>
+          <a:bodyPr wrap="square" rtlCol="0">
+            <a:spAutoFit/>
+          </a:bodyPr>
+          <a:lstStyle/>
+          <a:p>
+            <a:r>
+              <a:rPr lang="es-CL" sz="1400" dirty="0"/>
+              <a:t>(1)</a:t>
+            </a:r>
+          </a:p>
+        </p:txBody>
+      </p:sp>
+      <p:sp>
+        <p:nvSpPr>
+          <p:cNvPr id="26" name="CuadroTexto 25">
+            <a:extLst>
+              <a:ext uri="{FF2B5EF4-FFF2-40B4-BE49-F238E27FC236}">
+                <a16:creationId xmlns:a16="http://schemas.microsoft.com/office/drawing/2014/main" id="{C3D18078-2C2D-6EEE-5D4B-E9C46B15EE3D}"/>
+              </a:ext>
+            </a:extLst>
+          </p:cNvPr>
+          <p:cNvSpPr txBox="1"/>
+          <p:nvPr/>
+        </p:nvSpPr>
+        <p:spPr>
+          <a:xfrm>
+            <a:off x="2220551" y="1330871"/>
+            <a:ext cx="431284" cy="307777"/>
+          </a:xfrm>
+          <a:prstGeom prst="rect">
+            <a:avLst/>
+          </a:prstGeom>
+          <a:noFill/>
+        </p:spPr>
+        <p:txBody>
+          <a:bodyPr wrap="square" rtlCol="0">
+            <a:spAutoFit/>
+          </a:bodyPr>
+          <a:lstStyle/>
+          <a:p>
+            <a:r>
+              <a:rPr lang="es-CL" sz="1400" dirty="0"/>
+              <a:t>(1)</a:t>
+            </a:r>
+          </a:p>
+        </p:txBody>
+      </p:sp>
+      <p:sp>
+        <p:nvSpPr>
+          <p:cNvPr id="27" name="CuadroTexto 26">
+            <a:extLst>
+              <a:ext uri="{FF2B5EF4-FFF2-40B4-BE49-F238E27FC236}">
+                <a16:creationId xmlns:a16="http://schemas.microsoft.com/office/drawing/2014/main" id="{CB23ED32-2B7D-49D1-8413-8F84A718CBD4}"/>
+              </a:ext>
+            </a:extLst>
+          </p:cNvPr>
+          <p:cNvSpPr txBox="1"/>
+          <p:nvPr/>
+        </p:nvSpPr>
+        <p:spPr>
+          <a:xfrm>
+            <a:off x="2174327" y="2867258"/>
+            <a:ext cx="431284" cy="307777"/>
+          </a:xfrm>
+          <a:prstGeom prst="rect">
+            <a:avLst/>
+          </a:prstGeom>
+          <a:noFill/>
+        </p:spPr>
+        <p:txBody>
+          <a:bodyPr wrap="square" rtlCol="0">
+            <a:spAutoFit/>
+          </a:bodyPr>
+          <a:lstStyle/>
+          <a:p>
+            <a:r>
+              <a:rPr lang="es-CL" sz="1400" dirty="0"/>
+              <a:t>(4)</a:t>
+            </a:r>
+          </a:p>
+        </p:txBody>
+      </p:sp>
+      <p:sp>
+        <p:nvSpPr>
+          <p:cNvPr id="28" name="CuadroTexto 27">
+            <a:extLst>
+              <a:ext uri="{FF2B5EF4-FFF2-40B4-BE49-F238E27FC236}">
+                <a16:creationId xmlns:a16="http://schemas.microsoft.com/office/drawing/2014/main" id="{6195983B-F82E-9592-276C-2107EC50C386}"/>
+              </a:ext>
+            </a:extLst>
+          </p:cNvPr>
+          <p:cNvSpPr txBox="1"/>
+          <p:nvPr/>
+        </p:nvSpPr>
+        <p:spPr>
+          <a:xfrm>
+            <a:off x="2653049" y="4147743"/>
+            <a:ext cx="431284" cy="307777"/>
+          </a:xfrm>
+          <a:prstGeom prst="rect">
+            <a:avLst/>
+          </a:prstGeom>
+          <a:noFill/>
+        </p:spPr>
+        <p:txBody>
+          <a:bodyPr wrap="square" rtlCol="0">
+            <a:spAutoFit/>
+          </a:bodyPr>
+          <a:lstStyle/>
+          <a:p>
+            <a:r>
+              <a:rPr lang="es-CL" sz="1400" dirty="0"/>
+              <a:t>(4)</a:t>
+            </a:r>
+          </a:p>
+        </p:txBody>
+      </p:sp>
+      <p:sp>
+        <p:nvSpPr>
+          <p:cNvPr id="29" name="CuadroTexto 28">
+            <a:extLst>
+              <a:ext uri="{FF2B5EF4-FFF2-40B4-BE49-F238E27FC236}">
+                <a16:creationId xmlns:a16="http://schemas.microsoft.com/office/drawing/2014/main" id="{B0589DC9-2E02-0A00-7EC7-0BAAF574539B}"/>
+              </a:ext>
+            </a:extLst>
+          </p:cNvPr>
+          <p:cNvSpPr txBox="1"/>
+          <p:nvPr/>
+        </p:nvSpPr>
+        <p:spPr>
+          <a:xfrm>
+            <a:off x="3636165" y="3175035"/>
+            <a:ext cx="431284" cy="307777"/>
+          </a:xfrm>
+          <a:prstGeom prst="rect">
+            <a:avLst/>
+          </a:prstGeom>
+          <a:noFill/>
+        </p:spPr>
+        <p:txBody>
+          <a:bodyPr wrap="square" rtlCol="0">
+            <a:spAutoFit/>
+          </a:bodyPr>
+          <a:lstStyle/>
+          <a:p>
+            <a:r>
+              <a:rPr lang="es-CL" sz="1400" dirty="0"/>
+              <a:t>(4)</a:t>
+            </a:r>
+          </a:p>
+        </p:txBody>
+      </p:sp>
+      <p:sp>
+        <p:nvSpPr>
+          <p:cNvPr id="30" name="CuadroTexto 29">
+            <a:extLst>
+              <a:ext uri="{FF2B5EF4-FFF2-40B4-BE49-F238E27FC236}">
+                <a16:creationId xmlns:a16="http://schemas.microsoft.com/office/drawing/2014/main" id="{C2C89089-47FA-B298-8EBD-958DA7F3022E}"/>
+              </a:ext>
+            </a:extLst>
+          </p:cNvPr>
+          <p:cNvSpPr txBox="1"/>
+          <p:nvPr/>
+        </p:nvSpPr>
+        <p:spPr>
+          <a:xfrm flipH="1">
+            <a:off x="3733665" y="608485"/>
+            <a:ext cx="431999" cy="307777"/>
+          </a:xfrm>
+          <a:prstGeom prst="rect">
+            <a:avLst/>
+          </a:prstGeom>
+          <a:noFill/>
+        </p:spPr>
+        <p:txBody>
+          <a:bodyPr wrap="square" rtlCol="0">
+            <a:spAutoFit/>
+          </a:bodyPr>
+          <a:lstStyle/>
+          <a:p>
+            <a:r>
+              <a:rPr lang="es-CL" sz="1400" dirty="0"/>
+              <a:t>(5)</a:t>
+            </a:r>
+          </a:p>
+        </p:txBody>
+      </p:sp>
+      <p:sp>
+        <p:nvSpPr>
+          <p:cNvPr id="31" name="CuadroTexto 30">
+            <a:extLst>
+              <a:ext uri="{FF2B5EF4-FFF2-40B4-BE49-F238E27FC236}">
+                <a16:creationId xmlns:a16="http://schemas.microsoft.com/office/drawing/2014/main" id="{DB8F6B40-FF9B-9820-E05A-4ADFDB1C71EE}"/>
+              </a:ext>
+            </a:extLst>
+          </p:cNvPr>
+          <p:cNvSpPr txBox="1"/>
+          <p:nvPr/>
+        </p:nvSpPr>
+        <p:spPr>
+          <a:xfrm>
+            <a:off x="4309547" y="1369306"/>
+            <a:ext cx="431284" cy="307777"/>
+          </a:xfrm>
+          <a:prstGeom prst="rect">
+            <a:avLst/>
+          </a:prstGeom>
+          <a:noFill/>
+        </p:spPr>
+        <p:txBody>
+          <a:bodyPr wrap="square" rtlCol="0">
+            <a:spAutoFit/>
+          </a:bodyPr>
+          <a:lstStyle/>
+          <a:p>
+            <a:r>
+              <a:rPr lang="es-CL" sz="1400" dirty="0"/>
+              <a:t>(5)</a:t>
+            </a:r>
+          </a:p>
+        </p:txBody>
+      </p:sp>
+      <p:sp>
+        <p:nvSpPr>
+          <p:cNvPr id="32" name="CuadroTexto 31">
+            <a:extLst>
+              <a:ext uri="{FF2B5EF4-FFF2-40B4-BE49-F238E27FC236}">
+                <a16:creationId xmlns:a16="http://schemas.microsoft.com/office/drawing/2014/main" id="{9242A388-6398-0753-D3F4-F60B41C8A20D}"/>
+              </a:ext>
+            </a:extLst>
+          </p:cNvPr>
+          <p:cNvSpPr txBox="1"/>
+          <p:nvPr/>
+        </p:nvSpPr>
+        <p:spPr>
+          <a:xfrm>
+            <a:off x="5409926" y="2334523"/>
+            <a:ext cx="431284" cy="307777"/>
+          </a:xfrm>
+          <a:prstGeom prst="rect">
+            <a:avLst/>
+          </a:prstGeom>
+          <a:noFill/>
+        </p:spPr>
+        <p:txBody>
+          <a:bodyPr wrap="square" rtlCol="0">
+            <a:spAutoFit/>
+          </a:bodyPr>
+          <a:lstStyle/>
+          <a:p>
+            <a:r>
+              <a:rPr lang="es-CL" sz="1400" dirty="0"/>
+              <a:t>(5)</a:t>
+            </a:r>
+          </a:p>
+        </p:txBody>
+      </p:sp>
+      <p:sp>
+        <p:nvSpPr>
+          <p:cNvPr id="33" name="CuadroTexto 32">
+            <a:extLst>
+              <a:ext uri="{FF2B5EF4-FFF2-40B4-BE49-F238E27FC236}">
+                <a16:creationId xmlns:a16="http://schemas.microsoft.com/office/drawing/2014/main" id="{4595F294-0D35-5474-890E-C55CD8CA73F4}"/>
+              </a:ext>
+            </a:extLst>
+          </p:cNvPr>
+          <p:cNvSpPr txBox="1"/>
+          <p:nvPr/>
+        </p:nvSpPr>
+        <p:spPr>
+          <a:xfrm>
+            <a:off x="4146639" y="4097895"/>
+            <a:ext cx="431284" cy="307777"/>
+          </a:xfrm>
+          <a:prstGeom prst="rect">
+            <a:avLst/>
+          </a:prstGeom>
+          <a:noFill/>
+        </p:spPr>
+        <p:txBody>
+          <a:bodyPr wrap="square" rtlCol="0">
+            <a:spAutoFit/>
+          </a:bodyPr>
+          <a:lstStyle/>
+          <a:p>
+            <a:r>
+              <a:rPr lang="es-CL" sz="1400" dirty="0"/>
               <a:t>(5)</a:t>
             </a:r>
           </a:p>
@@ -5315,7 +9819,7 @@
           <a:p>
             <a:r>
               <a:rPr lang="es-CL" sz="1400" dirty="0"/>
-              <a:t>[73, 139]</a:t>
+              <a:t>[73, 152]</a:t>
             </a:r>
           </a:p>
         </p:txBody>
@@ -5350,7 +9854,7 @@
           <a:p>
             <a:r>
               <a:rPr lang="es-CL" sz="1400" dirty="0"/>
-              <a:t>[71, 86]</a:t>
+              <a:t>[40, 50]</a:t>
             </a:r>
           </a:p>
         </p:txBody>
@@ -5385,7 +9889,7 @@
           <a:p>
             <a:r>
               <a:rPr lang="es-CL" sz="1400" dirty="0"/>
-              <a:t>[16,24]</a:t>
+              <a:t>[55, 60]</a:t>
             </a:r>
           </a:p>
         </p:txBody>
@@ -5404,7 +9908,7 @@
         </p:nvSpPr>
         <p:spPr>
           <a:xfrm>
-            <a:off x="4759731" y="1587750"/>
+            <a:off x="5036110" y="1468219"/>
             <a:ext cx="924251" cy="307777"/>
           </a:xfrm>
           <a:prstGeom prst="rect">
@@ -5420,7 +9924,7 @@
           <a:p>
             <a:r>
               <a:rPr lang="es-CL" sz="1400" dirty="0"/>
-              <a:t>[16, 27]</a:t>
+              <a:t>[6, 47]</a:t>
             </a:r>
           </a:p>
         </p:txBody>
@@ -5439,7 +9943,7 @@
         </p:nvSpPr>
         <p:spPr>
           <a:xfrm>
-            <a:off x="5100929" y="3099427"/>
+            <a:off x="5262637" y="2672623"/>
             <a:ext cx="924251" cy="307777"/>
           </a:xfrm>
           <a:prstGeom prst="rect">
@@ -5455,7 +9959,7 @@
           <a:p>
             <a:r>
               <a:rPr lang="es-CL" sz="1400" dirty="0"/>
-              <a:t>[6, 51]</a:t>
+              <a:t>[16, 73]</a:t>
             </a:r>
           </a:p>
         </p:txBody>
@@ -5509,7 +10013,7 @@
         </p:nvSpPr>
         <p:spPr>
           <a:xfrm>
-            <a:off x="4682086" y="522274"/>
+            <a:off x="4490332" y="584599"/>
             <a:ext cx="924251" cy="307777"/>
           </a:xfrm>
           <a:prstGeom prst="rect">
@@ -5525,7 +10029,7 @@
           <a:p>
             <a:r>
               <a:rPr lang="es-CL" sz="1400" dirty="0"/>
-              <a:t>[60, 69]</a:t>
+              <a:t>[60, 82]</a:t>
             </a:r>
           </a:p>
         </p:txBody>
@@ -5560,7 +10064,7 @@
           <a:p>
             <a:r>
               <a:rPr lang="es-CL" sz="1400" dirty="0"/>
-              <a:t>[60, 64]</a:t>
+              <a:t>[50, 72]</a:t>
             </a:r>
           </a:p>
         </p:txBody>
@@ -5568,7 +10072,3814 @@
     </p:spTree>
     <p:extLst>
       <p:ext uri="{BB962C8B-B14F-4D97-AF65-F5344CB8AC3E}">
-        <p14:creationId xmlns:p14="http://schemas.microsoft.com/office/powerpoint/2010/main" val="1412266638"/>
+        <p14:creationId xmlns:p14="http://schemas.microsoft.com/office/powerpoint/2010/main" val="3067415087"/>
+      </p:ext>
+    </p:extLst>
+  </p:cSld>
+  <p:clrMapOvr>
+    <a:masterClrMapping/>
+  </p:clrMapOvr>
+</p:sld>
+</file>
+
+<file path=ppt/slides/slide4.xml><?xml version="1.0" encoding="utf-8"?>
+<p:sld xmlns:a="http://schemas.openxmlformats.org/drawingml/2006/main" xmlns:r="http://schemas.openxmlformats.org/officeDocument/2006/relationships" xmlns:p="http://schemas.openxmlformats.org/presentationml/2006/main">
+  <p:cSld>
+    <p:spTree>
+      <p:nvGrpSpPr>
+        <p:cNvPr id="1" name=""/>
+        <p:cNvGrpSpPr/>
+        <p:nvPr/>
+      </p:nvGrpSpPr>
+      <p:grpSpPr>
+        <a:xfrm>
+          <a:off x="0" y="0"/>
+          <a:ext cx="0" cy="0"/>
+          <a:chOff x="0" y="0"/>
+          <a:chExt cx="0" cy="0"/>
+        </a:xfrm>
+      </p:grpSpPr>
+      <p:grpSp>
+        <p:nvGrpSpPr>
+          <p:cNvPr id="4" name="Grupo 3">
+            <a:extLst>
+              <a:ext uri="{FF2B5EF4-FFF2-40B4-BE49-F238E27FC236}">
+                <a16:creationId xmlns:a16="http://schemas.microsoft.com/office/drawing/2014/main" id="{BFCB1528-D931-C555-EF26-B8140B34043C}"/>
+              </a:ext>
+            </a:extLst>
+          </p:cNvPr>
+          <p:cNvGrpSpPr/>
+          <p:nvPr/>
+        </p:nvGrpSpPr>
+        <p:grpSpPr>
+          <a:xfrm>
+            <a:off x="1447225" y="329809"/>
+            <a:ext cx="4572879" cy="4741056"/>
+            <a:chOff x="5353585" y="1635859"/>
+            <a:chExt cx="1975104" cy="2047742"/>
+          </a:xfrm>
+        </p:grpSpPr>
+        <p:sp>
+          <p:nvSpPr>
+            <p:cNvPr id="5" name="Rectángulo 4">
+              <a:extLst>
+                <a:ext uri="{FF2B5EF4-FFF2-40B4-BE49-F238E27FC236}">
+                  <a16:creationId xmlns:a16="http://schemas.microsoft.com/office/drawing/2014/main" id="{5BCCE7B2-7EA1-DA30-CAA3-912EBC78DEA7}"/>
+                </a:ext>
+              </a:extLst>
+            </p:cNvPr>
+            <p:cNvSpPr/>
+            <p:nvPr/>
+          </p:nvSpPr>
+          <p:spPr>
+            <a:xfrm>
+              <a:off x="5353585" y="1635859"/>
+              <a:ext cx="1975104" cy="2047742"/>
+            </a:xfrm>
+            <a:prstGeom prst="rect">
+              <a:avLst/>
+            </a:prstGeom>
+            <a:solidFill>
+              <a:schemeClr val="bg1">
+                <a:lumMod val="85000"/>
+              </a:schemeClr>
+            </a:solidFill>
+            <a:ln w="19050">
+              <a:solidFill>
+                <a:srgbClr val="992323"/>
+              </a:solidFill>
+            </a:ln>
+          </p:spPr>
+          <p:style>
+            <a:lnRef idx="2">
+              <a:schemeClr val="accent1">
+                <a:shade val="15000"/>
+              </a:schemeClr>
+            </a:lnRef>
+            <a:fillRef idx="1">
+              <a:schemeClr val="accent1"/>
+            </a:fillRef>
+            <a:effectRef idx="0">
+              <a:schemeClr val="accent1"/>
+            </a:effectRef>
+            <a:fontRef idx="minor">
+              <a:schemeClr val="lt1"/>
+            </a:fontRef>
+          </p:style>
+          <p:txBody>
+            <a:bodyPr rtlCol="0" anchor="ctr"/>
+            <a:lstStyle/>
+            <a:p>
+              <a:pPr algn="ctr"/>
+              <a:endParaRPr lang="en-US" dirty="0"/>
+            </a:p>
+          </p:txBody>
+        </p:sp>
+        <p:sp>
+          <p:nvSpPr>
+            <p:cNvPr id="6" name="Elipse 5">
+              <a:extLst>
+                <a:ext uri="{FF2B5EF4-FFF2-40B4-BE49-F238E27FC236}">
+                  <a16:creationId xmlns:a16="http://schemas.microsoft.com/office/drawing/2014/main" id="{D3E62485-7707-B8CC-64C0-6E691A3D8127}"/>
+                </a:ext>
+              </a:extLst>
+            </p:cNvPr>
+            <p:cNvSpPr/>
+            <p:nvPr/>
+          </p:nvSpPr>
+          <p:spPr>
+            <a:xfrm>
+              <a:off x="6098599" y="2381608"/>
+              <a:ext cx="186588" cy="186588"/>
+            </a:xfrm>
+            <a:prstGeom prst="ellipse">
+              <a:avLst/>
+            </a:prstGeom>
+            <a:solidFill>
+              <a:schemeClr val="accent2">
+                <a:lumMod val="75000"/>
+              </a:schemeClr>
+            </a:solidFill>
+            <a:ln w="19050">
+              <a:solidFill>
+                <a:srgbClr val="6B0F16"/>
+              </a:solidFill>
+            </a:ln>
+          </p:spPr>
+          <p:style>
+            <a:lnRef idx="2">
+              <a:schemeClr val="accent1">
+                <a:shade val="15000"/>
+              </a:schemeClr>
+            </a:lnRef>
+            <a:fillRef idx="1">
+              <a:schemeClr val="accent1"/>
+            </a:fillRef>
+            <a:effectRef idx="0">
+              <a:schemeClr val="accent1"/>
+            </a:effectRef>
+            <a:fontRef idx="minor">
+              <a:schemeClr val="lt1"/>
+            </a:fontRef>
+          </p:style>
+          <p:txBody>
+            <a:bodyPr rtlCol="0" anchor="ctr"/>
+            <a:lstStyle/>
+            <a:p>
+              <a:pPr algn="ctr"/>
+              <a:r>
+                <a:rPr lang="en-US" dirty="0">
+                  <a:solidFill>
+                    <a:srgbClr val="404040"/>
+                  </a:solidFill>
+                  <a:cs typeface="Helvetica" panose="020B0604020202020204" pitchFamily="34" charset="0"/>
+                </a:rPr>
+                <a:t>0</a:t>
+              </a:r>
+            </a:p>
+          </p:txBody>
+        </p:sp>
+        <p:sp>
+          <p:nvSpPr>
+            <p:cNvPr id="7" name="Elipse 6">
+              <a:extLst>
+                <a:ext uri="{FF2B5EF4-FFF2-40B4-BE49-F238E27FC236}">
+                  <a16:creationId xmlns:a16="http://schemas.microsoft.com/office/drawing/2014/main" id="{DFCC419E-6712-C460-A84A-8ECD35A9529F}"/>
+                </a:ext>
+              </a:extLst>
+            </p:cNvPr>
+            <p:cNvSpPr/>
+            <p:nvPr/>
+          </p:nvSpPr>
+          <p:spPr>
+            <a:xfrm>
+              <a:off x="5515623" y="2029792"/>
+              <a:ext cx="186588" cy="186588"/>
+            </a:xfrm>
+            <a:prstGeom prst="ellipse">
+              <a:avLst/>
+            </a:prstGeom>
+            <a:solidFill>
+              <a:schemeClr val="lt1"/>
+            </a:solidFill>
+            <a:ln w="19050">
+              <a:solidFill>
+                <a:srgbClr val="6B0F16"/>
+              </a:solidFill>
+            </a:ln>
+          </p:spPr>
+          <p:style>
+            <a:lnRef idx="2">
+              <a:schemeClr val="accent1">
+                <a:shade val="15000"/>
+              </a:schemeClr>
+            </a:lnRef>
+            <a:fillRef idx="1">
+              <a:schemeClr val="accent1"/>
+            </a:fillRef>
+            <a:effectRef idx="0">
+              <a:schemeClr val="accent1"/>
+            </a:effectRef>
+            <a:fontRef idx="minor">
+              <a:schemeClr val="lt1"/>
+            </a:fontRef>
+          </p:style>
+          <p:txBody>
+            <a:bodyPr rtlCol="0" anchor="ctr"/>
+            <a:lstStyle/>
+            <a:p>
+              <a:pPr algn="ctr"/>
+              <a:r>
+                <a:rPr lang="en-US" dirty="0">
+                  <a:solidFill>
+                    <a:srgbClr val="404040"/>
+                  </a:solidFill>
+                  <a:cs typeface="Helvetica" panose="020B0604020202020204" pitchFamily="34" charset="0"/>
+                </a:rPr>
+                <a:t>2</a:t>
+              </a:r>
+            </a:p>
+          </p:txBody>
+        </p:sp>
+        <p:sp>
+          <p:nvSpPr>
+            <p:cNvPr id="8" name="Elipse 7">
+              <a:extLst>
+                <a:ext uri="{FF2B5EF4-FFF2-40B4-BE49-F238E27FC236}">
+                  <a16:creationId xmlns:a16="http://schemas.microsoft.com/office/drawing/2014/main" id="{EA794B46-46A9-C044-C71F-FD8BBED50A23}"/>
+                </a:ext>
+              </a:extLst>
+            </p:cNvPr>
+            <p:cNvSpPr/>
+            <p:nvPr/>
+          </p:nvSpPr>
+          <p:spPr>
+            <a:xfrm>
+              <a:off x="5515623" y="2797794"/>
+              <a:ext cx="186588" cy="186588"/>
+            </a:xfrm>
+            <a:prstGeom prst="ellipse">
+              <a:avLst/>
+            </a:prstGeom>
+            <a:solidFill>
+              <a:schemeClr val="lt1"/>
+            </a:solidFill>
+            <a:ln w="19050">
+              <a:solidFill>
+                <a:srgbClr val="6B0F16"/>
+              </a:solidFill>
+            </a:ln>
+          </p:spPr>
+          <p:style>
+            <a:lnRef idx="2">
+              <a:schemeClr val="accent1">
+                <a:shade val="15000"/>
+              </a:schemeClr>
+            </a:lnRef>
+            <a:fillRef idx="1">
+              <a:schemeClr val="accent1"/>
+            </a:fillRef>
+            <a:effectRef idx="0">
+              <a:schemeClr val="accent1"/>
+            </a:effectRef>
+            <a:fontRef idx="minor">
+              <a:schemeClr val="lt1"/>
+            </a:fontRef>
+          </p:style>
+          <p:txBody>
+            <a:bodyPr rtlCol="0" anchor="ctr"/>
+            <a:lstStyle/>
+            <a:p>
+              <a:pPr algn="ctr"/>
+              <a:r>
+                <a:rPr lang="en-US" dirty="0">
+                  <a:solidFill>
+                    <a:srgbClr val="404040"/>
+                  </a:solidFill>
+                  <a:cs typeface="Helvetica" panose="020B0604020202020204" pitchFamily="34" charset="0"/>
+                </a:rPr>
+                <a:t>3</a:t>
+              </a:r>
+            </a:p>
+          </p:txBody>
+        </p:sp>
+        <p:sp>
+          <p:nvSpPr>
+            <p:cNvPr id="9" name="Elipse 8">
+              <a:extLst>
+                <a:ext uri="{FF2B5EF4-FFF2-40B4-BE49-F238E27FC236}">
+                  <a16:creationId xmlns:a16="http://schemas.microsoft.com/office/drawing/2014/main" id="{9EB369C9-D60F-A1D4-633C-0E44BE48E90B}"/>
+                </a:ext>
+              </a:extLst>
+            </p:cNvPr>
+            <p:cNvSpPr/>
+            <p:nvPr/>
+          </p:nvSpPr>
+          <p:spPr>
+            <a:xfrm>
+              <a:off x="6098599" y="1775716"/>
+              <a:ext cx="186588" cy="186588"/>
+            </a:xfrm>
+            <a:prstGeom prst="ellipse">
+              <a:avLst/>
+            </a:prstGeom>
+            <a:solidFill>
+              <a:schemeClr val="accent2">
+                <a:lumMod val="60000"/>
+                <a:lumOff val="40000"/>
+              </a:schemeClr>
+            </a:solidFill>
+            <a:ln w="19050">
+              <a:solidFill>
+                <a:srgbClr val="6B0F16"/>
+              </a:solidFill>
+            </a:ln>
+          </p:spPr>
+          <p:style>
+            <a:lnRef idx="2">
+              <a:schemeClr val="accent1">
+                <a:shade val="15000"/>
+              </a:schemeClr>
+            </a:lnRef>
+            <a:fillRef idx="1">
+              <a:schemeClr val="accent1"/>
+            </a:fillRef>
+            <a:effectRef idx="0">
+              <a:schemeClr val="accent1"/>
+            </a:effectRef>
+            <a:fontRef idx="minor">
+              <a:schemeClr val="lt1"/>
+            </a:fontRef>
+          </p:style>
+          <p:txBody>
+            <a:bodyPr rtlCol="0" anchor="ctr"/>
+            <a:lstStyle/>
+            <a:p>
+              <a:pPr algn="ctr"/>
+              <a:r>
+                <a:rPr lang="en-US" dirty="0">
+                  <a:solidFill>
+                    <a:srgbClr val="404040"/>
+                  </a:solidFill>
+                  <a:cs typeface="Helvetica" panose="020B0604020202020204" pitchFamily="34" charset="0"/>
+                </a:rPr>
+                <a:t>1</a:t>
+              </a:r>
+            </a:p>
+          </p:txBody>
+        </p:sp>
+        <p:sp>
+          <p:nvSpPr>
+            <p:cNvPr id="10" name="Elipse 9">
+              <a:extLst>
+                <a:ext uri="{FF2B5EF4-FFF2-40B4-BE49-F238E27FC236}">
+                  <a16:creationId xmlns:a16="http://schemas.microsoft.com/office/drawing/2014/main" id="{7FC5DFA4-3752-EEF3-D972-36D7FD02EDE8}"/>
+                </a:ext>
+              </a:extLst>
+            </p:cNvPr>
+            <p:cNvSpPr/>
+            <p:nvPr/>
+          </p:nvSpPr>
+          <p:spPr>
+            <a:xfrm>
+              <a:off x="6722167" y="2137022"/>
+              <a:ext cx="186588" cy="186588"/>
+            </a:xfrm>
+            <a:prstGeom prst="ellipse">
+              <a:avLst/>
+            </a:prstGeom>
+            <a:solidFill>
+              <a:schemeClr val="bg1"/>
+            </a:solidFill>
+            <a:ln w="19050">
+              <a:solidFill>
+                <a:srgbClr val="6B0F16"/>
+              </a:solidFill>
+            </a:ln>
+          </p:spPr>
+          <p:style>
+            <a:lnRef idx="2">
+              <a:schemeClr val="accent1">
+                <a:shade val="15000"/>
+              </a:schemeClr>
+            </a:lnRef>
+            <a:fillRef idx="1">
+              <a:schemeClr val="accent1"/>
+            </a:fillRef>
+            <a:effectRef idx="0">
+              <a:schemeClr val="accent1"/>
+            </a:effectRef>
+            <a:fontRef idx="minor">
+              <a:schemeClr val="lt1"/>
+            </a:fontRef>
+          </p:style>
+          <p:txBody>
+            <a:bodyPr rtlCol="0" anchor="ctr"/>
+            <a:lstStyle/>
+            <a:p>
+              <a:pPr algn="ctr"/>
+              <a:r>
+                <a:rPr lang="en-US" dirty="0">
+                  <a:solidFill>
+                    <a:srgbClr val="404040"/>
+                  </a:solidFill>
+                  <a:cs typeface="Helvetica" panose="020B0604020202020204" pitchFamily="34" charset="0"/>
+                </a:rPr>
+                <a:t>5</a:t>
+              </a:r>
+            </a:p>
+          </p:txBody>
+        </p:sp>
+        <p:sp>
+          <p:nvSpPr>
+            <p:cNvPr id="11" name="Elipse 10">
+              <a:extLst>
+                <a:ext uri="{FF2B5EF4-FFF2-40B4-BE49-F238E27FC236}">
+                  <a16:creationId xmlns:a16="http://schemas.microsoft.com/office/drawing/2014/main" id="{36BEA484-5230-9CFE-D537-A75A2055F297}"/>
+                </a:ext>
+              </a:extLst>
+            </p:cNvPr>
+            <p:cNvSpPr/>
+            <p:nvPr/>
+          </p:nvSpPr>
+          <p:spPr>
+            <a:xfrm>
+              <a:off x="6125946" y="2843500"/>
+              <a:ext cx="186588" cy="186588"/>
+            </a:xfrm>
+            <a:prstGeom prst="ellipse">
+              <a:avLst/>
+            </a:prstGeom>
+            <a:solidFill>
+              <a:schemeClr val="accent2">
+                <a:lumMod val="60000"/>
+                <a:lumOff val="40000"/>
+              </a:schemeClr>
+            </a:solidFill>
+            <a:ln w="19050">
+              <a:solidFill>
+                <a:srgbClr val="6B0F16"/>
+              </a:solidFill>
+            </a:ln>
+          </p:spPr>
+          <p:style>
+            <a:lnRef idx="2">
+              <a:schemeClr val="accent1">
+                <a:shade val="15000"/>
+              </a:schemeClr>
+            </a:lnRef>
+            <a:fillRef idx="1">
+              <a:schemeClr val="accent1"/>
+            </a:fillRef>
+            <a:effectRef idx="0">
+              <a:schemeClr val="accent1"/>
+            </a:effectRef>
+            <a:fontRef idx="minor">
+              <a:schemeClr val="lt1"/>
+            </a:fontRef>
+          </p:style>
+          <p:txBody>
+            <a:bodyPr rtlCol="0" anchor="ctr"/>
+            <a:lstStyle/>
+            <a:p>
+              <a:pPr algn="ctr"/>
+              <a:r>
+                <a:rPr lang="en-US" dirty="0">
+                  <a:solidFill>
+                    <a:srgbClr val="404040"/>
+                  </a:solidFill>
+                  <a:cs typeface="Helvetica" panose="020B0604020202020204" pitchFamily="34" charset="0"/>
+                </a:rPr>
+                <a:t>4</a:t>
+              </a:r>
+            </a:p>
+          </p:txBody>
+        </p:sp>
+        <p:sp>
+          <p:nvSpPr>
+            <p:cNvPr id="12" name="Elipse 11">
+              <a:extLst>
+                <a:ext uri="{FF2B5EF4-FFF2-40B4-BE49-F238E27FC236}">
+                  <a16:creationId xmlns:a16="http://schemas.microsoft.com/office/drawing/2014/main" id="{EDF392AC-9DB4-FEAD-8375-F2434F538CB7}"/>
+                </a:ext>
+              </a:extLst>
+            </p:cNvPr>
+            <p:cNvSpPr/>
+            <p:nvPr/>
+          </p:nvSpPr>
+          <p:spPr>
+            <a:xfrm>
+              <a:off x="6879920" y="2488497"/>
+              <a:ext cx="186588" cy="186588"/>
+            </a:xfrm>
+            <a:prstGeom prst="ellipse">
+              <a:avLst/>
+            </a:prstGeom>
+            <a:solidFill>
+              <a:schemeClr val="lt1"/>
+            </a:solidFill>
+            <a:ln w="19050">
+              <a:solidFill>
+                <a:srgbClr val="6B0F16"/>
+              </a:solidFill>
+            </a:ln>
+          </p:spPr>
+          <p:style>
+            <a:lnRef idx="2">
+              <a:schemeClr val="accent1">
+                <a:shade val="15000"/>
+              </a:schemeClr>
+            </a:lnRef>
+            <a:fillRef idx="1">
+              <a:schemeClr val="accent1"/>
+            </a:fillRef>
+            <a:effectRef idx="0">
+              <a:schemeClr val="accent1"/>
+            </a:effectRef>
+            <a:fontRef idx="minor">
+              <a:schemeClr val="lt1"/>
+            </a:fontRef>
+          </p:style>
+          <p:txBody>
+            <a:bodyPr rtlCol="0" anchor="ctr"/>
+            <a:lstStyle/>
+            <a:p>
+              <a:pPr algn="ctr"/>
+              <a:r>
+                <a:rPr lang="en-US" dirty="0">
+                  <a:solidFill>
+                    <a:srgbClr val="404040"/>
+                  </a:solidFill>
+                  <a:cs typeface="Helvetica" panose="020B0604020202020204" pitchFamily="34" charset="0"/>
+                </a:rPr>
+                <a:t>6</a:t>
+              </a:r>
+            </a:p>
+          </p:txBody>
+        </p:sp>
+        <p:sp>
+          <p:nvSpPr>
+            <p:cNvPr id="13" name="Elipse 12">
+              <a:extLst>
+                <a:ext uri="{FF2B5EF4-FFF2-40B4-BE49-F238E27FC236}">
+                  <a16:creationId xmlns:a16="http://schemas.microsoft.com/office/drawing/2014/main" id="{7C215D58-F947-3253-05A7-2DD506164680}"/>
+                </a:ext>
+              </a:extLst>
+            </p:cNvPr>
+            <p:cNvSpPr/>
+            <p:nvPr/>
+          </p:nvSpPr>
+          <p:spPr>
+            <a:xfrm>
+              <a:off x="5708455" y="3257653"/>
+              <a:ext cx="186588" cy="186588"/>
+            </a:xfrm>
+            <a:prstGeom prst="ellipse">
+              <a:avLst/>
+            </a:prstGeom>
+            <a:solidFill>
+              <a:schemeClr val="lt1"/>
+            </a:solidFill>
+            <a:ln w="19050">
+              <a:solidFill>
+                <a:srgbClr val="6B0F16"/>
+              </a:solidFill>
+            </a:ln>
+          </p:spPr>
+          <p:style>
+            <a:lnRef idx="2">
+              <a:schemeClr val="accent1">
+                <a:shade val="15000"/>
+              </a:schemeClr>
+            </a:lnRef>
+            <a:fillRef idx="1">
+              <a:schemeClr val="accent1"/>
+            </a:fillRef>
+            <a:effectRef idx="0">
+              <a:schemeClr val="accent1"/>
+            </a:effectRef>
+            <a:fontRef idx="minor">
+              <a:schemeClr val="lt1"/>
+            </a:fontRef>
+          </p:style>
+          <p:txBody>
+            <a:bodyPr rtlCol="0" anchor="ctr"/>
+            <a:lstStyle/>
+            <a:p>
+              <a:pPr algn="ctr"/>
+              <a:r>
+                <a:rPr lang="en-US" dirty="0">
+                  <a:solidFill>
+                    <a:srgbClr val="404040"/>
+                  </a:solidFill>
+                  <a:cs typeface="Helvetica" panose="020B0604020202020204" pitchFamily="34" charset="0"/>
+                </a:rPr>
+                <a:t>7</a:t>
+              </a:r>
+            </a:p>
+          </p:txBody>
+        </p:sp>
+        <p:sp>
+          <p:nvSpPr>
+            <p:cNvPr id="14" name="Elipse 13">
+              <a:extLst>
+                <a:ext uri="{FF2B5EF4-FFF2-40B4-BE49-F238E27FC236}">
+                  <a16:creationId xmlns:a16="http://schemas.microsoft.com/office/drawing/2014/main" id="{EFF11025-28CA-9579-16F6-D31A130C1295}"/>
+                </a:ext>
+              </a:extLst>
+            </p:cNvPr>
+            <p:cNvSpPr/>
+            <p:nvPr/>
+          </p:nvSpPr>
+          <p:spPr>
+            <a:xfrm>
+              <a:off x="6484589" y="1729742"/>
+              <a:ext cx="186588" cy="186588"/>
+            </a:xfrm>
+            <a:prstGeom prst="ellipse">
+              <a:avLst/>
+            </a:prstGeom>
+            <a:solidFill>
+              <a:schemeClr val="lt1"/>
+            </a:solidFill>
+            <a:ln w="19050">
+              <a:solidFill>
+                <a:srgbClr val="6B0F16"/>
+              </a:solidFill>
+            </a:ln>
+          </p:spPr>
+          <p:style>
+            <a:lnRef idx="2">
+              <a:schemeClr val="accent1">
+                <a:shade val="15000"/>
+              </a:schemeClr>
+            </a:lnRef>
+            <a:fillRef idx="1">
+              <a:schemeClr val="accent1"/>
+            </a:fillRef>
+            <a:effectRef idx="0">
+              <a:schemeClr val="accent1"/>
+            </a:effectRef>
+            <a:fontRef idx="minor">
+              <a:schemeClr val="lt1"/>
+            </a:fontRef>
+          </p:style>
+          <p:txBody>
+            <a:bodyPr rtlCol="0" anchor="ctr"/>
+            <a:lstStyle/>
+            <a:p>
+              <a:pPr algn="ctr"/>
+              <a:r>
+                <a:rPr lang="es-CL" dirty="0">
+                  <a:solidFill>
+                    <a:srgbClr val="404040"/>
+                  </a:solidFill>
+                  <a:cs typeface="Helvetica" panose="020B0604020202020204" pitchFamily="34" charset="0"/>
+                </a:rPr>
+                <a:t>8</a:t>
+              </a:r>
+              <a:endParaRPr lang="en-US" dirty="0">
+                <a:solidFill>
+                  <a:srgbClr val="404040"/>
+                </a:solidFill>
+                <a:cs typeface="Helvetica" panose="020B0604020202020204" pitchFamily="34" charset="0"/>
+              </a:endParaRPr>
+            </a:p>
+          </p:txBody>
+        </p:sp>
+        <p:sp>
+          <p:nvSpPr>
+            <p:cNvPr id="15" name="Elipse 14">
+              <a:extLst>
+                <a:ext uri="{FF2B5EF4-FFF2-40B4-BE49-F238E27FC236}">
+                  <a16:creationId xmlns:a16="http://schemas.microsoft.com/office/drawing/2014/main" id="{2D1318C5-DF6E-088E-3F5A-B77E9FFEF4F3}"/>
+                </a:ext>
+              </a:extLst>
+            </p:cNvPr>
+            <p:cNvSpPr/>
+            <p:nvPr/>
+          </p:nvSpPr>
+          <p:spPr>
+            <a:xfrm>
+              <a:off x="6344422" y="3237326"/>
+              <a:ext cx="186588" cy="186588"/>
+            </a:xfrm>
+            <a:prstGeom prst="ellipse">
+              <a:avLst/>
+            </a:prstGeom>
+            <a:solidFill>
+              <a:schemeClr val="lt1"/>
+            </a:solidFill>
+            <a:ln w="19050">
+              <a:solidFill>
+                <a:srgbClr val="6B0F16"/>
+              </a:solidFill>
+            </a:ln>
+          </p:spPr>
+          <p:style>
+            <a:lnRef idx="2">
+              <a:schemeClr val="accent1">
+                <a:shade val="15000"/>
+              </a:schemeClr>
+            </a:lnRef>
+            <a:fillRef idx="1">
+              <a:schemeClr val="accent1"/>
+            </a:fillRef>
+            <a:effectRef idx="0">
+              <a:schemeClr val="accent1"/>
+            </a:effectRef>
+            <a:fontRef idx="minor">
+              <a:schemeClr val="lt1"/>
+            </a:fontRef>
+          </p:style>
+          <p:txBody>
+            <a:bodyPr rtlCol="0" anchor="ctr"/>
+            <a:lstStyle/>
+            <a:p>
+              <a:pPr algn="ctr"/>
+              <a:r>
+                <a:rPr lang="es-CL" dirty="0">
+                  <a:solidFill>
+                    <a:srgbClr val="404040"/>
+                  </a:solidFill>
+                  <a:cs typeface="Helvetica" panose="020B0604020202020204" pitchFamily="34" charset="0"/>
+                </a:rPr>
+                <a:t>9</a:t>
+              </a:r>
+              <a:endParaRPr lang="en-US" dirty="0">
+                <a:solidFill>
+                  <a:srgbClr val="404040"/>
+                </a:solidFill>
+                <a:cs typeface="Helvetica" panose="020B0604020202020204" pitchFamily="34" charset="0"/>
+              </a:endParaRPr>
+            </a:p>
+          </p:txBody>
+        </p:sp>
+        <p:cxnSp>
+          <p:nvCxnSpPr>
+            <p:cNvPr id="16" name="Conector recto de flecha 15">
+              <a:extLst>
+                <a:ext uri="{FF2B5EF4-FFF2-40B4-BE49-F238E27FC236}">
+                  <a16:creationId xmlns:a16="http://schemas.microsoft.com/office/drawing/2014/main" id="{89A53785-2704-4DD8-7FCD-9937F1F56DCC}"/>
+                </a:ext>
+              </a:extLst>
+            </p:cNvPr>
+            <p:cNvCxnSpPr>
+              <a:cxnSpLocks/>
+              <a:stCxn id="6" idx="0"/>
+              <a:endCxn id="9" idx="4"/>
+            </p:cNvCxnSpPr>
+            <p:nvPr/>
+          </p:nvCxnSpPr>
+          <p:spPr>
+            <a:xfrm flipV="1">
+              <a:off x="6191893" y="1962304"/>
+              <a:ext cx="0" cy="419304"/>
+            </a:xfrm>
+            <a:prstGeom prst="straightConnector1">
+              <a:avLst/>
+            </a:prstGeom>
+            <a:ln>
+              <a:tailEnd type="triangle"/>
+            </a:ln>
+          </p:spPr>
+          <p:style>
+            <a:lnRef idx="1">
+              <a:schemeClr val="dk1"/>
+            </a:lnRef>
+            <a:fillRef idx="0">
+              <a:schemeClr val="dk1"/>
+            </a:fillRef>
+            <a:effectRef idx="0">
+              <a:schemeClr val="dk1"/>
+            </a:effectRef>
+            <a:fontRef idx="minor">
+              <a:schemeClr val="tx1"/>
+            </a:fontRef>
+          </p:style>
+        </p:cxnSp>
+        <p:cxnSp>
+          <p:nvCxnSpPr>
+            <p:cNvPr id="17" name="Conector recto de flecha 16">
+              <a:extLst>
+                <a:ext uri="{FF2B5EF4-FFF2-40B4-BE49-F238E27FC236}">
+                  <a16:creationId xmlns:a16="http://schemas.microsoft.com/office/drawing/2014/main" id="{C95CA2FD-AA35-358C-D758-ADF719819B95}"/>
+                </a:ext>
+              </a:extLst>
+            </p:cNvPr>
+            <p:cNvCxnSpPr>
+              <a:cxnSpLocks/>
+              <a:stCxn id="9" idx="2"/>
+              <a:endCxn id="7" idx="7"/>
+            </p:cNvCxnSpPr>
+            <p:nvPr/>
+          </p:nvCxnSpPr>
+          <p:spPr>
+            <a:xfrm flipH="1">
+              <a:off x="5674886" y="1869010"/>
+              <a:ext cx="423713" cy="188107"/>
+            </a:xfrm>
+            <a:prstGeom prst="straightConnector1">
+              <a:avLst/>
+            </a:prstGeom>
+            <a:ln>
+              <a:tailEnd type="triangle"/>
+            </a:ln>
+          </p:spPr>
+          <p:style>
+            <a:lnRef idx="1">
+              <a:schemeClr val="dk1"/>
+            </a:lnRef>
+            <a:fillRef idx="0">
+              <a:schemeClr val="dk1"/>
+            </a:fillRef>
+            <a:effectRef idx="0">
+              <a:schemeClr val="dk1"/>
+            </a:effectRef>
+            <a:fontRef idx="minor">
+              <a:schemeClr val="tx1"/>
+            </a:fontRef>
+          </p:style>
+        </p:cxnSp>
+        <p:cxnSp>
+          <p:nvCxnSpPr>
+            <p:cNvPr id="18" name="Conector recto de flecha 17">
+              <a:extLst>
+                <a:ext uri="{FF2B5EF4-FFF2-40B4-BE49-F238E27FC236}">
+                  <a16:creationId xmlns:a16="http://schemas.microsoft.com/office/drawing/2014/main" id="{19B844CF-2F67-B0E2-90D9-495A25EE574B}"/>
+                </a:ext>
+              </a:extLst>
+            </p:cNvPr>
+            <p:cNvCxnSpPr>
+              <a:cxnSpLocks/>
+              <a:stCxn id="14" idx="5"/>
+              <a:endCxn id="10" idx="0"/>
+            </p:cNvCxnSpPr>
+            <p:nvPr/>
+          </p:nvCxnSpPr>
+          <p:spPr>
+            <a:xfrm>
+              <a:off x="6643852" y="1889005"/>
+              <a:ext cx="171609" cy="248017"/>
+            </a:xfrm>
+            <a:prstGeom prst="straightConnector1">
+              <a:avLst/>
+            </a:prstGeom>
+            <a:ln>
+              <a:tailEnd type="triangle"/>
+            </a:ln>
+          </p:spPr>
+          <p:style>
+            <a:lnRef idx="1">
+              <a:schemeClr val="dk1"/>
+            </a:lnRef>
+            <a:fillRef idx="0">
+              <a:schemeClr val="dk1"/>
+            </a:fillRef>
+            <a:effectRef idx="0">
+              <a:schemeClr val="dk1"/>
+            </a:effectRef>
+            <a:fontRef idx="minor">
+              <a:schemeClr val="tx1"/>
+            </a:fontRef>
+          </p:style>
+        </p:cxnSp>
+        <p:cxnSp>
+          <p:nvCxnSpPr>
+            <p:cNvPr id="19" name="Conector recto de flecha 18">
+              <a:extLst>
+                <a:ext uri="{FF2B5EF4-FFF2-40B4-BE49-F238E27FC236}">
+                  <a16:creationId xmlns:a16="http://schemas.microsoft.com/office/drawing/2014/main" id="{61709A5C-359D-E0A1-8544-C1E900956057}"/>
+                </a:ext>
+              </a:extLst>
+            </p:cNvPr>
+            <p:cNvCxnSpPr>
+              <a:cxnSpLocks/>
+              <a:stCxn id="11" idx="5"/>
+              <a:endCxn id="15" idx="0"/>
+            </p:cNvCxnSpPr>
+            <p:nvPr/>
+          </p:nvCxnSpPr>
+          <p:spPr>
+            <a:xfrm>
+              <a:off x="6285209" y="3002763"/>
+              <a:ext cx="152507" cy="234563"/>
+            </a:xfrm>
+            <a:prstGeom prst="straightConnector1">
+              <a:avLst/>
+            </a:prstGeom>
+            <a:ln>
+              <a:solidFill>
+                <a:schemeClr val="tx1"/>
+              </a:solidFill>
+              <a:prstDash val="solid"/>
+              <a:tailEnd type="triangle"/>
+            </a:ln>
+          </p:spPr>
+          <p:style>
+            <a:lnRef idx="1">
+              <a:schemeClr val="dk1"/>
+            </a:lnRef>
+            <a:fillRef idx="0">
+              <a:schemeClr val="dk1"/>
+            </a:fillRef>
+            <a:effectRef idx="0">
+              <a:schemeClr val="dk1"/>
+            </a:effectRef>
+            <a:fontRef idx="minor">
+              <a:schemeClr val="tx1"/>
+            </a:fontRef>
+          </p:style>
+        </p:cxnSp>
+        <p:cxnSp>
+          <p:nvCxnSpPr>
+            <p:cNvPr id="20" name="Conector recto de flecha 19">
+              <a:extLst>
+                <a:ext uri="{FF2B5EF4-FFF2-40B4-BE49-F238E27FC236}">
+                  <a16:creationId xmlns:a16="http://schemas.microsoft.com/office/drawing/2014/main" id="{2FF1A697-11C1-3B80-CAC9-EAF00BA54A20}"/>
+                </a:ext>
+              </a:extLst>
+            </p:cNvPr>
+            <p:cNvCxnSpPr>
+              <a:cxnSpLocks/>
+              <a:stCxn id="6" idx="4"/>
+              <a:endCxn id="11" idx="0"/>
+            </p:cNvCxnSpPr>
+            <p:nvPr/>
+          </p:nvCxnSpPr>
+          <p:spPr>
+            <a:xfrm>
+              <a:off x="6191893" y="2568196"/>
+              <a:ext cx="27347" cy="275304"/>
+            </a:xfrm>
+            <a:prstGeom prst="straightConnector1">
+              <a:avLst/>
+            </a:prstGeom>
+            <a:ln>
+              <a:tailEnd type="triangle"/>
+            </a:ln>
+          </p:spPr>
+          <p:style>
+            <a:lnRef idx="1">
+              <a:schemeClr val="dk1"/>
+            </a:lnRef>
+            <a:fillRef idx="0">
+              <a:schemeClr val="dk1"/>
+            </a:fillRef>
+            <a:effectRef idx="0">
+              <a:schemeClr val="dk1"/>
+            </a:effectRef>
+            <a:fontRef idx="minor">
+              <a:schemeClr val="tx1"/>
+            </a:fontRef>
+          </p:style>
+        </p:cxnSp>
+        <p:cxnSp>
+          <p:nvCxnSpPr>
+            <p:cNvPr id="21" name="Conector recto de flecha 20">
+              <a:extLst>
+                <a:ext uri="{FF2B5EF4-FFF2-40B4-BE49-F238E27FC236}">
+                  <a16:creationId xmlns:a16="http://schemas.microsoft.com/office/drawing/2014/main" id="{F44D8C10-13F8-E4CE-8CFF-8940E8000894}"/>
+                </a:ext>
+              </a:extLst>
+            </p:cNvPr>
+            <p:cNvCxnSpPr>
+              <a:cxnSpLocks/>
+              <a:stCxn id="11" idx="2"/>
+              <a:endCxn id="8" idx="6"/>
+            </p:cNvCxnSpPr>
+            <p:nvPr/>
+          </p:nvCxnSpPr>
+          <p:spPr>
+            <a:xfrm flipH="1" flipV="1">
+              <a:off x="5702211" y="2891088"/>
+              <a:ext cx="423735" cy="45706"/>
+            </a:xfrm>
+            <a:prstGeom prst="straightConnector1">
+              <a:avLst/>
+            </a:prstGeom>
+            <a:ln>
+              <a:tailEnd type="triangle"/>
+            </a:ln>
+          </p:spPr>
+          <p:style>
+            <a:lnRef idx="1">
+              <a:schemeClr val="dk1"/>
+            </a:lnRef>
+            <a:fillRef idx="0">
+              <a:schemeClr val="dk1"/>
+            </a:fillRef>
+            <a:effectRef idx="0">
+              <a:schemeClr val="dk1"/>
+            </a:effectRef>
+            <a:fontRef idx="minor">
+              <a:schemeClr val="tx1"/>
+            </a:fontRef>
+          </p:style>
+        </p:cxnSp>
+        <p:cxnSp>
+          <p:nvCxnSpPr>
+            <p:cNvPr id="23" name="Conector recto de flecha 22">
+              <a:extLst>
+                <a:ext uri="{FF2B5EF4-FFF2-40B4-BE49-F238E27FC236}">
+                  <a16:creationId xmlns:a16="http://schemas.microsoft.com/office/drawing/2014/main" id="{83817215-09AD-0B4B-AC5D-322244C8DCE5}"/>
+                </a:ext>
+              </a:extLst>
+            </p:cNvPr>
+            <p:cNvCxnSpPr>
+              <a:cxnSpLocks/>
+              <a:endCxn id="14" idx="2"/>
+            </p:cNvCxnSpPr>
+            <p:nvPr/>
+          </p:nvCxnSpPr>
+          <p:spPr>
+            <a:xfrm flipV="1">
+              <a:off x="6219240" y="1823036"/>
+              <a:ext cx="265349" cy="24177"/>
+            </a:xfrm>
+            <a:prstGeom prst="straightConnector1">
+              <a:avLst/>
+            </a:prstGeom>
+            <a:ln>
+              <a:solidFill>
+                <a:schemeClr val="tx1"/>
+              </a:solidFill>
+              <a:prstDash val="solid"/>
+              <a:tailEnd type="triangle"/>
+            </a:ln>
+          </p:spPr>
+          <p:style>
+            <a:lnRef idx="1">
+              <a:schemeClr val="dk1"/>
+            </a:lnRef>
+            <a:fillRef idx="0">
+              <a:schemeClr val="dk1"/>
+            </a:fillRef>
+            <a:effectRef idx="0">
+              <a:schemeClr val="dk1"/>
+            </a:effectRef>
+            <a:fontRef idx="minor">
+              <a:schemeClr val="tx1"/>
+            </a:fontRef>
+          </p:style>
+        </p:cxnSp>
+        <p:cxnSp>
+          <p:nvCxnSpPr>
+            <p:cNvPr id="22" name="Conector recto de flecha 21">
+              <a:extLst>
+                <a:ext uri="{FF2B5EF4-FFF2-40B4-BE49-F238E27FC236}">
+                  <a16:creationId xmlns:a16="http://schemas.microsoft.com/office/drawing/2014/main" id="{4AEABD32-DB08-1546-E64E-2F4138AEF88E}"/>
+                </a:ext>
+              </a:extLst>
+            </p:cNvPr>
+            <p:cNvCxnSpPr>
+              <a:cxnSpLocks/>
+              <a:stCxn id="11" idx="3"/>
+              <a:endCxn id="13" idx="7"/>
+            </p:cNvCxnSpPr>
+            <p:nvPr/>
+          </p:nvCxnSpPr>
+          <p:spPr>
+            <a:xfrm flipH="1">
+              <a:off x="5867718" y="3002763"/>
+              <a:ext cx="285553" cy="282215"/>
+            </a:xfrm>
+            <a:prstGeom prst="straightConnector1">
+              <a:avLst/>
+            </a:prstGeom>
+            <a:ln>
+              <a:tailEnd type="triangle"/>
+            </a:ln>
+          </p:spPr>
+          <p:style>
+            <a:lnRef idx="1">
+              <a:schemeClr val="dk1"/>
+            </a:lnRef>
+            <a:fillRef idx="0">
+              <a:schemeClr val="dk1"/>
+            </a:fillRef>
+            <a:effectRef idx="0">
+              <a:schemeClr val="dk1"/>
+            </a:effectRef>
+            <a:fontRef idx="minor">
+              <a:schemeClr val="tx1"/>
+            </a:fontRef>
+          </p:style>
+        </p:cxnSp>
+        <p:cxnSp>
+          <p:nvCxnSpPr>
+            <p:cNvPr id="24" name="Conector recto de flecha 23">
+              <a:extLst>
+                <a:ext uri="{FF2B5EF4-FFF2-40B4-BE49-F238E27FC236}">
+                  <a16:creationId xmlns:a16="http://schemas.microsoft.com/office/drawing/2014/main" id="{5CB5DF89-8E22-6039-8A00-AF31557B6567}"/>
+                </a:ext>
+              </a:extLst>
+            </p:cNvPr>
+            <p:cNvCxnSpPr>
+              <a:cxnSpLocks/>
+              <a:stCxn id="10" idx="5"/>
+              <a:endCxn id="12" idx="0"/>
+            </p:cNvCxnSpPr>
+            <p:nvPr/>
+          </p:nvCxnSpPr>
+          <p:spPr>
+            <a:xfrm>
+              <a:off x="6881430" y="2296285"/>
+              <a:ext cx="91785" cy="192212"/>
+            </a:xfrm>
+            <a:prstGeom prst="straightConnector1">
+              <a:avLst/>
+            </a:prstGeom>
+            <a:ln>
+              <a:tailEnd type="triangle"/>
+            </a:ln>
+          </p:spPr>
+          <p:style>
+            <a:lnRef idx="1">
+              <a:schemeClr val="dk1"/>
+            </a:lnRef>
+            <a:fillRef idx="0">
+              <a:schemeClr val="dk1"/>
+            </a:fillRef>
+            <a:effectRef idx="0">
+              <a:schemeClr val="dk1"/>
+            </a:effectRef>
+            <a:fontRef idx="minor">
+              <a:schemeClr val="tx1"/>
+            </a:fontRef>
+          </p:style>
+        </p:cxnSp>
+      </p:grpSp>
+      <p:sp>
+        <p:nvSpPr>
+          <p:cNvPr id="41" name="Elipse 40">
+            <a:extLst>
+              <a:ext uri="{FF2B5EF4-FFF2-40B4-BE49-F238E27FC236}">
+                <a16:creationId xmlns:a16="http://schemas.microsoft.com/office/drawing/2014/main" id="{9C238ED8-FE98-9600-668C-F1975A2CADBD}"/>
+              </a:ext>
+            </a:extLst>
+          </p:cNvPr>
+          <p:cNvSpPr/>
+          <p:nvPr/>
+        </p:nvSpPr>
+        <p:spPr>
+          <a:xfrm>
+            <a:off x="3172126" y="656088"/>
+            <a:ext cx="432000" cy="432000"/>
+          </a:xfrm>
+          <a:prstGeom prst="ellipse">
+            <a:avLst/>
+          </a:prstGeom>
+          <a:solidFill>
+            <a:schemeClr val="accent2">
+              <a:lumMod val="60000"/>
+              <a:lumOff val="40000"/>
+            </a:schemeClr>
+          </a:solidFill>
+          <a:ln w="19050">
+            <a:solidFill>
+              <a:srgbClr val="6B0F16"/>
+            </a:solidFill>
+          </a:ln>
+        </p:spPr>
+        <p:style>
+          <a:lnRef idx="2">
+            <a:schemeClr val="accent1">
+              <a:shade val="15000"/>
+            </a:schemeClr>
+          </a:lnRef>
+          <a:fillRef idx="1">
+            <a:schemeClr val="accent1"/>
+          </a:fillRef>
+          <a:effectRef idx="0">
+            <a:schemeClr val="accent1"/>
+          </a:effectRef>
+          <a:fontRef idx="minor">
+            <a:schemeClr val="lt1"/>
+          </a:fontRef>
+        </p:style>
+        <p:txBody>
+          <a:bodyPr rtlCol="0" anchor="ctr"/>
+          <a:lstStyle/>
+          <a:p>
+            <a:pPr algn="ctr"/>
+            <a:r>
+              <a:rPr lang="en-US" dirty="0">
+                <a:solidFill>
+                  <a:srgbClr val="404040"/>
+                </a:solidFill>
+                <a:cs typeface="Helvetica" panose="020B0604020202020204" pitchFamily="34" charset="0"/>
+              </a:rPr>
+              <a:t>1</a:t>
+            </a:r>
+          </a:p>
+        </p:txBody>
+      </p:sp>
+    </p:spTree>
+    <p:extLst>
+      <p:ext uri="{BB962C8B-B14F-4D97-AF65-F5344CB8AC3E}">
+        <p14:creationId xmlns:p14="http://schemas.microsoft.com/office/powerpoint/2010/main" val="3686774881"/>
+      </p:ext>
+    </p:extLst>
+  </p:cSld>
+  <p:clrMapOvr>
+    <a:masterClrMapping/>
+  </p:clrMapOvr>
+</p:sld>
+</file>
+
+<file path=ppt/slides/slide5.xml><?xml version="1.0" encoding="utf-8"?>
+<p:sld xmlns:a="http://schemas.openxmlformats.org/drawingml/2006/main" xmlns:r="http://schemas.openxmlformats.org/officeDocument/2006/relationships" xmlns:p="http://schemas.openxmlformats.org/presentationml/2006/main">
+  <p:cSld>
+    <p:spTree>
+      <p:nvGrpSpPr>
+        <p:cNvPr id="1" name=""/>
+        <p:cNvGrpSpPr/>
+        <p:nvPr/>
+      </p:nvGrpSpPr>
+      <p:grpSpPr>
+        <a:xfrm>
+          <a:off x="0" y="0"/>
+          <a:ext cx="0" cy="0"/>
+          <a:chOff x="0" y="0"/>
+          <a:chExt cx="0" cy="0"/>
+        </a:xfrm>
+      </p:grpSpPr>
+      <p:grpSp>
+        <p:nvGrpSpPr>
+          <p:cNvPr id="4" name="Grupo 3">
+            <a:extLst>
+              <a:ext uri="{FF2B5EF4-FFF2-40B4-BE49-F238E27FC236}">
+                <a16:creationId xmlns:a16="http://schemas.microsoft.com/office/drawing/2014/main" id="{BFCB1528-D931-C555-EF26-B8140B34043C}"/>
+              </a:ext>
+            </a:extLst>
+          </p:cNvPr>
+          <p:cNvGrpSpPr/>
+          <p:nvPr/>
+        </p:nvGrpSpPr>
+        <p:grpSpPr>
+          <a:xfrm>
+            <a:off x="1447225" y="329809"/>
+            <a:ext cx="4572879" cy="4741056"/>
+            <a:chOff x="5353585" y="1635859"/>
+            <a:chExt cx="1975104" cy="2047742"/>
+          </a:xfrm>
+        </p:grpSpPr>
+        <p:sp>
+          <p:nvSpPr>
+            <p:cNvPr id="5" name="Rectángulo 4">
+              <a:extLst>
+                <a:ext uri="{FF2B5EF4-FFF2-40B4-BE49-F238E27FC236}">
+                  <a16:creationId xmlns:a16="http://schemas.microsoft.com/office/drawing/2014/main" id="{5BCCE7B2-7EA1-DA30-CAA3-912EBC78DEA7}"/>
+                </a:ext>
+              </a:extLst>
+            </p:cNvPr>
+            <p:cNvSpPr/>
+            <p:nvPr/>
+          </p:nvSpPr>
+          <p:spPr>
+            <a:xfrm>
+              <a:off x="5353585" y="1635859"/>
+              <a:ext cx="1975104" cy="2047742"/>
+            </a:xfrm>
+            <a:prstGeom prst="rect">
+              <a:avLst/>
+            </a:prstGeom>
+            <a:solidFill>
+              <a:schemeClr val="bg1">
+                <a:lumMod val="85000"/>
+              </a:schemeClr>
+            </a:solidFill>
+            <a:ln w="19050">
+              <a:solidFill>
+                <a:srgbClr val="992323"/>
+              </a:solidFill>
+            </a:ln>
+          </p:spPr>
+          <p:style>
+            <a:lnRef idx="2">
+              <a:schemeClr val="accent1">
+                <a:shade val="15000"/>
+              </a:schemeClr>
+            </a:lnRef>
+            <a:fillRef idx="1">
+              <a:schemeClr val="accent1"/>
+            </a:fillRef>
+            <a:effectRef idx="0">
+              <a:schemeClr val="accent1"/>
+            </a:effectRef>
+            <a:fontRef idx="minor">
+              <a:schemeClr val="lt1"/>
+            </a:fontRef>
+          </p:style>
+          <p:txBody>
+            <a:bodyPr rtlCol="0" anchor="ctr"/>
+            <a:lstStyle/>
+            <a:p>
+              <a:pPr algn="ctr"/>
+              <a:endParaRPr lang="en-US" dirty="0"/>
+            </a:p>
+          </p:txBody>
+        </p:sp>
+        <p:sp>
+          <p:nvSpPr>
+            <p:cNvPr id="6" name="Elipse 5">
+              <a:extLst>
+                <a:ext uri="{FF2B5EF4-FFF2-40B4-BE49-F238E27FC236}">
+                  <a16:creationId xmlns:a16="http://schemas.microsoft.com/office/drawing/2014/main" id="{D3E62485-7707-B8CC-64C0-6E691A3D8127}"/>
+                </a:ext>
+              </a:extLst>
+            </p:cNvPr>
+            <p:cNvSpPr/>
+            <p:nvPr/>
+          </p:nvSpPr>
+          <p:spPr>
+            <a:xfrm>
+              <a:off x="6098599" y="2381608"/>
+              <a:ext cx="186588" cy="186588"/>
+            </a:xfrm>
+            <a:prstGeom prst="ellipse">
+              <a:avLst/>
+            </a:prstGeom>
+            <a:solidFill>
+              <a:schemeClr val="accent2">
+                <a:lumMod val="75000"/>
+              </a:schemeClr>
+            </a:solidFill>
+            <a:ln w="19050">
+              <a:solidFill>
+                <a:srgbClr val="6B0F16"/>
+              </a:solidFill>
+            </a:ln>
+          </p:spPr>
+          <p:style>
+            <a:lnRef idx="2">
+              <a:schemeClr val="accent1">
+                <a:shade val="15000"/>
+              </a:schemeClr>
+            </a:lnRef>
+            <a:fillRef idx="1">
+              <a:schemeClr val="accent1"/>
+            </a:fillRef>
+            <a:effectRef idx="0">
+              <a:schemeClr val="accent1"/>
+            </a:effectRef>
+            <a:fontRef idx="minor">
+              <a:schemeClr val="lt1"/>
+            </a:fontRef>
+          </p:style>
+          <p:txBody>
+            <a:bodyPr rtlCol="0" anchor="ctr"/>
+            <a:lstStyle/>
+            <a:p>
+              <a:pPr algn="ctr"/>
+              <a:r>
+                <a:rPr lang="en-US" dirty="0">
+                  <a:solidFill>
+                    <a:srgbClr val="404040"/>
+                  </a:solidFill>
+                  <a:cs typeface="Helvetica" panose="020B0604020202020204" pitchFamily="34" charset="0"/>
+                </a:rPr>
+                <a:t>0</a:t>
+              </a:r>
+            </a:p>
+          </p:txBody>
+        </p:sp>
+        <p:sp>
+          <p:nvSpPr>
+            <p:cNvPr id="7" name="Elipse 6">
+              <a:extLst>
+                <a:ext uri="{FF2B5EF4-FFF2-40B4-BE49-F238E27FC236}">
+                  <a16:creationId xmlns:a16="http://schemas.microsoft.com/office/drawing/2014/main" id="{DFCC419E-6712-C460-A84A-8ECD35A9529F}"/>
+                </a:ext>
+              </a:extLst>
+            </p:cNvPr>
+            <p:cNvSpPr/>
+            <p:nvPr/>
+          </p:nvSpPr>
+          <p:spPr>
+            <a:xfrm>
+              <a:off x="5515623" y="2029792"/>
+              <a:ext cx="186588" cy="186588"/>
+            </a:xfrm>
+            <a:prstGeom prst="ellipse">
+              <a:avLst/>
+            </a:prstGeom>
+            <a:solidFill>
+              <a:schemeClr val="lt1"/>
+            </a:solidFill>
+            <a:ln w="19050">
+              <a:solidFill>
+                <a:srgbClr val="6B0F16"/>
+              </a:solidFill>
+            </a:ln>
+          </p:spPr>
+          <p:style>
+            <a:lnRef idx="2">
+              <a:schemeClr val="accent1">
+                <a:shade val="15000"/>
+              </a:schemeClr>
+            </a:lnRef>
+            <a:fillRef idx="1">
+              <a:schemeClr val="accent1"/>
+            </a:fillRef>
+            <a:effectRef idx="0">
+              <a:schemeClr val="accent1"/>
+            </a:effectRef>
+            <a:fontRef idx="minor">
+              <a:schemeClr val="lt1"/>
+            </a:fontRef>
+          </p:style>
+          <p:txBody>
+            <a:bodyPr rtlCol="0" anchor="ctr"/>
+            <a:lstStyle/>
+            <a:p>
+              <a:pPr algn="ctr"/>
+              <a:r>
+                <a:rPr lang="en-US" dirty="0">
+                  <a:solidFill>
+                    <a:srgbClr val="404040"/>
+                  </a:solidFill>
+                  <a:cs typeface="Helvetica" panose="020B0604020202020204" pitchFamily="34" charset="0"/>
+                </a:rPr>
+                <a:t>2</a:t>
+              </a:r>
+            </a:p>
+          </p:txBody>
+        </p:sp>
+        <p:sp>
+          <p:nvSpPr>
+            <p:cNvPr id="8" name="Elipse 7">
+              <a:extLst>
+                <a:ext uri="{FF2B5EF4-FFF2-40B4-BE49-F238E27FC236}">
+                  <a16:creationId xmlns:a16="http://schemas.microsoft.com/office/drawing/2014/main" id="{EA794B46-46A9-C044-C71F-FD8BBED50A23}"/>
+                </a:ext>
+              </a:extLst>
+            </p:cNvPr>
+            <p:cNvSpPr/>
+            <p:nvPr/>
+          </p:nvSpPr>
+          <p:spPr>
+            <a:xfrm>
+              <a:off x="5515623" y="2797794"/>
+              <a:ext cx="186588" cy="186588"/>
+            </a:xfrm>
+            <a:prstGeom prst="ellipse">
+              <a:avLst/>
+            </a:prstGeom>
+            <a:solidFill>
+              <a:schemeClr val="lt1"/>
+            </a:solidFill>
+            <a:ln w="19050">
+              <a:solidFill>
+                <a:srgbClr val="6B0F16"/>
+              </a:solidFill>
+            </a:ln>
+          </p:spPr>
+          <p:style>
+            <a:lnRef idx="2">
+              <a:schemeClr val="accent1">
+                <a:shade val="15000"/>
+              </a:schemeClr>
+            </a:lnRef>
+            <a:fillRef idx="1">
+              <a:schemeClr val="accent1"/>
+            </a:fillRef>
+            <a:effectRef idx="0">
+              <a:schemeClr val="accent1"/>
+            </a:effectRef>
+            <a:fontRef idx="minor">
+              <a:schemeClr val="lt1"/>
+            </a:fontRef>
+          </p:style>
+          <p:txBody>
+            <a:bodyPr rtlCol="0" anchor="ctr"/>
+            <a:lstStyle/>
+            <a:p>
+              <a:pPr algn="ctr"/>
+              <a:r>
+                <a:rPr lang="en-US" dirty="0">
+                  <a:solidFill>
+                    <a:srgbClr val="404040"/>
+                  </a:solidFill>
+                  <a:cs typeface="Helvetica" panose="020B0604020202020204" pitchFamily="34" charset="0"/>
+                </a:rPr>
+                <a:t>3</a:t>
+              </a:r>
+            </a:p>
+          </p:txBody>
+        </p:sp>
+        <p:sp>
+          <p:nvSpPr>
+            <p:cNvPr id="9" name="Elipse 8">
+              <a:extLst>
+                <a:ext uri="{FF2B5EF4-FFF2-40B4-BE49-F238E27FC236}">
+                  <a16:creationId xmlns:a16="http://schemas.microsoft.com/office/drawing/2014/main" id="{9EB369C9-D60F-A1D4-633C-0E44BE48E90B}"/>
+                </a:ext>
+              </a:extLst>
+            </p:cNvPr>
+            <p:cNvSpPr/>
+            <p:nvPr/>
+          </p:nvSpPr>
+          <p:spPr>
+            <a:xfrm>
+              <a:off x="6098599" y="1775716"/>
+              <a:ext cx="186588" cy="186588"/>
+            </a:xfrm>
+            <a:prstGeom prst="ellipse">
+              <a:avLst/>
+            </a:prstGeom>
+            <a:solidFill>
+              <a:schemeClr val="accent2">
+                <a:lumMod val="60000"/>
+                <a:lumOff val="40000"/>
+              </a:schemeClr>
+            </a:solidFill>
+            <a:ln w="19050">
+              <a:solidFill>
+                <a:srgbClr val="6B0F16"/>
+              </a:solidFill>
+            </a:ln>
+          </p:spPr>
+          <p:style>
+            <a:lnRef idx="2">
+              <a:schemeClr val="accent1">
+                <a:shade val="15000"/>
+              </a:schemeClr>
+            </a:lnRef>
+            <a:fillRef idx="1">
+              <a:schemeClr val="accent1"/>
+            </a:fillRef>
+            <a:effectRef idx="0">
+              <a:schemeClr val="accent1"/>
+            </a:effectRef>
+            <a:fontRef idx="minor">
+              <a:schemeClr val="lt1"/>
+            </a:fontRef>
+          </p:style>
+          <p:txBody>
+            <a:bodyPr rtlCol="0" anchor="ctr"/>
+            <a:lstStyle/>
+            <a:p>
+              <a:pPr algn="ctr"/>
+              <a:r>
+                <a:rPr lang="en-US" dirty="0">
+                  <a:solidFill>
+                    <a:srgbClr val="404040"/>
+                  </a:solidFill>
+                  <a:cs typeface="Helvetica" panose="020B0604020202020204" pitchFamily="34" charset="0"/>
+                </a:rPr>
+                <a:t>1</a:t>
+              </a:r>
+            </a:p>
+          </p:txBody>
+        </p:sp>
+        <p:sp>
+          <p:nvSpPr>
+            <p:cNvPr id="10" name="Elipse 9">
+              <a:extLst>
+                <a:ext uri="{FF2B5EF4-FFF2-40B4-BE49-F238E27FC236}">
+                  <a16:creationId xmlns:a16="http://schemas.microsoft.com/office/drawing/2014/main" id="{7FC5DFA4-3752-EEF3-D972-36D7FD02EDE8}"/>
+                </a:ext>
+              </a:extLst>
+            </p:cNvPr>
+            <p:cNvSpPr/>
+            <p:nvPr/>
+          </p:nvSpPr>
+          <p:spPr>
+            <a:xfrm>
+              <a:off x="6722167" y="2137022"/>
+              <a:ext cx="186588" cy="186588"/>
+            </a:xfrm>
+            <a:prstGeom prst="ellipse">
+              <a:avLst/>
+            </a:prstGeom>
+            <a:solidFill>
+              <a:schemeClr val="accent2">
+                <a:lumMod val="60000"/>
+                <a:lumOff val="40000"/>
+              </a:schemeClr>
+            </a:solidFill>
+            <a:ln w="19050">
+              <a:solidFill>
+                <a:srgbClr val="6B0F16"/>
+              </a:solidFill>
+            </a:ln>
+          </p:spPr>
+          <p:style>
+            <a:lnRef idx="2">
+              <a:schemeClr val="accent1">
+                <a:shade val="15000"/>
+              </a:schemeClr>
+            </a:lnRef>
+            <a:fillRef idx="1">
+              <a:schemeClr val="accent1"/>
+            </a:fillRef>
+            <a:effectRef idx="0">
+              <a:schemeClr val="accent1"/>
+            </a:effectRef>
+            <a:fontRef idx="minor">
+              <a:schemeClr val="lt1"/>
+            </a:fontRef>
+          </p:style>
+          <p:txBody>
+            <a:bodyPr rtlCol="0" anchor="ctr"/>
+            <a:lstStyle/>
+            <a:p>
+              <a:pPr algn="ctr"/>
+              <a:r>
+                <a:rPr lang="en-US" dirty="0">
+                  <a:solidFill>
+                    <a:srgbClr val="404040"/>
+                  </a:solidFill>
+                  <a:cs typeface="Helvetica" panose="020B0604020202020204" pitchFamily="34" charset="0"/>
+                </a:rPr>
+                <a:t>5</a:t>
+              </a:r>
+            </a:p>
+          </p:txBody>
+        </p:sp>
+        <p:sp>
+          <p:nvSpPr>
+            <p:cNvPr id="11" name="Elipse 10">
+              <a:extLst>
+                <a:ext uri="{FF2B5EF4-FFF2-40B4-BE49-F238E27FC236}">
+                  <a16:creationId xmlns:a16="http://schemas.microsoft.com/office/drawing/2014/main" id="{36BEA484-5230-9CFE-D537-A75A2055F297}"/>
+                </a:ext>
+              </a:extLst>
+            </p:cNvPr>
+            <p:cNvSpPr/>
+            <p:nvPr/>
+          </p:nvSpPr>
+          <p:spPr>
+            <a:xfrm>
+              <a:off x="6125946" y="2843500"/>
+              <a:ext cx="186588" cy="186588"/>
+            </a:xfrm>
+            <a:prstGeom prst="ellipse">
+              <a:avLst/>
+            </a:prstGeom>
+            <a:solidFill>
+              <a:schemeClr val="accent2">
+                <a:lumMod val="60000"/>
+                <a:lumOff val="40000"/>
+              </a:schemeClr>
+            </a:solidFill>
+            <a:ln w="19050">
+              <a:solidFill>
+                <a:srgbClr val="6B0F16"/>
+              </a:solidFill>
+            </a:ln>
+          </p:spPr>
+          <p:style>
+            <a:lnRef idx="2">
+              <a:schemeClr val="accent1">
+                <a:shade val="15000"/>
+              </a:schemeClr>
+            </a:lnRef>
+            <a:fillRef idx="1">
+              <a:schemeClr val="accent1"/>
+            </a:fillRef>
+            <a:effectRef idx="0">
+              <a:schemeClr val="accent1"/>
+            </a:effectRef>
+            <a:fontRef idx="minor">
+              <a:schemeClr val="lt1"/>
+            </a:fontRef>
+          </p:style>
+          <p:txBody>
+            <a:bodyPr rtlCol="0" anchor="ctr"/>
+            <a:lstStyle/>
+            <a:p>
+              <a:pPr algn="ctr"/>
+              <a:r>
+                <a:rPr lang="en-US" dirty="0">
+                  <a:solidFill>
+                    <a:srgbClr val="404040"/>
+                  </a:solidFill>
+                  <a:cs typeface="Helvetica" panose="020B0604020202020204" pitchFamily="34" charset="0"/>
+                </a:rPr>
+                <a:t>4</a:t>
+              </a:r>
+            </a:p>
+          </p:txBody>
+        </p:sp>
+        <p:sp>
+          <p:nvSpPr>
+            <p:cNvPr id="12" name="Elipse 11">
+              <a:extLst>
+                <a:ext uri="{FF2B5EF4-FFF2-40B4-BE49-F238E27FC236}">
+                  <a16:creationId xmlns:a16="http://schemas.microsoft.com/office/drawing/2014/main" id="{EDF392AC-9DB4-FEAD-8375-F2434F538CB7}"/>
+                </a:ext>
+              </a:extLst>
+            </p:cNvPr>
+            <p:cNvSpPr/>
+            <p:nvPr/>
+          </p:nvSpPr>
+          <p:spPr>
+            <a:xfrm>
+              <a:off x="6879920" y="2488497"/>
+              <a:ext cx="186588" cy="186588"/>
+            </a:xfrm>
+            <a:prstGeom prst="ellipse">
+              <a:avLst/>
+            </a:prstGeom>
+            <a:solidFill>
+              <a:schemeClr val="lt1"/>
+            </a:solidFill>
+            <a:ln w="19050">
+              <a:solidFill>
+                <a:srgbClr val="6B0F16"/>
+              </a:solidFill>
+            </a:ln>
+          </p:spPr>
+          <p:style>
+            <a:lnRef idx="2">
+              <a:schemeClr val="accent1">
+                <a:shade val="15000"/>
+              </a:schemeClr>
+            </a:lnRef>
+            <a:fillRef idx="1">
+              <a:schemeClr val="accent1"/>
+            </a:fillRef>
+            <a:effectRef idx="0">
+              <a:schemeClr val="accent1"/>
+            </a:effectRef>
+            <a:fontRef idx="minor">
+              <a:schemeClr val="lt1"/>
+            </a:fontRef>
+          </p:style>
+          <p:txBody>
+            <a:bodyPr rtlCol="0" anchor="ctr"/>
+            <a:lstStyle/>
+            <a:p>
+              <a:pPr algn="ctr"/>
+              <a:r>
+                <a:rPr lang="en-US" dirty="0">
+                  <a:solidFill>
+                    <a:srgbClr val="404040"/>
+                  </a:solidFill>
+                  <a:cs typeface="Helvetica" panose="020B0604020202020204" pitchFamily="34" charset="0"/>
+                </a:rPr>
+                <a:t>6</a:t>
+              </a:r>
+            </a:p>
+          </p:txBody>
+        </p:sp>
+        <p:sp>
+          <p:nvSpPr>
+            <p:cNvPr id="13" name="Elipse 12">
+              <a:extLst>
+                <a:ext uri="{FF2B5EF4-FFF2-40B4-BE49-F238E27FC236}">
+                  <a16:creationId xmlns:a16="http://schemas.microsoft.com/office/drawing/2014/main" id="{7C215D58-F947-3253-05A7-2DD506164680}"/>
+                </a:ext>
+              </a:extLst>
+            </p:cNvPr>
+            <p:cNvSpPr/>
+            <p:nvPr/>
+          </p:nvSpPr>
+          <p:spPr>
+            <a:xfrm>
+              <a:off x="5708455" y="3257653"/>
+              <a:ext cx="186588" cy="186588"/>
+            </a:xfrm>
+            <a:prstGeom prst="ellipse">
+              <a:avLst/>
+            </a:prstGeom>
+            <a:solidFill>
+              <a:schemeClr val="lt1"/>
+            </a:solidFill>
+            <a:ln w="19050">
+              <a:solidFill>
+                <a:srgbClr val="6B0F16"/>
+              </a:solidFill>
+            </a:ln>
+          </p:spPr>
+          <p:style>
+            <a:lnRef idx="2">
+              <a:schemeClr val="accent1">
+                <a:shade val="15000"/>
+              </a:schemeClr>
+            </a:lnRef>
+            <a:fillRef idx="1">
+              <a:schemeClr val="accent1"/>
+            </a:fillRef>
+            <a:effectRef idx="0">
+              <a:schemeClr val="accent1"/>
+            </a:effectRef>
+            <a:fontRef idx="minor">
+              <a:schemeClr val="lt1"/>
+            </a:fontRef>
+          </p:style>
+          <p:txBody>
+            <a:bodyPr rtlCol="0" anchor="ctr"/>
+            <a:lstStyle/>
+            <a:p>
+              <a:pPr algn="ctr"/>
+              <a:r>
+                <a:rPr lang="en-US" dirty="0">
+                  <a:solidFill>
+                    <a:srgbClr val="404040"/>
+                  </a:solidFill>
+                  <a:cs typeface="Helvetica" panose="020B0604020202020204" pitchFamily="34" charset="0"/>
+                </a:rPr>
+                <a:t>7</a:t>
+              </a:r>
+            </a:p>
+          </p:txBody>
+        </p:sp>
+        <p:sp>
+          <p:nvSpPr>
+            <p:cNvPr id="14" name="Elipse 13">
+              <a:extLst>
+                <a:ext uri="{FF2B5EF4-FFF2-40B4-BE49-F238E27FC236}">
+                  <a16:creationId xmlns:a16="http://schemas.microsoft.com/office/drawing/2014/main" id="{EFF11025-28CA-9579-16F6-D31A130C1295}"/>
+                </a:ext>
+              </a:extLst>
+            </p:cNvPr>
+            <p:cNvSpPr/>
+            <p:nvPr/>
+          </p:nvSpPr>
+          <p:spPr>
+            <a:xfrm>
+              <a:off x="6484589" y="1729742"/>
+              <a:ext cx="186588" cy="186588"/>
+            </a:xfrm>
+            <a:prstGeom prst="ellipse">
+              <a:avLst/>
+            </a:prstGeom>
+            <a:solidFill>
+              <a:schemeClr val="lt1"/>
+            </a:solidFill>
+            <a:ln w="19050">
+              <a:solidFill>
+                <a:srgbClr val="6B0F16"/>
+              </a:solidFill>
+            </a:ln>
+          </p:spPr>
+          <p:style>
+            <a:lnRef idx="2">
+              <a:schemeClr val="accent1">
+                <a:shade val="15000"/>
+              </a:schemeClr>
+            </a:lnRef>
+            <a:fillRef idx="1">
+              <a:schemeClr val="accent1"/>
+            </a:fillRef>
+            <a:effectRef idx="0">
+              <a:schemeClr val="accent1"/>
+            </a:effectRef>
+            <a:fontRef idx="minor">
+              <a:schemeClr val="lt1"/>
+            </a:fontRef>
+          </p:style>
+          <p:txBody>
+            <a:bodyPr rtlCol="0" anchor="ctr"/>
+            <a:lstStyle/>
+            <a:p>
+              <a:pPr algn="ctr"/>
+              <a:r>
+                <a:rPr lang="es-CL" dirty="0">
+                  <a:solidFill>
+                    <a:srgbClr val="404040"/>
+                  </a:solidFill>
+                  <a:cs typeface="Helvetica" panose="020B0604020202020204" pitchFamily="34" charset="0"/>
+                </a:rPr>
+                <a:t>8</a:t>
+              </a:r>
+              <a:endParaRPr lang="en-US" dirty="0">
+                <a:solidFill>
+                  <a:srgbClr val="404040"/>
+                </a:solidFill>
+                <a:cs typeface="Helvetica" panose="020B0604020202020204" pitchFamily="34" charset="0"/>
+              </a:endParaRPr>
+            </a:p>
+          </p:txBody>
+        </p:sp>
+        <p:sp>
+          <p:nvSpPr>
+            <p:cNvPr id="15" name="Elipse 14">
+              <a:extLst>
+                <a:ext uri="{FF2B5EF4-FFF2-40B4-BE49-F238E27FC236}">
+                  <a16:creationId xmlns:a16="http://schemas.microsoft.com/office/drawing/2014/main" id="{2D1318C5-DF6E-088E-3F5A-B77E9FFEF4F3}"/>
+                </a:ext>
+              </a:extLst>
+            </p:cNvPr>
+            <p:cNvSpPr/>
+            <p:nvPr/>
+          </p:nvSpPr>
+          <p:spPr>
+            <a:xfrm>
+              <a:off x="6344422" y="3237326"/>
+              <a:ext cx="186588" cy="186588"/>
+            </a:xfrm>
+            <a:prstGeom prst="ellipse">
+              <a:avLst/>
+            </a:prstGeom>
+            <a:solidFill>
+              <a:schemeClr val="lt1"/>
+            </a:solidFill>
+            <a:ln w="19050">
+              <a:solidFill>
+                <a:srgbClr val="6B0F16"/>
+              </a:solidFill>
+            </a:ln>
+          </p:spPr>
+          <p:style>
+            <a:lnRef idx="2">
+              <a:schemeClr val="accent1">
+                <a:shade val="15000"/>
+              </a:schemeClr>
+            </a:lnRef>
+            <a:fillRef idx="1">
+              <a:schemeClr val="accent1"/>
+            </a:fillRef>
+            <a:effectRef idx="0">
+              <a:schemeClr val="accent1"/>
+            </a:effectRef>
+            <a:fontRef idx="minor">
+              <a:schemeClr val="lt1"/>
+            </a:fontRef>
+          </p:style>
+          <p:txBody>
+            <a:bodyPr rtlCol="0" anchor="ctr"/>
+            <a:lstStyle/>
+            <a:p>
+              <a:pPr algn="ctr"/>
+              <a:r>
+                <a:rPr lang="es-CL" dirty="0">
+                  <a:solidFill>
+                    <a:srgbClr val="404040"/>
+                  </a:solidFill>
+                  <a:cs typeface="Helvetica" panose="020B0604020202020204" pitchFamily="34" charset="0"/>
+                </a:rPr>
+                <a:t>9</a:t>
+              </a:r>
+              <a:endParaRPr lang="en-US" dirty="0">
+                <a:solidFill>
+                  <a:srgbClr val="404040"/>
+                </a:solidFill>
+                <a:cs typeface="Helvetica" panose="020B0604020202020204" pitchFamily="34" charset="0"/>
+              </a:endParaRPr>
+            </a:p>
+          </p:txBody>
+        </p:sp>
+        <p:cxnSp>
+          <p:nvCxnSpPr>
+            <p:cNvPr id="16" name="Conector recto de flecha 15">
+              <a:extLst>
+                <a:ext uri="{FF2B5EF4-FFF2-40B4-BE49-F238E27FC236}">
+                  <a16:creationId xmlns:a16="http://schemas.microsoft.com/office/drawing/2014/main" id="{89A53785-2704-4DD8-7FCD-9937F1F56DCC}"/>
+                </a:ext>
+              </a:extLst>
+            </p:cNvPr>
+            <p:cNvCxnSpPr>
+              <a:cxnSpLocks/>
+              <a:stCxn id="6" idx="0"/>
+              <a:endCxn id="9" idx="4"/>
+            </p:cNvCxnSpPr>
+            <p:nvPr/>
+          </p:nvCxnSpPr>
+          <p:spPr>
+            <a:xfrm flipV="1">
+              <a:off x="6191893" y="1962304"/>
+              <a:ext cx="0" cy="419304"/>
+            </a:xfrm>
+            <a:prstGeom prst="straightConnector1">
+              <a:avLst/>
+            </a:prstGeom>
+            <a:ln>
+              <a:tailEnd type="triangle"/>
+            </a:ln>
+          </p:spPr>
+          <p:style>
+            <a:lnRef idx="1">
+              <a:schemeClr val="dk1"/>
+            </a:lnRef>
+            <a:fillRef idx="0">
+              <a:schemeClr val="dk1"/>
+            </a:fillRef>
+            <a:effectRef idx="0">
+              <a:schemeClr val="dk1"/>
+            </a:effectRef>
+            <a:fontRef idx="minor">
+              <a:schemeClr val="tx1"/>
+            </a:fontRef>
+          </p:style>
+        </p:cxnSp>
+        <p:cxnSp>
+          <p:nvCxnSpPr>
+            <p:cNvPr id="17" name="Conector recto de flecha 16">
+              <a:extLst>
+                <a:ext uri="{FF2B5EF4-FFF2-40B4-BE49-F238E27FC236}">
+                  <a16:creationId xmlns:a16="http://schemas.microsoft.com/office/drawing/2014/main" id="{C95CA2FD-AA35-358C-D758-ADF719819B95}"/>
+                </a:ext>
+              </a:extLst>
+            </p:cNvPr>
+            <p:cNvCxnSpPr>
+              <a:cxnSpLocks/>
+              <a:stCxn id="9" idx="2"/>
+              <a:endCxn id="7" idx="7"/>
+            </p:cNvCxnSpPr>
+            <p:nvPr/>
+          </p:nvCxnSpPr>
+          <p:spPr>
+            <a:xfrm flipH="1">
+              <a:off x="5674886" y="1869010"/>
+              <a:ext cx="423713" cy="188107"/>
+            </a:xfrm>
+            <a:prstGeom prst="straightConnector1">
+              <a:avLst/>
+            </a:prstGeom>
+            <a:ln>
+              <a:tailEnd type="triangle"/>
+            </a:ln>
+          </p:spPr>
+          <p:style>
+            <a:lnRef idx="1">
+              <a:schemeClr val="dk1"/>
+            </a:lnRef>
+            <a:fillRef idx="0">
+              <a:schemeClr val="dk1"/>
+            </a:fillRef>
+            <a:effectRef idx="0">
+              <a:schemeClr val="dk1"/>
+            </a:effectRef>
+            <a:fontRef idx="minor">
+              <a:schemeClr val="tx1"/>
+            </a:fontRef>
+          </p:style>
+        </p:cxnSp>
+        <p:cxnSp>
+          <p:nvCxnSpPr>
+            <p:cNvPr id="18" name="Conector recto de flecha 17">
+              <a:extLst>
+                <a:ext uri="{FF2B5EF4-FFF2-40B4-BE49-F238E27FC236}">
+                  <a16:creationId xmlns:a16="http://schemas.microsoft.com/office/drawing/2014/main" id="{19B844CF-2F67-B0E2-90D9-495A25EE574B}"/>
+                </a:ext>
+              </a:extLst>
+            </p:cNvPr>
+            <p:cNvCxnSpPr>
+              <a:cxnSpLocks/>
+              <a:stCxn id="10" idx="0"/>
+              <a:endCxn id="14" idx="5"/>
+            </p:cNvCxnSpPr>
+            <p:nvPr/>
+          </p:nvCxnSpPr>
+          <p:spPr>
+            <a:xfrm flipH="1" flipV="1">
+              <a:off x="6643852" y="1889005"/>
+              <a:ext cx="171609" cy="248017"/>
+            </a:xfrm>
+            <a:prstGeom prst="straightConnector1">
+              <a:avLst/>
+            </a:prstGeom>
+            <a:ln>
+              <a:tailEnd type="triangle"/>
+            </a:ln>
+          </p:spPr>
+          <p:style>
+            <a:lnRef idx="1">
+              <a:schemeClr val="dk1"/>
+            </a:lnRef>
+            <a:fillRef idx="0">
+              <a:schemeClr val="dk1"/>
+            </a:fillRef>
+            <a:effectRef idx="0">
+              <a:schemeClr val="dk1"/>
+            </a:effectRef>
+            <a:fontRef idx="minor">
+              <a:schemeClr val="tx1"/>
+            </a:fontRef>
+          </p:style>
+        </p:cxnSp>
+        <p:cxnSp>
+          <p:nvCxnSpPr>
+            <p:cNvPr id="19" name="Conector recto de flecha 18">
+              <a:extLst>
+                <a:ext uri="{FF2B5EF4-FFF2-40B4-BE49-F238E27FC236}">
+                  <a16:creationId xmlns:a16="http://schemas.microsoft.com/office/drawing/2014/main" id="{61709A5C-359D-E0A1-8544-C1E900956057}"/>
+                </a:ext>
+              </a:extLst>
+            </p:cNvPr>
+            <p:cNvCxnSpPr>
+              <a:cxnSpLocks/>
+              <a:stCxn id="11" idx="5"/>
+              <a:endCxn id="15" idx="0"/>
+            </p:cNvCxnSpPr>
+            <p:nvPr/>
+          </p:nvCxnSpPr>
+          <p:spPr>
+            <a:xfrm>
+              <a:off x="6285209" y="3002763"/>
+              <a:ext cx="152507" cy="234563"/>
+            </a:xfrm>
+            <a:prstGeom prst="straightConnector1">
+              <a:avLst/>
+            </a:prstGeom>
+            <a:ln>
+              <a:solidFill>
+                <a:schemeClr val="tx1"/>
+              </a:solidFill>
+              <a:prstDash val="solid"/>
+              <a:tailEnd type="triangle"/>
+            </a:ln>
+          </p:spPr>
+          <p:style>
+            <a:lnRef idx="1">
+              <a:schemeClr val="dk1"/>
+            </a:lnRef>
+            <a:fillRef idx="0">
+              <a:schemeClr val="dk1"/>
+            </a:fillRef>
+            <a:effectRef idx="0">
+              <a:schemeClr val="dk1"/>
+            </a:effectRef>
+            <a:fontRef idx="minor">
+              <a:schemeClr val="tx1"/>
+            </a:fontRef>
+          </p:style>
+        </p:cxnSp>
+        <p:cxnSp>
+          <p:nvCxnSpPr>
+            <p:cNvPr id="20" name="Conector recto de flecha 19">
+              <a:extLst>
+                <a:ext uri="{FF2B5EF4-FFF2-40B4-BE49-F238E27FC236}">
+                  <a16:creationId xmlns:a16="http://schemas.microsoft.com/office/drawing/2014/main" id="{2FF1A697-11C1-3B80-CAC9-EAF00BA54A20}"/>
+                </a:ext>
+              </a:extLst>
+            </p:cNvPr>
+            <p:cNvCxnSpPr>
+              <a:stCxn id="6" idx="4"/>
+              <a:endCxn id="11" idx="0"/>
+            </p:cNvCxnSpPr>
+            <p:nvPr/>
+          </p:nvCxnSpPr>
+          <p:spPr>
+            <a:xfrm>
+              <a:off x="6191893" y="2568196"/>
+              <a:ext cx="27347" cy="275304"/>
+            </a:xfrm>
+            <a:prstGeom prst="straightConnector1">
+              <a:avLst/>
+            </a:prstGeom>
+            <a:ln>
+              <a:tailEnd type="triangle"/>
+            </a:ln>
+          </p:spPr>
+          <p:style>
+            <a:lnRef idx="1">
+              <a:schemeClr val="dk1"/>
+            </a:lnRef>
+            <a:fillRef idx="0">
+              <a:schemeClr val="dk1"/>
+            </a:fillRef>
+            <a:effectRef idx="0">
+              <a:schemeClr val="dk1"/>
+            </a:effectRef>
+            <a:fontRef idx="minor">
+              <a:schemeClr val="tx1"/>
+            </a:fontRef>
+          </p:style>
+        </p:cxnSp>
+        <p:cxnSp>
+          <p:nvCxnSpPr>
+            <p:cNvPr id="21" name="Conector recto de flecha 20">
+              <a:extLst>
+                <a:ext uri="{FF2B5EF4-FFF2-40B4-BE49-F238E27FC236}">
+                  <a16:creationId xmlns:a16="http://schemas.microsoft.com/office/drawing/2014/main" id="{F44D8C10-13F8-E4CE-8CFF-8940E8000894}"/>
+                </a:ext>
+              </a:extLst>
+            </p:cNvPr>
+            <p:cNvCxnSpPr>
+              <a:stCxn id="11" idx="2"/>
+              <a:endCxn id="8" idx="6"/>
+            </p:cNvCxnSpPr>
+            <p:nvPr/>
+          </p:nvCxnSpPr>
+          <p:spPr>
+            <a:xfrm flipH="1" flipV="1">
+              <a:off x="5702211" y="2891088"/>
+              <a:ext cx="423735" cy="45706"/>
+            </a:xfrm>
+            <a:prstGeom prst="straightConnector1">
+              <a:avLst/>
+            </a:prstGeom>
+            <a:ln>
+              <a:tailEnd type="triangle"/>
+            </a:ln>
+          </p:spPr>
+          <p:style>
+            <a:lnRef idx="1">
+              <a:schemeClr val="dk1"/>
+            </a:lnRef>
+            <a:fillRef idx="0">
+              <a:schemeClr val="dk1"/>
+            </a:fillRef>
+            <a:effectRef idx="0">
+              <a:schemeClr val="dk1"/>
+            </a:effectRef>
+            <a:fontRef idx="minor">
+              <a:schemeClr val="tx1"/>
+            </a:fontRef>
+          </p:style>
+        </p:cxnSp>
+        <p:cxnSp>
+          <p:nvCxnSpPr>
+            <p:cNvPr id="22" name="Conector recto de flecha 21">
+              <a:extLst>
+                <a:ext uri="{FF2B5EF4-FFF2-40B4-BE49-F238E27FC236}">
+                  <a16:creationId xmlns:a16="http://schemas.microsoft.com/office/drawing/2014/main" id="{4AEABD32-DB08-1546-E64E-2F4138AEF88E}"/>
+                </a:ext>
+              </a:extLst>
+            </p:cNvPr>
+            <p:cNvCxnSpPr>
+              <a:cxnSpLocks/>
+              <a:stCxn id="11" idx="3"/>
+              <a:endCxn id="13" idx="7"/>
+            </p:cNvCxnSpPr>
+            <p:nvPr/>
+          </p:nvCxnSpPr>
+          <p:spPr>
+            <a:xfrm flipH="1">
+              <a:off x="5867718" y="3002763"/>
+              <a:ext cx="285553" cy="282215"/>
+            </a:xfrm>
+            <a:prstGeom prst="straightConnector1">
+              <a:avLst/>
+            </a:prstGeom>
+            <a:ln>
+              <a:tailEnd type="triangle"/>
+            </a:ln>
+          </p:spPr>
+          <p:style>
+            <a:lnRef idx="1">
+              <a:schemeClr val="dk1"/>
+            </a:lnRef>
+            <a:fillRef idx="0">
+              <a:schemeClr val="dk1"/>
+            </a:fillRef>
+            <a:effectRef idx="0">
+              <a:schemeClr val="dk1"/>
+            </a:effectRef>
+            <a:fontRef idx="minor">
+              <a:schemeClr val="tx1"/>
+            </a:fontRef>
+          </p:style>
+        </p:cxnSp>
+        <p:cxnSp>
+          <p:nvCxnSpPr>
+            <p:cNvPr id="23" name="Conector recto de flecha 22">
+              <a:extLst>
+                <a:ext uri="{FF2B5EF4-FFF2-40B4-BE49-F238E27FC236}">
+                  <a16:creationId xmlns:a16="http://schemas.microsoft.com/office/drawing/2014/main" id="{83817215-09AD-0B4B-AC5D-322244C8DCE5}"/>
+                </a:ext>
+              </a:extLst>
+            </p:cNvPr>
+            <p:cNvCxnSpPr>
+              <a:cxnSpLocks/>
+              <a:stCxn id="6" idx="6"/>
+              <a:endCxn id="10" idx="2"/>
+            </p:cNvCxnSpPr>
+            <p:nvPr/>
+          </p:nvCxnSpPr>
+          <p:spPr>
+            <a:xfrm flipV="1">
+              <a:off x="6285187" y="2230316"/>
+              <a:ext cx="436980" cy="244586"/>
+            </a:xfrm>
+            <a:prstGeom prst="straightConnector1">
+              <a:avLst/>
+            </a:prstGeom>
+            <a:ln>
+              <a:solidFill>
+                <a:schemeClr val="tx1"/>
+              </a:solidFill>
+              <a:prstDash val="solid"/>
+              <a:tailEnd type="triangle"/>
+            </a:ln>
+          </p:spPr>
+          <p:style>
+            <a:lnRef idx="1">
+              <a:schemeClr val="dk1"/>
+            </a:lnRef>
+            <a:fillRef idx="0">
+              <a:schemeClr val="dk1"/>
+            </a:fillRef>
+            <a:effectRef idx="0">
+              <a:schemeClr val="dk1"/>
+            </a:effectRef>
+            <a:fontRef idx="minor">
+              <a:schemeClr val="tx1"/>
+            </a:fontRef>
+          </p:style>
+        </p:cxnSp>
+        <p:cxnSp>
+          <p:nvCxnSpPr>
+            <p:cNvPr id="24" name="Conector recto de flecha 23">
+              <a:extLst>
+                <a:ext uri="{FF2B5EF4-FFF2-40B4-BE49-F238E27FC236}">
+                  <a16:creationId xmlns:a16="http://schemas.microsoft.com/office/drawing/2014/main" id="{5CB5DF89-8E22-6039-8A00-AF31557B6567}"/>
+                </a:ext>
+              </a:extLst>
+            </p:cNvPr>
+            <p:cNvCxnSpPr>
+              <a:cxnSpLocks/>
+              <a:stCxn id="10" idx="5"/>
+              <a:endCxn id="12" idx="0"/>
+            </p:cNvCxnSpPr>
+            <p:nvPr/>
+          </p:nvCxnSpPr>
+          <p:spPr>
+            <a:xfrm>
+              <a:off x="6881430" y="2296285"/>
+              <a:ext cx="91785" cy="192212"/>
+            </a:xfrm>
+            <a:prstGeom prst="straightConnector1">
+              <a:avLst/>
+            </a:prstGeom>
+            <a:ln>
+              <a:tailEnd type="triangle"/>
+            </a:ln>
+          </p:spPr>
+          <p:style>
+            <a:lnRef idx="1">
+              <a:schemeClr val="dk1"/>
+            </a:lnRef>
+            <a:fillRef idx="0">
+              <a:schemeClr val="dk1"/>
+            </a:fillRef>
+            <a:effectRef idx="0">
+              <a:schemeClr val="dk1"/>
+            </a:effectRef>
+            <a:fontRef idx="minor">
+              <a:schemeClr val="tx1"/>
+            </a:fontRef>
+          </p:style>
+        </p:cxnSp>
+      </p:grpSp>
+    </p:spTree>
+    <p:extLst>
+      <p:ext uri="{BB962C8B-B14F-4D97-AF65-F5344CB8AC3E}">
+        <p14:creationId xmlns:p14="http://schemas.microsoft.com/office/powerpoint/2010/main" val="2094292018"/>
+      </p:ext>
+    </p:extLst>
+  </p:cSld>
+  <p:clrMapOvr>
+    <a:masterClrMapping/>
+  </p:clrMapOvr>
+</p:sld>
+</file>
+
+<file path=ppt/slides/slide6.xml><?xml version="1.0" encoding="utf-8"?>
+<p:sld xmlns:a="http://schemas.openxmlformats.org/drawingml/2006/main" xmlns:r="http://schemas.openxmlformats.org/officeDocument/2006/relationships" xmlns:p="http://schemas.openxmlformats.org/presentationml/2006/main">
+  <p:cSld>
+    <p:spTree>
+      <p:nvGrpSpPr>
+        <p:cNvPr id="1" name=""/>
+        <p:cNvGrpSpPr/>
+        <p:nvPr/>
+      </p:nvGrpSpPr>
+      <p:grpSpPr>
+        <a:xfrm>
+          <a:off x="0" y="0"/>
+          <a:ext cx="0" cy="0"/>
+          <a:chOff x="0" y="0"/>
+          <a:chExt cx="0" cy="0"/>
+        </a:xfrm>
+      </p:grpSpPr>
+      <p:grpSp>
+        <p:nvGrpSpPr>
+          <p:cNvPr id="4" name="Grupo 3">
+            <a:extLst>
+              <a:ext uri="{FF2B5EF4-FFF2-40B4-BE49-F238E27FC236}">
+                <a16:creationId xmlns:a16="http://schemas.microsoft.com/office/drawing/2014/main" id="{BFCB1528-D931-C555-EF26-B8140B34043C}"/>
+              </a:ext>
+            </a:extLst>
+          </p:cNvPr>
+          <p:cNvGrpSpPr/>
+          <p:nvPr/>
+        </p:nvGrpSpPr>
+        <p:grpSpPr>
+          <a:xfrm>
+            <a:off x="1429641" y="329809"/>
+            <a:ext cx="4572879" cy="4741056"/>
+            <a:chOff x="5345990" y="1635859"/>
+            <a:chExt cx="1975104" cy="2047742"/>
+          </a:xfrm>
+        </p:grpSpPr>
+        <p:sp>
+          <p:nvSpPr>
+            <p:cNvPr id="5" name="Rectángulo 4">
+              <a:extLst>
+                <a:ext uri="{FF2B5EF4-FFF2-40B4-BE49-F238E27FC236}">
+                  <a16:creationId xmlns:a16="http://schemas.microsoft.com/office/drawing/2014/main" id="{5BCCE7B2-7EA1-DA30-CAA3-912EBC78DEA7}"/>
+                </a:ext>
+              </a:extLst>
+            </p:cNvPr>
+            <p:cNvSpPr/>
+            <p:nvPr/>
+          </p:nvSpPr>
+          <p:spPr>
+            <a:xfrm>
+              <a:off x="5345990" y="1635859"/>
+              <a:ext cx="1975104" cy="2047742"/>
+            </a:xfrm>
+            <a:prstGeom prst="rect">
+              <a:avLst/>
+            </a:prstGeom>
+            <a:solidFill>
+              <a:schemeClr val="bg1">
+                <a:lumMod val="85000"/>
+              </a:schemeClr>
+            </a:solidFill>
+            <a:ln w="19050">
+              <a:solidFill>
+                <a:srgbClr val="992323"/>
+              </a:solidFill>
+            </a:ln>
+          </p:spPr>
+          <p:style>
+            <a:lnRef idx="2">
+              <a:schemeClr val="accent1">
+                <a:shade val="15000"/>
+              </a:schemeClr>
+            </a:lnRef>
+            <a:fillRef idx="1">
+              <a:schemeClr val="accent1"/>
+            </a:fillRef>
+            <a:effectRef idx="0">
+              <a:schemeClr val="accent1"/>
+            </a:effectRef>
+            <a:fontRef idx="minor">
+              <a:schemeClr val="lt1"/>
+            </a:fontRef>
+          </p:style>
+          <p:txBody>
+            <a:bodyPr rtlCol="0" anchor="ctr"/>
+            <a:lstStyle/>
+            <a:p>
+              <a:pPr algn="ctr"/>
+              <a:endParaRPr lang="en-US" dirty="0"/>
+            </a:p>
+          </p:txBody>
+        </p:sp>
+        <p:sp>
+          <p:nvSpPr>
+            <p:cNvPr id="6" name="Elipse 5">
+              <a:extLst>
+                <a:ext uri="{FF2B5EF4-FFF2-40B4-BE49-F238E27FC236}">
+                  <a16:creationId xmlns:a16="http://schemas.microsoft.com/office/drawing/2014/main" id="{D3E62485-7707-B8CC-64C0-6E691A3D8127}"/>
+                </a:ext>
+              </a:extLst>
+            </p:cNvPr>
+            <p:cNvSpPr/>
+            <p:nvPr/>
+          </p:nvSpPr>
+          <p:spPr>
+            <a:xfrm>
+              <a:off x="6098599" y="2381608"/>
+              <a:ext cx="186588" cy="186588"/>
+            </a:xfrm>
+            <a:prstGeom prst="ellipse">
+              <a:avLst/>
+            </a:prstGeom>
+            <a:solidFill>
+              <a:schemeClr val="accent2">
+                <a:lumMod val="75000"/>
+              </a:schemeClr>
+            </a:solidFill>
+            <a:ln w="19050">
+              <a:solidFill>
+                <a:srgbClr val="6B0F16"/>
+              </a:solidFill>
+            </a:ln>
+          </p:spPr>
+          <p:style>
+            <a:lnRef idx="2">
+              <a:schemeClr val="accent1">
+                <a:shade val="15000"/>
+              </a:schemeClr>
+            </a:lnRef>
+            <a:fillRef idx="1">
+              <a:schemeClr val="accent1"/>
+            </a:fillRef>
+            <a:effectRef idx="0">
+              <a:schemeClr val="accent1"/>
+            </a:effectRef>
+            <a:fontRef idx="minor">
+              <a:schemeClr val="lt1"/>
+            </a:fontRef>
+          </p:style>
+          <p:txBody>
+            <a:bodyPr rtlCol="0" anchor="ctr"/>
+            <a:lstStyle/>
+            <a:p>
+              <a:pPr algn="ctr"/>
+              <a:r>
+                <a:rPr lang="en-US" dirty="0">
+                  <a:solidFill>
+                    <a:srgbClr val="404040"/>
+                  </a:solidFill>
+                  <a:cs typeface="Helvetica" panose="020B0604020202020204" pitchFamily="34" charset="0"/>
+                </a:rPr>
+                <a:t>0</a:t>
+              </a:r>
+            </a:p>
+          </p:txBody>
+        </p:sp>
+        <p:sp>
+          <p:nvSpPr>
+            <p:cNvPr id="7" name="Elipse 6">
+              <a:extLst>
+                <a:ext uri="{FF2B5EF4-FFF2-40B4-BE49-F238E27FC236}">
+                  <a16:creationId xmlns:a16="http://schemas.microsoft.com/office/drawing/2014/main" id="{DFCC419E-6712-C460-A84A-8ECD35A9529F}"/>
+                </a:ext>
+              </a:extLst>
+            </p:cNvPr>
+            <p:cNvSpPr/>
+            <p:nvPr/>
+          </p:nvSpPr>
+          <p:spPr>
+            <a:xfrm>
+              <a:off x="5515623" y="2029792"/>
+              <a:ext cx="186588" cy="186588"/>
+            </a:xfrm>
+            <a:prstGeom prst="ellipse">
+              <a:avLst/>
+            </a:prstGeom>
+            <a:solidFill>
+              <a:schemeClr val="lt1"/>
+            </a:solidFill>
+            <a:ln w="19050">
+              <a:solidFill>
+                <a:srgbClr val="6B0F16"/>
+              </a:solidFill>
+            </a:ln>
+          </p:spPr>
+          <p:style>
+            <a:lnRef idx="2">
+              <a:schemeClr val="accent1">
+                <a:shade val="15000"/>
+              </a:schemeClr>
+            </a:lnRef>
+            <a:fillRef idx="1">
+              <a:schemeClr val="accent1"/>
+            </a:fillRef>
+            <a:effectRef idx="0">
+              <a:schemeClr val="accent1"/>
+            </a:effectRef>
+            <a:fontRef idx="minor">
+              <a:schemeClr val="lt1"/>
+            </a:fontRef>
+          </p:style>
+          <p:txBody>
+            <a:bodyPr rtlCol="0" anchor="ctr"/>
+            <a:lstStyle/>
+            <a:p>
+              <a:pPr algn="ctr"/>
+              <a:r>
+                <a:rPr lang="en-US" dirty="0">
+                  <a:solidFill>
+                    <a:srgbClr val="404040"/>
+                  </a:solidFill>
+                  <a:cs typeface="Helvetica" panose="020B0604020202020204" pitchFamily="34" charset="0"/>
+                </a:rPr>
+                <a:t>2</a:t>
+              </a:r>
+            </a:p>
+          </p:txBody>
+        </p:sp>
+        <p:sp>
+          <p:nvSpPr>
+            <p:cNvPr id="8" name="Elipse 7">
+              <a:extLst>
+                <a:ext uri="{FF2B5EF4-FFF2-40B4-BE49-F238E27FC236}">
+                  <a16:creationId xmlns:a16="http://schemas.microsoft.com/office/drawing/2014/main" id="{EA794B46-46A9-C044-C71F-FD8BBED50A23}"/>
+                </a:ext>
+              </a:extLst>
+            </p:cNvPr>
+            <p:cNvSpPr/>
+            <p:nvPr/>
+          </p:nvSpPr>
+          <p:spPr>
+            <a:xfrm>
+              <a:off x="5515623" y="2797794"/>
+              <a:ext cx="186588" cy="186588"/>
+            </a:xfrm>
+            <a:prstGeom prst="ellipse">
+              <a:avLst/>
+            </a:prstGeom>
+            <a:solidFill>
+              <a:schemeClr val="lt1"/>
+            </a:solidFill>
+            <a:ln w="19050">
+              <a:solidFill>
+                <a:srgbClr val="6B0F16"/>
+              </a:solidFill>
+            </a:ln>
+          </p:spPr>
+          <p:style>
+            <a:lnRef idx="2">
+              <a:schemeClr val="accent1">
+                <a:shade val="15000"/>
+              </a:schemeClr>
+            </a:lnRef>
+            <a:fillRef idx="1">
+              <a:schemeClr val="accent1"/>
+            </a:fillRef>
+            <a:effectRef idx="0">
+              <a:schemeClr val="accent1"/>
+            </a:effectRef>
+            <a:fontRef idx="minor">
+              <a:schemeClr val="lt1"/>
+            </a:fontRef>
+          </p:style>
+          <p:txBody>
+            <a:bodyPr rtlCol="0" anchor="ctr"/>
+            <a:lstStyle/>
+            <a:p>
+              <a:pPr algn="ctr"/>
+              <a:r>
+                <a:rPr lang="en-US" dirty="0">
+                  <a:solidFill>
+                    <a:srgbClr val="404040"/>
+                  </a:solidFill>
+                  <a:cs typeface="Helvetica" panose="020B0604020202020204" pitchFamily="34" charset="0"/>
+                </a:rPr>
+                <a:t>3</a:t>
+              </a:r>
+            </a:p>
+          </p:txBody>
+        </p:sp>
+        <p:sp>
+          <p:nvSpPr>
+            <p:cNvPr id="9" name="Elipse 8">
+              <a:extLst>
+                <a:ext uri="{FF2B5EF4-FFF2-40B4-BE49-F238E27FC236}">
+                  <a16:creationId xmlns:a16="http://schemas.microsoft.com/office/drawing/2014/main" id="{9EB369C9-D60F-A1D4-633C-0E44BE48E90B}"/>
+                </a:ext>
+              </a:extLst>
+            </p:cNvPr>
+            <p:cNvSpPr/>
+            <p:nvPr/>
+          </p:nvSpPr>
+          <p:spPr>
+            <a:xfrm>
+              <a:off x="6098598" y="1775716"/>
+              <a:ext cx="186588" cy="186588"/>
+            </a:xfrm>
+            <a:prstGeom prst="ellipse">
+              <a:avLst/>
+            </a:prstGeom>
+            <a:solidFill>
+              <a:schemeClr val="accent2">
+                <a:lumMod val="60000"/>
+                <a:lumOff val="40000"/>
+              </a:schemeClr>
+            </a:solidFill>
+            <a:ln w="19050">
+              <a:solidFill>
+                <a:srgbClr val="6B0F16"/>
+              </a:solidFill>
+            </a:ln>
+          </p:spPr>
+          <p:style>
+            <a:lnRef idx="2">
+              <a:schemeClr val="accent1">
+                <a:shade val="15000"/>
+              </a:schemeClr>
+            </a:lnRef>
+            <a:fillRef idx="1">
+              <a:schemeClr val="accent1"/>
+            </a:fillRef>
+            <a:effectRef idx="0">
+              <a:schemeClr val="accent1"/>
+            </a:effectRef>
+            <a:fontRef idx="minor">
+              <a:schemeClr val="lt1"/>
+            </a:fontRef>
+          </p:style>
+          <p:txBody>
+            <a:bodyPr rtlCol="0" anchor="ctr"/>
+            <a:lstStyle/>
+            <a:p>
+              <a:pPr algn="ctr"/>
+              <a:r>
+                <a:rPr lang="en-US" dirty="0">
+                  <a:solidFill>
+                    <a:srgbClr val="404040"/>
+                  </a:solidFill>
+                  <a:cs typeface="Helvetica" panose="020B0604020202020204" pitchFamily="34" charset="0"/>
+                </a:rPr>
+                <a:t>1</a:t>
+              </a:r>
+            </a:p>
+          </p:txBody>
+        </p:sp>
+        <p:sp>
+          <p:nvSpPr>
+            <p:cNvPr id="10" name="Elipse 9">
+              <a:extLst>
+                <a:ext uri="{FF2B5EF4-FFF2-40B4-BE49-F238E27FC236}">
+                  <a16:creationId xmlns:a16="http://schemas.microsoft.com/office/drawing/2014/main" id="{7FC5DFA4-3752-EEF3-D972-36D7FD02EDE8}"/>
+                </a:ext>
+              </a:extLst>
+            </p:cNvPr>
+            <p:cNvSpPr/>
+            <p:nvPr/>
+          </p:nvSpPr>
+          <p:spPr>
+            <a:xfrm>
+              <a:off x="6722167" y="2137022"/>
+              <a:ext cx="186588" cy="186588"/>
+            </a:xfrm>
+            <a:prstGeom prst="ellipse">
+              <a:avLst/>
+            </a:prstGeom>
+            <a:solidFill>
+              <a:schemeClr val="accent2">
+                <a:lumMod val="60000"/>
+                <a:lumOff val="40000"/>
+              </a:schemeClr>
+            </a:solidFill>
+            <a:ln w="19050">
+              <a:solidFill>
+                <a:srgbClr val="6B0F16"/>
+              </a:solidFill>
+            </a:ln>
+          </p:spPr>
+          <p:style>
+            <a:lnRef idx="2">
+              <a:schemeClr val="accent1">
+                <a:shade val="15000"/>
+              </a:schemeClr>
+            </a:lnRef>
+            <a:fillRef idx="1">
+              <a:schemeClr val="accent1"/>
+            </a:fillRef>
+            <a:effectRef idx="0">
+              <a:schemeClr val="accent1"/>
+            </a:effectRef>
+            <a:fontRef idx="minor">
+              <a:schemeClr val="lt1"/>
+            </a:fontRef>
+          </p:style>
+          <p:txBody>
+            <a:bodyPr rtlCol="0" anchor="ctr"/>
+            <a:lstStyle/>
+            <a:p>
+              <a:pPr algn="ctr"/>
+              <a:r>
+                <a:rPr lang="en-US" dirty="0">
+                  <a:solidFill>
+                    <a:srgbClr val="404040"/>
+                  </a:solidFill>
+                  <a:cs typeface="Helvetica" panose="020B0604020202020204" pitchFamily="34" charset="0"/>
+                </a:rPr>
+                <a:t>5</a:t>
+              </a:r>
+            </a:p>
+          </p:txBody>
+        </p:sp>
+        <p:sp>
+          <p:nvSpPr>
+            <p:cNvPr id="11" name="Elipse 10">
+              <a:extLst>
+                <a:ext uri="{FF2B5EF4-FFF2-40B4-BE49-F238E27FC236}">
+                  <a16:creationId xmlns:a16="http://schemas.microsoft.com/office/drawing/2014/main" id="{36BEA484-5230-9CFE-D537-A75A2055F297}"/>
+                </a:ext>
+              </a:extLst>
+            </p:cNvPr>
+            <p:cNvSpPr/>
+            <p:nvPr/>
+          </p:nvSpPr>
+          <p:spPr>
+            <a:xfrm>
+              <a:off x="6125946" y="2843500"/>
+              <a:ext cx="186588" cy="186588"/>
+            </a:xfrm>
+            <a:prstGeom prst="ellipse">
+              <a:avLst/>
+            </a:prstGeom>
+            <a:solidFill>
+              <a:schemeClr val="accent2">
+                <a:lumMod val="60000"/>
+                <a:lumOff val="40000"/>
+              </a:schemeClr>
+            </a:solidFill>
+            <a:ln w="19050">
+              <a:solidFill>
+                <a:srgbClr val="6B0F16"/>
+              </a:solidFill>
+            </a:ln>
+          </p:spPr>
+          <p:style>
+            <a:lnRef idx="2">
+              <a:schemeClr val="accent1">
+                <a:shade val="15000"/>
+              </a:schemeClr>
+            </a:lnRef>
+            <a:fillRef idx="1">
+              <a:schemeClr val="accent1"/>
+            </a:fillRef>
+            <a:effectRef idx="0">
+              <a:schemeClr val="accent1"/>
+            </a:effectRef>
+            <a:fontRef idx="minor">
+              <a:schemeClr val="lt1"/>
+            </a:fontRef>
+          </p:style>
+          <p:txBody>
+            <a:bodyPr rtlCol="0" anchor="ctr"/>
+            <a:lstStyle/>
+            <a:p>
+              <a:pPr algn="ctr"/>
+              <a:r>
+                <a:rPr lang="en-US" dirty="0">
+                  <a:solidFill>
+                    <a:srgbClr val="404040"/>
+                  </a:solidFill>
+                  <a:cs typeface="Helvetica" panose="020B0604020202020204" pitchFamily="34" charset="0"/>
+                </a:rPr>
+                <a:t>4</a:t>
+              </a:r>
+            </a:p>
+          </p:txBody>
+        </p:sp>
+        <p:sp>
+          <p:nvSpPr>
+            <p:cNvPr id="12" name="Elipse 11">
+              <a:extLst>
+                <a:ext uri="{FF2B5EF4-FFF2-40B4-BE49-F238E27FC236}">
+                  <a16:creationId xmlns:a16="http://schemas.microsoft.com/office/drawing/2014/main" id="{EDF392AC-9DB4-FEAD-8375-F2434F538CB7}"/>
+                </a:ext>
+              </a:extLst>
+            </p:cNvPr>
+            <p:cNvSpPr/>
+            <p:nvPr/>
+          </p:nvSpPr>
+          <p:spPr>
+            <a:xfrm>
+              <a:off x="6879920" y="2488497"/>
+              <a:ext cx="186588" cy="186588"/>
+            </a:xfrm>
+            <a:prstGeom prst="ellipse">
+              <a:avLst/>
+            </a:prstGeom>
+            <a:solidFill>
+              <a:schemeClr val="lt1"/>
+            </a:solidFill>
+            <a:ln w="19050">
+              <a:solidFill>
+                <a:srgbClr val="6B0F16"/>
+              </a:solidFill>
+            </a:ln>
+          </p:spPr>
+          <p:style>
+            <a:lnRef idx="2">
+              <a:schemeClr val="accent1">
+                <a:shade val="15000"/>
+              </a:schemeClr>
+            </a:lnRef>
+            <a:fillRef idx="1">
+              <a:schemeClr val="accent1"/>
+            </a:fillRef>
+            <a:effectRef idx="0">
+              <a:schemeClr val="accent1"/>
+            </a:effectRef>
+            <a:fontRef idx="minor">
+              <a:schemeClr val="lt1"/>
+            </a:fontRef>
+          </p:style>
+          <p:txBody>
+            <a:bodyPr rtlCol="0" anchor="ctr"/>
+            <a:lstStyle/>
+            <a:p>
+              <a:pPr algn="ctr"/>
+              <a:r>
+                <a:rPr lang="en-US" dirty="0">
+                  <a:solidFill>
+                    <a:srgbClr val="404040"/>
+                  </a:solidFill>
+                  <a:cs typeface="Helvetica" panose="020B0604020202020204" pitchFamily="34" charset="0"/>
+                </a:rPr>
+                <a:t>6</a:t>
+              </a:r>
+            </a:p>
+          </p:txBody>
+        </p:sp>
+        <p:sp>
+          <p:nvSpPr>
+            <p:cNvPr id="13" name="Elipse 12">
+              <a:extLst>
+                <a:ext uri="{FF2B5EF4-FFF2-40B4-BE49-F238E27FC236}">
+                  <a16:creationId xmlns:a16="http://schemas.microsoft.com/office/drawing/2014/main" id="{7C215D58-F947-3253-05A7-2DD506164680}"/>
+                </a:ext>
+              </a:extLst>
+            </p:cNvPr>
+            <p:cNvSpPr/>
+            <p:nvPr/>
+          </p:nvSpPr>
+          <p:spPr>
+            <a:xfrm>
+              <a:off x="5708455" y="3257653"/>
+              <a:ext cx="186588" cy="186588"/>
+            </a:xfrm>
+            <a:prstGeom prst="ellipse">
+              <a:avLst/>
+            </a:prstGeom>
+            <a:solidFill>
+              <a:schemeClr val="lt1"/>
+            </a:solidFill>
+            <a:ln w="19050">
+              <a:solidFill>
+                <a:srgbClr val="6B0F16"/>
+              </a:solidFill>
+            </a:ln>
+          </p:spPr>
+          <p:style>
+            <a:lnRef idx="2">
+              <a:schemeClr val="accent1">
+                <a:shade val="15000"/>
+              </a:schemeClr>
+            </a:lnRef>
+            <a:fillRef idx="1">
+              <a:schemeClr val="accent1"/>
+            </a:fillRef>
+            <a:effectRef idx="0">
+              <a:schemeClr val="accent1"/>
+            </a:effectRef>
+            <a:fontRef idx="minor">
+              <a:schemeClr val="lt1"/>
+            </a:fontRef>
+          </p:style>
+          <p:txBody>
+            <a:bodyPr rtlCol="0" anchor="ctr"/>
+            <a:lstStyle/>
+            <a:p>
+              <a:pPr algn="ctr"/>
+              <a:r>
+                <a:rPr lang="en-US" dirty="0">
+                  <a:solidFill>
+                    <a:srgbClr val="404040"/>
+                  </a:solidFill>
+                  <a:cs typeface="Helvetica" panose="020B0604020202020204" pitchFamily="34" charset="0"/>
+                </a:rPr>
+                <a:t>7</a:t>
+              </a:r>
+            </a:p>
+          </p:txBody>
+        </p:sp>
+        <p:sp>
+          <p:nvSpPr>
+            <p:cNvPr id="14" name="Elipse 13">
+              <a:extLst>
+                <a:ext uri="{FF2B5EF4-FFF2-40B4-BE49-F238E27FC236}">
+                  <a16:creationId xmlns:a16="http://schemas.microsoft.com/office/drawing/2014/main" id="{EFF11025-28CA-9579-16F6-D31A130C1295}"/>
+                </a:ext>
+              </a:extLst>
+            </p:cNvPr>
+            <p:cNvSpPr/>
+            <p:nvPr/>
+          </p:nvSpPr>
+          <p:spPr>
+            <a:xfrm>
+              <a:off x="6484590" y="1729742"/>
+              <a:ext cx="186588" cy="186588"/>
+            </a:xfrm>
+            <a:prstGeom prst="ellipse">
+              <a:avLst/>
+            </a:prstGeom>
+            <a:solidFill>
+              <a:schemeClr val="lt1"/>
+            </a:solidFill>
+            <a:ln w="19050">
+              <a:solidFill>
+                <a:srgbClr val="6B0F16"/>
+              </a:solidFill>
+            </a:ln>
+          </p:spPr>
+          <p:style>
+            <a:lnRef idx="2">
+              <a:schemeClr val="accent1">
+                <a:shade val="15000"/>
+              </a:schemeClr>
+            </a:lnRef>
+            <a:fillRef idx="1">
+              <a:schemeClr val="accent1"/>
+            </a:fillRef>
+            <a:effectRef idx="0">
+              <a:schemeClr val="accent1"/>
+            </a:effectRef>
+            <a:fontRef idx="minor">
+              <a:schemeClr val="lt1"/>
+            </a:fontRef>
+          </p:style>
+          <p:txBody>
+            <a:bodyPr rtlCol="0" anchor="ctr"/>
+            <a:lstStyle/>
+            <a:p>
+              <a:pPr algn="ctr"/>
+              <a:r>
+                <a:rPr lang="es-CL" dirty="0">
+                  <a:solidFill>
+                    <a:srgbClr val="404040"/>
+                  </a:solidFill>
+                  <a:cs typeface="Helvetica" panose="020B0604020202020204" pitchFamily="34" charset="0"/>
+                </a:rPr>
+                <a:t>8</a:t>
+              </a:r>
+              <a:endParaRPr lang="en-US" dirty="0">
+                <a:solidFill>
+                  <a:srgbClr val="404040"/>
+                </a:solidFill>
+                <a:cs typeface="Helvetica" panose="020B0604020202020204" pitchFamily="34" charset="0"/>
+              </a:endParaRPr>
+            </a:p>
+          </p:txBody>
+        </p:sp>
+        <p:sp>
+          <p:nvSpPr>
+            <p:cNvPr id="15" name="Elipse 14">
+              <a:extLst>
+                <a:ext uri="{FF2B5EF4-FFF2-40B4-BE49-F238E27FC236}">
+                  <a16:creationId xmlns:a16="http://schemas.microsoft.com/office/drawing/2014/main" id="{2D1318C5-DF6E-088E-3F5A-B77E9FFEF4F3}"/>
+                </a:ext>
+              </a:extLst>
+            </p:cNvPr>
+            <p:cNvSpPr/>
+            <p:nvPr/>
+          </p:nvSpPr>
+          <p:spPr>
+            <a:xfrm>
+              <a:off x="6344422" y="3237326"/>
+              <a:ext cx="186588" cy="186588"/>
+            </a:xfrm>
+            <a:prstGeom prst="ellipse">
+              <a:avLst/>
+            </a:prstGeom>
+            <a:solidFill>
+              <a:schemeClr val="lt1"/>
+            </a:solidFill>
+            <a:ln w="19050">
+              <a:solidFill>
+                <a:srgbClr val="6B0F16"/>
+              </a:solidFill>
+            </a:ln>
+          </p:spPr>
+          <p:style>
+            <a:lnRef idx="2">
+              <a:schemeClr val="accent1">
+                <a:shade val="15000"/>
+              </a:schemeClr>
+            </a:lnRef>
+            <a:fillRef idx="1">
+              <a:schemeClr val="accent1"/>
+            </a:fillRef>
+            <a:effectRef idx="0">
+              <a:schemeClr val="accent1"/>
+            </a:effectRef>
+            <a:fontRef idx="minor">
+              <a:schemeClr val="lt1"/>
+            </a:fontRef>
+          </p:style>
+          <p:txBody>
+            <a:bodyPr rtlCol="0" anchor="ctr"/>
+            <a:lstStyle/>
+            <a:p>
+              <a:pPr algn="ctr"/>
+              <a:r>
+                <a:rPr lang="es-CL" dirty="0">
+                  <a:solidFill>
+                    <a:srgbClr val="404040"/>
+                  </a:solidFill>
+                  <a:cs typeface="Helvetica" panose="020B0604020202020204" pitchFamily="34" charset="0"/>
+                </a:rPr>
+                <a:t>9</a:t>
+              </a:r>
+              <a:endParaRPr lang="en-US" dirty="0">
+                <a:solidFill>
+                  <a:srgbClr val="404040"/>
+                </a:solidFill>
+                <a:cs typeface="Helvetica" panose="020B0604020202020204" pitchFamily="34" charset="0"/>
+              </a:endParaRPr>
+            </a:p>
+          </p:txBody>
+        </p:sp>
+        <p:cxnSp>
+          <p:nvCxnSpPr>
+            <p:cNvPr id="16" name="Conector recto de flecha 15">
+              <a:extLst>
+                <a:ext uri="{FF2B5EF4-FFF2-40B4-BE49-F238E27FC236}">
+                  <a16:creationId xmlns:a16="http://schemas.microsoft.com/office/drawing/2014/main" id="{89A53785-2704-4DD8-7FCD-9937F1F56DCC}"/>
+                </a:ext>
+              </a:extLst>
+            </p:cNvPr>
+            <p:cNvCxnSpPr>
+              <a:cxnSpLocks/>
+              <a:stCxn id="6" idx="0"/>
+              <a:endCxn id="9" idx="4"/>
+            </p:cNvCxnSpPr>
+            <p:nvPr/>
+          </p:nvCxnSpPr>
+          <p:spPr>
+            <a:xfrm flipV="1">
+              <a:off x="6191893" y="1962304"/>
+              <a:ext cx="0" cy="419304"/>
+            </a:xfrm>
+            <a:prstGeom prst="straightConnector1">
+              <a:avLst/>
+            </a:prstGeom>
+            <a:ln>
+              <a:tailEnd type="triangle"/>
+            </a:ln>
+          </p:spPr>
+          <p:style>
+            <a:lnRef idx="1">
+              <a:schemeClr val="dk1"/>
+            </a:lnRef>
+            <a:fillRef idx="0">
+              <a:schemeClr val="dk1"/>
+            </a:fillRef>
+            <a:effectRef idx="0">
+              <a:schemeClr val="dk1"/>
+            </a:effectRef>
+            <a:fontRef idx="minor">
+              <a:schemeClr val="tx1"/>
+            </a:fontRef>
+          </p:style>
+        </p:cxnSp>
+        <p:cxnSp>
+          <p:nvCxnSpPr>
+            <p:cNvPr id="17" name="Conector recto de flecha 16">
+              <a:extLst>
+                <a:ext uri="{FF2B5EF4-FFF2-40B4-BE49-F238E27FC236}">
+                  <a16:creationId xmlns:a16="http://schemas.microsoft.com/office/drawing/2014/main" id="{C95CA2FD-AA35-358C-D758-ADF719819B95}"/>
+                </a:ext>
+              </a:extLst>
+            </p:cNvPr>
+            <p:cNvCxnSpPr>
+              <a:cxnSpLocks/>
+              <a:stCxn id="9" idx="2"/>
+              <a:endCxn id="7" idx="7"/>
+            </p:cNvCxnSpPr>
+            <p:nvPr/>
+          </p:nvCxnSpPr>
+          <p:spPr>
+            <a:xfrm flipH="1">
+              <a:off x="5674886" y="1869010"/>
+              <a:ext cx="423713" cy="188107"/>
+            </a:xfrm>
+            <a:prstGeom prst="straightConnector1">
+              <a:avLst/>
+            </a:prstGeom>
+            <a:ln>
+              <a:tailEnd type="triangle"/>
+            </a:ln>
+          </p:spPr>
+          <p:style>
+            <a:lnRef idx="1">
+              <a:schemeClr val="dk1"/>
+            </a:lnRef>
+            <a:fillRef idx="0">
+              <a:schemeClr val="dk1"/>
+            </a:fillRef>
+            <a:effectRef idx="0">
+              <a:schemeClr val="dk1"/>
+            </a:effectRef>
+            <a:fontRef idx="minor">
+              <a:schemeClr val="tx1"/>
+            </a:fontRef>
+          </p:style>
+        </p:cxnSp>
+        <p:cxnSp>
+          <p:nvCxnSpPr>
+            <p:cNvPr id="18" name="Conector recto de flecha 17">
+              <a:extLst>
+                <a:ext uri="{FF2B5EF4-FFF2-40B4-BE49-F238E27FC236}">
+                  <a16:creationId xmlns:a16="http://schemas.microsoft.com/office/drawing/2014/main" id="{19B844CF-2F67-B0E2-90D9-495A25EE574B}"/>
+                </a:ext>
+              </a:extLst>
+            </p:cNvPr>
+            <p:cNvCxnSpPr>
+              <a:cxnSpLocks/>
+              <a:stCxn id="10" idx="0"/>
+              <a:endCxn id="14" idx="5"/>
+            </p:cNvCxnSpPr>
+            <p:nvPr/>
+          </p:nvCxnSpPr>
+          <p:spPr>
+            <a:xfrm flipH="1" flipV="1">
+              <a:off x="6643852" y="1889005"/>
+              <a:ext cx="171609" cy="248017"/>
+            </a:xfrm>
+            <a:prstGeom prst="straightConnector1">
+              <a:avLst/>
+            </a:prstGeom>
+            <a:ln>
+              <a:tailEnd type="triangle"/>
+            </a:ln>
+          </p:spPr>
+          <p:style>
+            <a:lnRef idx="1">
+              <a:schemeClr val="dk1"/>
+            </a:lnRef>
+            <a:fillRef idx="0">
+              <a:schemeClr val="dk1"/>
+            </a:fillRef>
+            <a:effectRef idx="0">
+              <a:schemeClr val="dk1"/>
+            </a:effectRef>
+            <a:fontRef idx="minor">
+              <a:schemeClr val="tx1"/>
+            </a:fontRef>
+          </p:style>
+        </p:cxnSp>
+        <p:cxnSp>
+          <p:nvCxnSpPr>
+            <p:cNvPr id="19" name="Conector recto de flecha 18">
+              <a:extLst>
+                <a:ext uri="{FF2B5EF4-FFF2-40B4-BE49-F238E27FC236}">
+                  <a16:creationId xmlns:a16="http://schemas.microsoft.com/office/drawing/2014/main" id="{61709A5C-359D-E0A1-8544-C1E900956057}"/>
+                </a:ext>
+              </a:extLst>
+            </p:cNvPr>
+            <p:cNvCxnSpPr>
+              <a:cxnSpLocks/>
+              <a:stCxn id="12" idx="3"/>
+              <a:endCxn id="15" idx="7"/>
+            </p:cNvCxnSpPr>
+            <p:nvPr/>
+          </p:nvCxnSpPr>
+          <p:spPr>
+            <a:xfrm flipH="1">
+              <a:off x="6503685" y="2647760"/>
+              <a:ext cx="403560" cy="616891"/>
+            </a:xfrm>
+            <a:prstGeom prst="straightConnector1">
+              <a:avLst/>
+            </a:prstGeom>
+            <a:ln>
+              <a:solidFill>
+                <a:schemeClr val="tx1"/>
+              </a:solidFill>
+              <a:prstDash val="solid"/>
+              <a:tailEnd type="triangle"/>
+            </a:ln>
+          </p:spPr>
+          <p:style>
+            <a:lnRef idx="1">
+              <a:schemeClr val="dk1"/>
+            </a:lnRef>
+            <a:fillRef idx="0">
+              <a:schemeClr val="dk1"/>
+            </a:fillRef>
+            <a:effectRef idx="0">
+              <a:schemeClr val="dk1"/>
+            </a:effectRef>
+            <a:fontRef idx="minor">
+              <a:schemeClr val="tx1"/>
+            </a:fontRef>
+          </p:style>
+        </p:cxnSp>
+        <p:cxnSp>
+          <p:nvCxnSpPr>
+            <p:cNvPr id="20" name="Conector recto de flecha 19">
+              <a:extLst>
+                <a:ext uri="{FF2B5EF4-FFF2-40B4-BE49-F238E27FC236}">
+                  <a16:creationId xmlns:a16="http://schemas.microsoft.com/office/drawing/2014/main" id="{2FF1A697-11C1-3B80-CAC9-EAF00BA54A20}"/>
+                </a:ext>
+              </a:extLst>
+            </p:cNvPr>
+            <p:cNvCxnSpPr>
+              <a:stCxn id="6" idx="4"/>
+              <a:endCxn id="11" idx="0"/>
+            </p:cNvCxnSpPr>
+            <p:nvPr/>
+          </p:nvCxnSpPr>
+          <p:spPr>
+            <a:xfrm>
+              <a:off x="6191893" y="2568196"/>
+              <a:ext cx="27347" cy="275304"/>
+            </a:xfrm>
+            <a:prstGeom prst="straightConnector1">
+              <a:avLst/>
+            </a:prstGeom>
+            <a:ln>
+              <a:tailEnd type="triangle"/>
+            </a:ln>
+          </p:spPr>
+          <p:style>
+            <a:lnRef idx="1">
+              <a:schemeClr val="dk1"/>
+            </a:lnRef>
+            <a:fillRef idx="0">
+              <a:schemeClr val="dk1"/>
+            </a:fillRef>
+            <a:effectRef idx="0">
+              <a:schemeClr val="dk1"/>
+            </a:effectRef>
+            <a:fontRef idx="minor">
+              <a:schemeClr val="tx1"/>
+            </a:fontRef>
+          </p:style>
+        </p:cxnSp>
+        <p:cxnSp>
+          <p:nvCxnSpPr>
+            <p:cNvPr id="21" name="Conector recto de flecha 20">
+              <a:extLst>
+                <a:ext uri="{FF2B5EF4-FFF2-40B4-BE49-F238E27FC236}">
+                  <a16:creationId xmlns:a16="http://schemas.microsoft.com/office/drawing/2014/main" id="{F44D8C10-13F8-E4CE-8CFF-8940E8000894}"/>
+                </a:ext>
+              </a:extLst>
+            </p:cNvPr>
+            <p:cNvCxnSpPr>
+              <a:stCxn id="11" idx="2"/>
+              <a:endCxn id="8" idx="6"/>
+            </p:cNvCxnSpPr>
+            <p:nvPr/>
+          </p:nvCxnSpPr>
+          <p:spPr>
+            <a:xfrm flipH="1" flipV="1">
+              <a:off x="5702211" y="2891088"/>
+              <a:ext cx="423735" cy="45706"/>
+            </a:xfrm>
+            <a:prstGeom prst="straightConnector1">
+              <a:avLst/>
+            </a:prstGeom>
+            <a:ln>
+              <a:tailEnd type="triangle"/>
+            </a:ln>
+          </p:spPr>
+          <p:style>
+            <a:lnRef idx="1">
+              <a:schemeClr val="dk1"/>
+            </a:lnRef>
+            <a:fillRef idx="0">
+              <a:schemeClr val="dk1"/>
+            </a:fillRef>
+            <a:effectRef idx="0">
+              <a:schemeClr val="dk1"/>
+            </a:effectRef>
+            <a:fontRef idx="minor">
+              <a:schemeClr val="tx1"/>
+            </a:fontRef>
+          </p:style>
+        </p:cxnSp>
+        <p:cxnSp>
+          <p:nvCxnSpPr>
+            <p:cNvPr id="22" name="Conector recto de flecha 21">
+              <a:extLst>
+                <a:ext uri="{FF2B5EF4-FFF2-40B4-BE49-F238E27FC236}">
+                  <a16:creationId xmlns:a16="http://schemas.microsoft.com/office/drawing/2014/main" id="{4AEABD32-DB08-1546-E64E-2F4138AEF88E}"/>
+                </a:ext>
+              </a:extLst>
+            </p:cNvPr>
+            <p:cNvCxnSpPr>
+              <a:cxnSpLocks/>
+              <a:stCxn id="11" idx="3"/>
+              <a:endCxn id="13" idx="7"/>
+            </p:cNvCxnSpPr>
+            <p:nvPr/>
+          </p:nvCxnSpPr>
+          <p:spPr>
+            <a:xfrm flipH="1">
+              <a:off x="5867718" y="3002763"/>
+              <a:ext cx="285553" cy="282215"/>
+            </a:xfrm>
+            <a:prstGeom prst="straightConnector1">
+              <a:avLst/>
+            </a:prstGeom>
+            <a:ln>
+              <a:tailEnd type="triangle"/>
+            </a:ln>
+          </p:spPr>
+          <p:style>
+            <a:lnRef idx="1">
+              <a:schemeClr val="dk1"/>
+            </a:lnRef>
+            <a:fillRef idx="0">
+              <a:schemeClr val="dk1"/>
+            </a:fillRef>
+            <a:effectRef idx="0">
+              <a:schemeClr val="dk1"/>
+            </a:effectRef>
+            <a:fontRef idx="minor">
+              <a:schemeClr val="tx1"/>
+            </a:fontRef>
+          </p:style>
+        </p:cxnSp>
+        <p:cxnSp>
+          <p:nvCxnSpPr>
+            <p:cNvPr id="23" name="Conector recto de flecha 22">
+              <a:extLst>
+                <a:ext uri="{FF2B5EF4-FFF2-40B4-BE49-F238E27FC236}">
+                  <a16:creationId xmlns:a16="http://schemas.microsoft.com/office/drawing/2014/main" id="{83817215-09AD-0B4B-AC5D-322244C8DCE5}"/>
+                </a:ext>
+              </a:extLst>
+            </p:cNvPr>
+            <p:cNvCxnSpPr>
+              <a:cxnSpLocks/>
+              <a:stCxn id="6" idx="6"/>
+              <a:endCxn id="10" idx="2"/>
+            </p:cNvCxnSpPr>
+            <p:nvPr/>
+          </p:nvCxnSpPr>
+          <p:spPr>
+            <a:xfrm flipV="1">
+              <a:off x="6285187" y="2230316"/>
+              <a:ext cx="436980" cy="244586"/>
+            </a:xfrm>
+            <a:prstGeom prst="straightConnector1">
+              <a:avLst/>
+            </a:prstGeom>
+            <a:ln>
+              <a:solidFill>
+                <a:schemeClr val="tx1"/>
+              </a:solidFill>
+              <a:prstDash val="solid"/>
+              <a:tailEnd type="triangle"/>
+            </a:ln>
+          </p:spPr>
+          <p:style>
+            <a:lnRef idx="1">
+              <a:schemeClr val="dk1"/>
+            </a:lnRef>
+            <a:fillRef idx="0">
+              <a:schemeClr val="dk1"/>
+            </a:fillRef>
+            <a:effectRef idx="0">
+              <a:schemeClr val="dk1"/>
+            </a:effectRef>
+            <a:fontRef idx="minor">
+              <a:schemeClr val="tx1"/>
+            </a:fontRef>
+          </p:style>
+        </p:cxnSp>
+        <p:cxnSp>
+          <p:nvCxnSpPr>
+            <p:cNvPr id="24" name="Conector recto de flecha 23">
+              <a:extLst>
+                <a:ext uri="{FF2B5EF4-FFF2-40B4-BE49-F238E27FC236}">
+                  <a16:creationId xmlns:a16="http://schemas.microsoft.com/office/drawing/2014/main" id="{5CB5DF89-8E22-6039-8A00-AF31557B6567}"/>
+                </a:ext>
+              </a:extLst>
+            </p:cNvPr>
+            <p:cNvCxnSpPr>
+              <a:cxnSpLocks/>
+              <a:stCxn id="10" idx="5"/>
+              <a:endCxn id="12" idx="0"/>
+            </p:cNvCxnSpPr>
+            <p:nvPr/>
+          </p:nvCxnSpPr>
+          <p:spPr>
+            <a:xfrm>
+              <a:off x="6881430" y="2296285"/>
+              <a:ext cx="91785" cy="192212"/>
+            </a:xfrm>
+            <a:prstGeom prst="straightConnector1">
+              <a:avLst/>
+            </a:prstGeom>
+            <a:ln>
+              <a:tailEnd type="triangle"/>
+            </a:ln>
+          </p:spPr>
+          <p:style>
+            <a:lnRef idx="1">
+              <a:schemeClr val="dk1"/>
+            </a:lnRef>
+            <a:fillRef idx="0">
+              <a:schemeClr val="dk1"/>
+            </a:fillRef>
+            <a:effectRef idx="0">
+              <a:schemeClr val="dk1"/>
+            </a:effectRef>
+            <a:fontRef idx="minor">
+              <a:schemeClr val="tx1"/>
+            </a:fontRef>
+          </p:style>
+        </p:cxnSp>
+      </p:grpSp>
+      <p:sp>
+        <p:nvSpPr>
+          <p:cNvPr id="35" name="CuadroTexto 34">
+            <a:extLst>
+              <a:ext uri="{FF2B5EF4-FFF2-40B4-BE49-F238E27FC236}">
+                <a16:creationId xmlns:a16="http://schemas.microsoft.com/office/drawing/2014/main" id="{2E6F0325-5FD8-6D8F-73F5-1D5AB8D5C32C}"/>
+              </a:ext>
+            </a:extLst>
+          </p:cNvPr>
+          <p:cNvSpPr txBox="1"/>
+          <p:nvPr/>
+        </p:nvSpPr>
+        <p:spPr>
+          <a:xfrm>
+            <a:off x="2998333" y="383340"/>
+            <a:ext cx="906215" cy="307777"/>
+          </a:xfrm>
+          <a:prstGeom prst="rect">
+            <a:avLst/>
+          </a:prstGeom>
+          <a:noFill/>
+        </p:spPr>
+        <p:txBody>
+          <a:bodyPr wrap="square" rtlCol="0">
+            <a:spAutoFit/>
+          </a:bodyPr>
+          <a:lstStyle/>
+          <a:p>
+            <a:r>
+              <a:rPr lang="es-CL" sz="1400" dirty="0"/>
+              <a:t>[95, 114]</a:t>
+            </a:r>
+          </a:p>
+        </p:txBody>
+      </p:sp>
+      <p:sp>
+        <p:nvSpPr>
+          <p:cNvPr id="36" name="CuadroTexto 35">
+            <a:extLst>
+              <a:ext uri="{FF2B5EF4-FFF2-40B4-BE49-F238E27FC236}">
+                <a16:creationId xmlns:a16="http://schemas.microsoft.com/office/drawing/2014/main" id="{CA53A6CD-36FC-666A-8397-0F6647EC84F6}"/>
+              </a:ext>
+            </a:extLst>
+          </p:cNvPr>
+          <p:cNvSpPr txBox="1"/>
+          <p:nvPr/>
+        </p:nvSpPr>
+        <p:spPr>
+          <a:xfrm>
+            <a:off x="1713325" y="1734826"/>
+            <a:ext cx="924251" cy="307777"/>
+          </a:xfrm>
+          <a:prstGeom prst="rect">
+            <a:avLst/>
+          </a:prstGeom>
+          <a:noFill/>
+        </p:spPr>
+        <p:txBody>
+          <a:bodyPr wrap="square" rtlCol="0">
+            <a:spAutoFit/>
+          </a:bodyPr>
+          <a:lstStyle/>
+          <a:p>
+            <a:r>
+              <a:rPr lang="es-CL" sz="1400" dirty="0"/>
+              <a:t>[73, 152]</a:t>
+            </a:r>
+          </a:p>
+        </p:txBody>
+      </p:sp>
+      <p:sp>
+        <p:nvSpPr>
+          <p:cNvPr id="37" name="CuadroTexto 36">
+            <a:extLst>
+              <a:ext uri="{FF2B5EF4-FFF2-40B4-BE49-F238E27FC236}">
+                <a16:creationId xmlns:a16="http://schemas.microsoft.com/office/drawing/2014/main" id="{8CF22988-AA90-3A9F-14CF-262DC7A8B3DE}"/>
+              </a:ext>
+            </a:extLst>
+          </p:cNvPr>
+          <p:cNvSpPr txBox="1"/>
+          <p:nvPr/>
+        </p:nvSpPr>
+        <p:spPr>
+          <a:xfrm>
+            <a:off x="3592965" y="4516686"/>
+            <a:ext cx="924251" cy="307777"/>
+          </a:xfrm>
+          <a:prstGeom prst="rect">
+            <a:avLst/>
+          </a:prstGeom>
+          <a:noFill/>
+        </p:spPr>
+        <p:txBody>
+          <a:bodyPr wrap="square" rtlCol="0">
+            <a:spAutoFit/>
+          </a:bodyPr>
+          <a:lstStyle/>
+          <a:p>
+            <a:r>
+              <a:rPr lang="es-CL" sz="1400" dirty="0"/>
+              <a:t>[40, 50]</a:t>
+            </a:r>
+          </a:p>
+        </p:txBody>
+      </p:sp>
+      <p:sp>
+        <p:nvSpPr>
+          <p:cNvPr id="38" name="CuadroTexto 37">
+            <a:extLst>
+              <a:ext uri="{FF2B5EF4-FFF2-40B4-BE49-F238E27FC236}">
+                <a16:creationId xmlns:a16="http://schemas.microsoft.com/office/drawing/2014/main" id="{1B959DBA-2B7E-2AC6-7C45-533E83F3FED8}"/>
+              </a:ext>
+            </a:extLst>
+          </p:cNvPr>
+          <p:cNvSpPr txBox="1"/>
+          <p:nvPr/>
+        </p:nvSpPr>
+        <p:spPr>
+          <a:xfrm>
+            <a:off x="3253955" y="3584618"/>
+            <a:ext cx="924251" cy="307777"/>
+          </a:xfrm>
+          <a:prstGeom prst="rect">
+            <a:avLst/>
+          </a:prstGeom>
+          <a:noFill/>
+        </p:spPr>
+        <p:txBody>
+          <a:bodyPr wrap="square" rtlCol="0">
+            <a:spAutoFit/>
+          </a:bodyPr>
+          <a:lstStyle/>
+          <a:p>
+            <a:r>
+              <a:rPr lang="es-CL" sz="1400" dirty="0"/>
+              <a:t>[55, 60]</a:t>
+            </a:r>
+          </a:p>
+        </p:txBody>
+      </p:sp>
+      <p:sp>
+        <p:nvSpPr>
+          <p:cNvPr id="39" name="CuadroTexto 38">
+            <a:extLst>
+              <a:ext uri="{FF2B5EF4-FFF2-40B4-BE49-F238E27FC236}">
+                <a16:creationId xmlns:a16="http://schemas.microsoft.com/office/drawing/2014/main" id="{2B984588-5AB2-B44A-4AF6-51D79F3E56CF}"/>
+              </a:ext>
+            </a:extLst>
+          </p:cNvPr>
+          <p:cNvSpPr txBox="1"/>
+          <p:nvPr/>
+        </p:nvSpPr>
+        <p:spPr>
+          <a:xfrm>
+            <a:off x="5036110" y="1468219"/>
+            <a:ext cx="924251" cy="307777"/>
+          </a:xfrm>
+          <a:prstGeom prst="rect">
+            <a:avLst/>
+          </a:prstGeom>
+          <a:noFill/>
+        </p:spPr>
+        <p:txBody>
+          <a:bodyPr wrap="square" rtlCol="0">
+            <a:spAutoFit/>
+          </a:bodyPr>
+          <a:lstStyle/>
+          <a:p>
+            <a:r>
+              <a:rPr lang="es-CL" sz="1400" dirty="0"/>
+              <a:t>[6, 47]</a:t>
+            </a:r>
+          </a:p>
+        </p:txBody>
+      </p:sp>
+      <p:sp>
+        <p:nvSpPr>
+          <p:cNvPr id="40" name="CuadroTexto 39">
+            <a:extLst>
+              <a:ext uri="{FF2B5EF4-FFF2-40B4-BE49-F238E27FC236}">
+                <a16:creationId xmlns:a16="http://schemas.microsoft.com/office/drawing/2014/main" id="{CEB84576-299E-5E49-9163-A064A348A583}"/>
+              </a:ext>
+            </a:extLst>
+          </p:cNvPr>
+          <p:cNvSpPr txBox="1"/>
+          <p:nvPr/>
+        </p:nvSpPr>
+        <p:spPr>
+          <a:xfrm>
+            <a:off x="5262637" y="2672623"/>
+            <a:ext cx="924251" cy="307777"/>
+          </a:xfrm>
+          <a:prstGeom prst="rect">
+            <a:avLst/>
+          </a:prstGeom>
+          <a:noFill/>
+        </p:spPr>
+        <p:txBody>
+          <a:bodyPr wrap="square" rtlCol="0">
+            <a:spAutoFit/>
+          </a:bodyPr>
+          <a:lstStyle/>
+          <a:p>
+            <a:r>
+              <a:rPr lang="es-CL" sz="1400" dirty="0"/>
+              <a:t>[16, 73]</a:t>
+            </a:r>
+          </a:p>
+        </p:txBody>
+      </p:sp>
+      <p:sp>
+        <p:nvSpPr>
+          <p:cNvPr id="41" name="CuadroTexto 40">
+            <a:extLst>
+              <a:ext uri="{FF2B5EF4-FFF2-40B4-BE49-F238E27FC236}">
+                <a16:creationId xmlns:a16="http://schemas.microsoft.com/office/drawing/2014/main" id="{E507BB28-BBEF-8826-1F29-3BA01FF55751}"/>
+              </a:ext>
+            </a:extLst>
+          </p:cNvPr>
+          <p:cNvSpPr txBox="1"/>
+          <p:nvPr/>
+        </p:nvSpPr>
+        <p:spPr>
+          <a:xfrm>
+            <a:off x="2103362" y="4529627"/>
+            <a:ext cx="924251" cy="307777"/>
+          </a:xfrm>
+          <a:prstGeom prst="rect">
+            <a:avLst/>
+          </a:prstGeom>
+          <a:noFill/>
+        </p:spPr>
+        <p:txBody>
+          <a:bodyPr wrap="square" rtlCol="0">
+            <a:spAutoFit/>
+          </a:bodyPr>
+          <a:lstStyle/>
+          <a:p>
+            <a:r>
+              <a:rPr lang="es-CL" sz="1400" dirty="0"/>
+              <a:t>[87, 97]</a:t>
+            </a:r>
+          </a:p>
+        </p:txBody>
+      </p:sp>
+      <p:sp>
+        <p:nvSpPr>
+          <p:cNvPr id="42" name="CuadroTexto 41">
+            <a:extLst>
+              <a:ext uri="{FF2B5EF4-FFF2-40B4-BE49-F238E27FC236}">
+                <a16:creationId xmlns:a16="http://schemas.microsoft.com/office/drawing/2014/main" id="{39B92C96-55CB-10EE-423A-209C91C6A6E3}"/>
+              </a:ext>
+            </a:extLst>
+          </p:cNvPr>
+          <p:cNvSpPr txBox="1"/>
+          <p:nvPr/>
+        </p:nvSpPr>
+        <p:spPr>
+          <a:xfrm>
+            <a:off x="4490332" y="584599"/>
+            <a:ext cx="924251" cy="307777"/>
+          </a:xfrm>
+          <a:prstGeom prst="rect">
+            <a:avLst/>
+          </a:prstGeom>
+          <a:noFill/>
+        </p:spPr>
+        <p:txBody>
+          <a:bodyPr wrap="square" rtlCol="0">
+            <a:spAutoFit/>
+          </a:bodyPr>
+          <a:lstStyle/>
+          <a:p>
+            <a:r>
+              <a:rPr lang="es-CL" sz="1400" dirty="0"/>
+              <a:t>[60, 82]</a:t>
+            </a:r>
+          </a:p>
+        </p:txBody>
+      </p:sp>
+      <p:sp>
+        <p:nvSpPr>
+          <p:cNvPr id="43" name="CuadroTexto 42">
+            <a:extLst>
+              <a:ext uri="{FF2B5EF4-FFF2-40B4-BE49-F238E27FC236}">
+                <a16:creationId xmlns:a16="http://schemas.microsoft.com/office/drawing/2014/main" id="{49D4B221-44AE-C2B5-1896-6F24DE00E61B}"/>
+              </a:ext>
+            </a:extLst>
+          </p:cNvPr>
+          <p:cNvSpPr txBox="1"/>
+          <p:nvPr/>
+        </p:nvSpPr>
+        <p:spPr>
+          <a:xfrm>
+            <a:off x="1664698" y="3446702"/>
+            <a:ext cx="924251" cy="307777"/>
+          </a:xfrm>
+          <a:prstGeom prst="rect">
+            <a:avLst/>
+          </a:prstGeom>
+          <a:noFill/>
+        </p:spPr>
+        <p:txBody>
+          <a:bodyPr wrap="square" rtlCol="0">
+            <a:spAutoFit/>
+          </a:bodyPr>
+          <a:lstStyle/>
+          <a:p>
+            <a:r>
+              <a:rPr lang="es-CL" sz="1400" dirty="0"/>
+              <a:t>[50, 72]</a:t>
+            </a:r>
+          </a:p>
+        </p:txBody>
+      </p:sp>
+    </p:spTree>
+    <p:extLst>
+      <p:ext uri="{BB962C8B-B14F-4D97-AF65-F5344CB8AC3E}">
+        <p14:creationId xmlns:p14="http://schemas.microsoft.com/office/powerpoint/2010/main" val="1411990905"/>
       </p:ext>
     </p:extLst>
   </p:cSld>
